--- a/doc/Quoc/SlidePresentation.pptx
+++ b/doc/Quoc/SlidePresentation.pptx
@@ -14,8 +14,8 @@
     <p:sldId id="259" r:id="rId5"/>
     <p:sldId id="260" r:id="rId6"/>
     <p:sldId id="261" r:id="rId7"/>
-    <p:sldId id="262" r:id="rId8"/>
-    <p:sldId id="266" r:id="rId9"/>
+    <p:sldId id="266" r:id="rId8"/>
+    <p:sldId id="262" r:id="rId9"/>
     <p:sldId id="263" r:id="rId10"/>
     <p:sldId id="264" r:id="rId11"/>
     <p:sldId id="265" r:id="rId12"/>
@@ -519,7 +519,27 @@
           <a:bodyPr/>
           <a:lstStyle/>
           <a:p>
-            <a:endParaRPr lang="en-US"/>
+            <a:r>
+              <a:rPr lang="en-US" dirty="0" smtClean="0"/>
+              <a:t>Chia </a:t>
+            </a:r>
+            <a:r>
+              <a:rPr lang="en-US" dirty="0" err="1" smtClean="0"/>
+              <a:t>lại</a:t>
+            </a:r>
+            <a:r>
+              <a:rPr lang="en-US" baseline="0" dirty="0" smtClean="0"/>
+              <a:t> </a:t>
+            </a:r>
+            <a:r>
+              <a:rPr lang="en-US" baseline="0" dirty="0" err="1" smtClean="0"/>
+              <a:t>luồng</a:t>
+            </a:r>
+            <a:r>
+              <a:rPr lang="en-US" baseline="0" dirty="0" smtClean="0"/>
+              <a:t> search – appointment, accept – contract - extend contract, Repair request, </a:t>
+            </a:r>
+            <a:endParaRPr lang="en-US" dirty="0"/>
           </a:p>
         </p:txBody>
       </p:sp>
@@ -642,6 +662,90 @@
     <p:extLst>
       <p:ext uri="{BB962C8B-B14F-4D97-AF65-F5344CB8AC3E}">
         <p14:creationId xmlns:p14="http://schemas.microsoft.com/office/powerpoint/2010/main" val="310705020"/>
+      </p:ext>
+    </p:extLst>
+  </p:cSld>
+  <p:clrMapOvr>
+    <a:masterClrMapping/>
+  </p:clrMapOvr>
+</p:notes>
+</file>
+
+<file path=ppt/notesSlides/notesSlide3.xml><?xml version="1.0" encoding="utf-8"?>
+<p:notes xmlns:a="http://schemas.openxmlformats.org/drawingml/2006/main" xmlns:r="http://schemas.openxmlformats.org/officeDocument/2006/relationships" xmlns:p="http://schemas.openxmlformats.org/presentationml/2006/main">
+  <p:cSld>
+    <p:spTree>
+      <p:nvGrpSpPr>
+        <p:cNvPr id="1" name=""/>
+        <p:cNvGrpSpPr/>
+        <p:nvPr/>
+      </p:nvGrpSpPr>
+      <p:grpSpPr>
+        <a:xfrm>
+          <a:off x="0" y="0"/>
+          <a:ext cx="0" cy="0"/>
+          <a:chOff x="0" y="0"/>
+          <a:chExt cx="0" cy="0"/>
+        </a:xfrm>
+      </p:grpSpPr>
+      <p:sp>
+        <p:nvSpPr>
+          <p:cNvPr id="2" name="Slide Image Placeholder 1"/>
+          <p:cNvSpPr>
+            <a:spLocks noGrp="1" noRot="1" noChangeAspect="1"/>
+          </p:cNvSpPr>
+          <p:nvPr>
+            <p:ph type="sldImg"/>
+          </p:nvPr>
+        </p:nvSpPr>
+        <p:spPr/>
+      </p:sp>
+      <p:sp>
+        <p:nvSpPr>
+          <p:cNvPr id="3" name="Notes Placeholder 2"/>
+          <p:cNvSpPr>
+            <a:spLocks noGrp="1"/>
+          </p:cNvSpPr>
+          <p:nvPr>
+            <p:ph type="body" idx="1"/>
+          </p:nvPr>
+        </p:nvSpPr>
+        <p:spPr/>
+        <p:txBody>
+          <a:bodyPr/>
+          <a:lstStyle/>
+          <a:p>
+            <a:endParaRPr lang="en-US"/>
+          </a:p>
+        </p:txBody>
+      </p:sp>
+      <p:sp>
+        <p:nvSpPr>
+          <p:cNvPr id="4" name="Slide Number Placeholder 3"/>
+          <p:cNvSpPr>
+            <a:spLocks noGrp="1"/>
+          </p:cNvSpPr>
+          <p:nvPr>
+            <p:ph type="sldNum" sz="quarter" idx="10"/>
+          </p:nvPr>
+        </p:nvSpPr>
+        <p:spPr/>
+        <p:txBody>
+          <a:bodyPr/>
+          <a:lstStyle/>
+          <a:p>
+            <a:fld id="{646E74A8-2AAA-4D79-A58D-E7E68E479C6F}" type="slidenum">
+              <a:rPr lang="en-US" smtClean="0"/>
+              <a:t>7</a:t>
+            </a:fld>
+            <a:endParaRPr lang="en-US"/>
+          </a:p>
+        </p:txBody>
+      </p:sp>
+    </p:spTree>
+    <p:extLst>
+      <p:ext uri="{BB962C8B-B14F-4D97-AF65-F5344CB8AC3E}">
+        <p14:creationId xmlns:p14="http://schemas.microsoft.com/office/powerpoint/2010/main" val="3871425962"/>
       </p:ext>
     </p:extLst>
   </p:cSld>
@@ -1443,7 +1547,7 @@
           <a:bodyPr/>
           <a:lstStyle/>
           <a:p>
-            <a:fld id="{DE70EEAC-3F9E-406C-9BC4-721224058FC7}" type="datetime1">
+            <a:fld id="{A4332FA6-9BA6-4B4F-AE99-90F88A80269F}" type="datetime1">
               <a:rPr lang="en-US" smtClean="0"/>
               <a:t>8/3/2015</a:t>
             </a:fld>
@@ -1699,7 +1803,7 @@
           <a:bodyPr/>
           <a:lstStyle/>
           <a:p>
-            <a:fld id="{9A910F0B-1EDD-46C7-BEFB-F60B203D61AC}" type="datetime1">
+            <a:fld id="{B7A5EE82-0FFF-48EF-A2C5-439DDF04C83A}" type="datetime1">
               <a:rPr lang="en-US" smtClean="0"/>
               <a:t>8/3/2015</a:t>
             </a:fld>
@@ -2018,7 +2122,7 @@
           <a:bodyPr/>
           <a:lstStyle/>
           <a:p>
-            <a:fld id="{45D8F8DC-949A-4E5E-80B1-9B6E268FB033}" type="datetime1">
+            <a:fld id="{75465E8B-5462-4D45-94F0-D388157A3973}" type="datetime1">
               <a:rPr lang="en-US" smtClean="0"/>
               <a:t>8/3/2015</a:t>
             </a:fld>
@@ -2356,7 +2460,7 @@
           <a:bodyPr/>
           <a:lstStyle/>
           <a:p>
-            <a:fld id="{AA9C922D-59B7-4ADF-8C14-18C323E55891}" type="datetime1">
+            <a:fld id="{83BB6776-58C1-437B-A969-1990FE3744A0}" type="datetime1">
               <a:rPr lang="en-US" smtClean="0"/>
               <a:t>8/3/2015</a:t>
             </a:fld>
@@ -2675,7 +2779,7 @@
           <a:bodyPr/>
           <a:lstStyle/>
           <a:p>
-            <a:fld id="{3037368E-0C2C-4ADE-9378-844C26427DA6}" type="datetime1">
+            <a:fld id="{78344D81-0DB2-4B84-8FD3-6941EE37F177}" type="datetime1">
               <a:rPr lang="en-US" smtClean="0"/>
               <a:t>8/3/2015</a:t>
             </a:fld>
@@ -3073,7 +3177,7 @@
           <a:bodyPr/>
           <a:lstStyle/>
           <a:p>
-            <a:fld id="{2BF8B1AF-EED9-4ACF-8716-BF0F4EC75F2C}" type="datetime1">
+            <a:fld id="{70A87C18-7A92-4B37-9CE1-E122BA28C9E5}" type="datetime1">
               <a:rPr lang="en-US" smtClean="0"/>
               <a:t>8/3/2015</a:t>
             </a:fld>
@@ -3248,7 +3352,7 @@
           <a:bodyPr/>
           <a:lstStyle/>
           <a:p>
-            <a:fld id="{B8122C92-68BB-4101-B979-008B8528859C}" type="datetime1">
+            <a:fld id="{51CF433C-D46C-4579-BA0E-9196B0E6405F}" type="datetime1">
               <a:rPr lang="en-US" smtClean="0"/>
               <a:t>8/3/2015</a:t>
             </a:fld>
@@ -3432,7 +3536,7 @@
           <a:bodyPr/>
           <a:lstStyle/>
           <a:p>
-            <a:fld id="{C93829E6-E769-436E-BB15-5835282B8B1B}" type="datetime1">
+            <a:fld id="{4483B77D-A250-46E0-8E18-5D6B20B958BC}" type="datetime1">
               <a:rPr lang="en-US" smtClean="0"/>
               <a:t>8/3/2015</a:t>
             </a:fld>
@@ -3607,7 +3711,7 @@
           <a:bodyPr/>
           <a:lstStyle/>
           <a:p>
-            <a:fld id="{669C8C16-0B8B-4E53-B2E5-3FEFC54D1B39}" type="datetime1">
+            <a:fld id="{0ED6F036-4857-477E-B0F3-EAA76BF3A87E}" type="datetime1">
               <a:rPr lang="en-US" smtClean="0"/>
               <a:t>8/3/2015</a:t>
             </a:fld>
@@ -3866,7 +3970,7 @@
           <a:bodyPr/>
           <a:lstStyle/>
           <a:p>
-            <a:fld id="{AF8BE66A-5172-4F16-8BEC-9289B9FCC791}" type="datetime1">
+            <a:fld id="{5DD13987-67D6-4BA4-BB64-1545821A185E}" type="datetime1">
               <a:rPr lang="en-US" smtClean="0"/>
               <a:t>8/3/2015</a:t>
             </a:fld>
@@ -4168,7 +4272,7 @@
           <a:bodyPr/>
           <a:lstStyle/>
           <a:p>
-            <a:fld id="{E2D09D73-17E4-4404-8A79-D2B6CD3CAE57}" type="datetime1">
+            <a:fld id="{95CA2143-AB3E-4E00-B751-45DFC36EE7D7}" type="datetime1">
               <a:rPr lang="en-US" smtClean="0"/>
               <a:t>8/3/2015</a:t>
             </a:fld>
@@ -4558,7 +4662,7 @@
           <a:bodyPr/>
           <a:lstStyle/>
           <a:p>
-            <a:fld id="{395F5437-18CA-4221-A6A3-A2DA15C43CCC}" type="datetime1">
+            <a:fld id="{43D87BC1-D257-4CD1-AE6A-5EF434EDB6B6}" type="datetime1">
               <a:rPr lang="en-US" smtClean="0"/>
               <a:t>8/3/2015</a:t>
             </a:fld>
@@ -4686,7 +4790,7 @@
           <a:bodyPr/>
           <a:lstStyle/>
           <a:p>
-            <a:fld id="{32974CCF-E877-4EC6-B4E5-8FF453A35D81}" type="datetime1">
+            <a:fld id="{FE3E20D6-77F2-4F2A-9CED-5B969CE825EE}" type="datetime1">
               <a:rPr lang="en-US" smtClean="0"/>
               <a:t>8/3/2015</a:t>
             </a:fld>
@@ -4786,7 +4890,7 @@
           <a:bodyPr/>
           <a:lstStyle/>
           <a:p>
-            <a:fld id="{B152C4E7-C096-4006-B519-EC3DA6430739}" type="datetime1">
+            <a:fld id="{B3F60B28-0126-4489-BE46-FE8F1A875EAE}" type="datetime1">
               <a:rPr lang="en-US" smtClean="0"/>
               <a:t>8/3/2015</a:t>
             </a:fld>
@@ -5046,7 +5150,7 @@
           <a:bodyPr/>
           <a:lstStyle/>
           <a:p>
-            <a:fld id="{9160EE10-CAB0-4221-AA90-354888A5470C}" type="datetime1">
+            <a:fld id="{53258F51-8563-4462-A6AE-448EB912F18A}" type="datetime1">
               <a:rPr lang="en-US" smtClean="0"/>
               <a:t>8/3/2015</a:t>
             </a:fld>
@@ -5313,7 +5417,7 @@
           <a:bodyPr/>
           <a:lstStyle/>
           <a:p>
-            <a:fld id="{62DE83B4-9494-41D8-824C-41CAD4E0105E}" type="datetime1">
+            <a:fld id="{F87B5513-9A19-4147-B38C-FC727D50D8AB}" type="datetime1">
               <a:rPr lang="en-US" smtClean="0"/>
               <a:t>8/3/2015</a:t>
             </a:fld>
@@ -6132,7 +6236,7 @@
             </a:lvl1pPr>
           </a:lstStyle>
           <a:p>
-            <a:fld id="{94BF07FF-B9FF-4E11-8DA0-96F8C3F698DD}" type="datetime1">
+            <a:fld id="{ACDB6D9D-800F-49BB-8FF9-94A9F32541C8}" type="datetime1">
               <a:rPr lang="en-US" smtClean="0"/>
               <a:t>8/3/2015</a:t>
             </a:fld>
@@ -6683,8 +6787,8 @@
         </p:nvSpPr>
         <p:spPr>
           <a:xfrm>
-            <a:off x="458472" y="2404532"/>
-            <a:ext cx="6786390" cy="1646302"/>
+            <a:off x="458472" y="3090332"/>
+            <a:ext cx="6786390" cy="960501"/>
           </a:xfrm>
         </p:spPr>
         <p:txBody>
@@ -6711,7 +6815,7 @@
         </p:nvSpPr>
         <p:spPr>
           <a:xfrm>
-            <a:off x="2719754" y="4050834"/>
+            <a:off x="3414021" y="4050834"/>
             <a:ext cx="4237560" cy="1951381"/>
           </a:xfrm>
         </p:spPr>
@@ -6878,7 +6982,7 @@
         </p:nvSpPr>
         <p:spPr>
           <a:xfrm>
-            <a:off x="2152631" y="1723659"/>
+            <a:off x="2152631" y="1588616"/>
             <a:ext cx="3782646" cy="369332"/>
           </a:xfrm>
           <a:prstGeom prst="rect">
@@ -7376,7 +7480,7 @@
         <p:spPr/>
         <p:txBody>
           <a:bodyPr>
-            <a:normAutofit fontScale="92500" lnSpcReduction="20000"/>
+            <a:normAutofit/>
           </a:bodyPr>
           <a:lstStyle/>
           <a:p>
@@ -7406,8 +7510,13 @@
             </a:pPr>
             <a:r>
               <a:rPr lang="en-US" dirty="0" smtClean="0"/>
-              <a:t>Project Features</a:t>
-            </a:r>
+              <a:t>Project </a:t>
+            </a:r>
+            <a:r>
+              <a:rPr lang="en-US" dirty="0" smtClean="0"/>
+              <a:t>Features</a:t>
+            </a:r>
+            <a:endParaRPr lang="en-US" dirty="0" smtClean="0"/>
           </a:p>
           <a:p>
             <a:pPr marL="800100" lvl="1" indent="-400050">
@@ -7416,8 +7525,17 @@
             </a:pPr>
             <a:r>
               <a:rPr lang="en-US" dirty="0" smtClean="0"/>
-              <a:t>Search Office</a:t>
-            </a:r>
+              <a:t>Search </a:t>
+            </a:r>
+            <a:r>
+              <a:rPr lang="en-US" dirty="0" smtClean="0"/>
+              <a:t>Office - </a:t>
+            </a:r>
+            <a:r>
+              <a:rPr lang="en-US" dirty="0" smtClean="0"/>
+              <a:t>Request Office</a:t>
+            </a:r>
+            <a:endParaRPr lang="en-US" dirty="0" smtClean="0"/>
           </a:p>
           <a:p>
             <a:pPr marL="800100" lvl="1" indent="-400050">
@@ -7426,7 +7544,15 @@
             </a:pPr>
             <a:r>
               <a:rPr lang="en-US" dirty="0" smtClean="0"/>
-              <a:t>Request Appointment</a:t>
+              <a:t>Request </a:t>
+            </a:r>
+            <a:r>
+              <a:rPr lang="en-US" dirty="0" smtClean="0"/>
+              <a:t>Appointment - </a:t>
+            </a:r>
+            <a:r>
+              <a:rPr lang="en-US" dirty="0" smtClean="0"/>
+              <a:t>Create Contract</a:t>
             </a:r>
           </a:p>
           <a:p>
@@ -7435,12 +7561,12 @@
               <a:buAutoNum type="arabicPeriod"/>
             </a:pPr>
             <a:r>
+              <a:rPr lang="en-US" dirty="0"/>
+              <a:t>Extend and Return </a:t>
+            </a:r>
+            <a:r>
               <a:rPr lang="en-US" dirty="0" smtClean="0"/>
-              <a:t>Request </a:t>
-            </a:r>
-            <a:r>
-              <a:rPr lang="en-US" dirty="0"/>
-              <a:t>Office</a:t>
+              <a:t>contract</a:t>
             </a:r>
             <a:endParaRPr lang="en-US" dirty="0" smtClean="0"/>
           </a:p>
@@ -7451,7 +7577,7 @@
             </a:pPr>
             <a:r>
               <a:rPr lang="en-US" dirty="0" smtClean="0"/>
-              <a:t>Create Contract</a:t>
+              <a:t>Request Rental/ Repair </a:t>
             </a:r>
           </a:p>
           <a:p>
@@ -7461,27 +7587,11 @@
             </a:pPr>
             <a:r>
               <a:rPr lang="en-US" dirty="0" smtClean="0"/>
-              <a:t>Request Repair/ Rental</a:t>
-            </a:r>
-          </a:p>
-          <a:p>
-            <a:pPr marL="800100" lvl="1" indent="-400050">
-              <a:buFont typeface="+mj-lt"/>
-              <a:buAutoNum type="arabicPeriod"/>
-            </a:pPr>
+              <a:t>Statistic </a:t>
+            </a:r>
             <a:r>
               <a:rPr lang="en-US" dirty="0" smtClean="0"/>
-              <a:t>Extend and Return contract</a:t>
-            </a:r>
-          </a:p>
-          <a:p>
-            <a:pPr marL="800100" lvl="1" indent="-400050">
-              <a:buFont typeface="+mj-lt"/>
-              <a:buAutoNum type="arabicPeriod"/>
-            </a:pPr>
-            <a:r>
-              <a:rPr lang="en-US" dirty="0" smtClean="0"/>
-              <a:t>Statistic and Management</a:t>
+              <a:t>and Management</a:t>
             </a:r>
           </a:p>
           <a:p>
@@ -7653,6 +7763,42 @@
             <a:endParaRPr lang="en-US" dirty="0" smtClean="0"/>
           </a:p>
           <a:p>
+            <a:r>
+              <a:rPr lang="en-US" dirty="0" smtClean="0"/>
+              <a:t>(</a:t>
+            </a:r>
+            <a:r>
+              <a:rPr lang="en-US" dirty="0" err="1" smtClean="0"/>
+              <a:t>Dẫn</a:t>
+            </a:r>
+            <a:r>
+              <a:rPr lang="en-US" dirty="0" smtClean="0"/>
+              <a:t> </a:t>
+            </a:r>
+            <a:r>
+              <a:rPr lang="en-US" dirty="0" err="1" smtClean="0"/>
+              <a:t>chứng</a:t>
+            </a:r>
+            <a:r>
+              <a:rPr lang="en-US" dirty="0" smtClean="0"/>
+              <a:t> </a:t>
+            </a:r>
+            <a:r>
+              <a:rPr lang="en-US" dirty="0" err="1" smtClean="0"/>
+              <a:t>một</a:t>
+            </a:r>
+            <a:r>
+              <a:rPr lang="en-US" dirty="0" smtClean="0"/>
+              <a:t> </a:t>
+            </a:r>
+            <a:r>
+              <a:rPr lang="en-US" dirty="0" err="1" smtClean="0"/>
+              <a:t>số</a:t>
+            </a:r>
+            <a:r>
+              <a:rPr lang="en-US" dirty="0" smtClean="0"/>
+              <a:t> website)</a:t>
+            </a:r>
             <a:endParaRPr lang="en-US" dirty="0" smtClean="0"/>
           </a:p>
           <a:p>
@@ -7799,7 +7945,98 @@
           <a:p>
             <a:r>
               <a:rPr lang="en-US" dirty="0" smtClean="0"/>
-              <a:t>Effective notification by email and SMS.</a:t>
+              <a:t>Effective notification by email and SMS</a:t>
+            </a:r>
+            <a:r>
+              <a:rPr lang="en-US" dirty="0" smtClean="0"/>
+              <a:t>.</a:t>
+            </a:r>
+          </a:p>
+          <a:p>
+            <a:endParaRPr lang="en-US" dirty="0"/>
+          </a:p>
+          <a:p>
+            <a:r>
+              <a:rPr lang="en-US" dirty="0" smtClean="0"/>
+              <a:t>(</a:t>
+            </a:r>
+            <a:r>
+              <a:rPr lang="en-US" dirty="0" err="1" smtClean="0"/>
+              <a:t>Vẽ</a:t>
+            </a:r>
+            <a:r>
+              <a:rPr lang="en-US" dirty="0" smtClean="0"/>
+              <a:t> </a:t>
+            </a:r>
+            <a:r>
+              <a:rPr lang="en-US" dirty="0" err="1" smtClean="0"/>
+              <a:t>mô</a:t>
+            </a:r>
+            <a:r>
+              <a:rPr lang="en-US" dirty="0" smtClean="0"/>
+              <a:t> </a:t>
+            </a:r>
+            <a:r>
+              <a:rPr lang="en-US" dirty="0" err="1" smtClean="0"/>
+              <a:t>hình</a:t>
+            </a:r>
+            <a:r>
+              <a:rPr lang="en-US" dirty="0" smtClean="0"/>
+              <a:t> </a:t>
+            </a:r>
+            <a:r>
+              <a:rPr lang="en-US" dirty="0" err="1" smtClean="0"/>
+              <a:t>hệ</a:t>
+            </a:r>
+            <a:r>
+              <a:rPr lang="en-US" dirty="0" smtClean="0"/>
+              <a:t> </a:t>
+            </a:r>
+            <a:r>
+              <a:rPr lang="en-US" dirty="0" err="1" smtClean="0"/>
+              <a:t>thống</a:t>
+            </a:r>
+            <a:r>
+              <a:rPr lang="en-US" dirty="0" smtClean="0"/>
+              <a:t>)</a:t>
+            </a:r>
+          </a:p>
+          <a:p>
+            <a:r>
+              <a:rPr lang="en-US" dirty="0" smtClean="0"/>
+              <a:t>(</a:t>
+            </a:r>
+            <a:r>
+              <a:rPr lang="en-US" dirty="0" err="1" smtClean="0"/>
+              <a:t>Đưa</a:t>
+            </a:r>
+            <a:r>
+              <a:rPr lang="en-US" dirty="0" smtClean="0"/>
+              <a:t> </a:t>
+            </a:r>
+            <a:r>
+              <a:rPr lang="en-US" dirty="0" err="1" smtClean="0"/>
+              <a:t>chức</a:t>
+            </a:r>
+            <a:r>
+              <a:rPr lang="en-US" dirty="0" smtClean="0"/>
+              <a:t> </a:t>
+            </a:r>
+            <a:r>
+              <a:rPr lang="en-US" dirty="0" err="1" smtClean="0"/>
+              <a:t>năng</a:t>
+            </a:r>
+            <a:r>
+              <a:rPr lang="en-US" dirty="0" smtClean="0"/>
+              <a:t> </a:t>
+            </a:r>
+            <a:r>
+              <a:rPr lang="en-US" dirty="0" err="1" smtClean="0"/>
+              <a:t>chính</a:t>
+            </a:r>
+            <a:r>
+              <a:rPr lang="en-US" dirty="0" smtClean="0"/>
+              <a:t>)</a:t>
             </a:r>
             <a:endParaRPr lang="en-US" dirty="0"/>
           </a:p>
@@ -8282,7 +8519,7 @@
                   </a:schemeClr>
                 </a:solidFill>
               </a:rPr>
-              <a:t>Request Office</a:t>
+              <a:t>Create Contract</a:t>
             </a:r>
             <a:endParaRPr lang="en-US" dirty="0">
               <a:solidFill>
@@ -8294,9 +8531,798 @@
           </a:p>
         </p:txBody>
       </p:sp>
-      <p:sp>
-        <p:nvSpPr>
-          <p:cNvPr id="4" name="Footer Placeholder 3"/>
+      <p:pic>
+        <p:nvPicPr>
+          <p:cNvPr id="15" name="Content Placeholder 14"/>
+          <p:cNvPicPr>
+            <a:picLocks noGrp="1" noChangeAspect="1"/>
+          </p:cNvPicPr>
+          <p:nvPr>
+            <p:ph idx="1"/>
+          </p:nvPr>
+        </p:nvPicPr>
+        <p:blipFill>
+          <a:blip r:embed="rId3">
+            <a:extLst>
+              <a:ext uri="{28A0092B-C50C-407E-A947-70E740481C1C}">
+                <a14:useLocalDpi xmlns:a14="http://schemas.microsoft.com/office/drawing/2010/main" val="0"/>
+              </a:ext>
+            </a:extLst>
+          </a:blip>
+          <a:stretch>
+            <a:fillRect/>
+          </a:stretch>
+        </p:blipFill>
+        <p:spPr>
+          <a:xfrm>
+            <a:off x="826907" y="1736088"/>
+            <a:ext cx="1196625" cy="998367"/>
+          </a:xfrm>
+        </p:spPr>
+      </p:pic>
+      <p:pic>
+        <p:nvPicPr>
+          <p:cNvPr id="17" name="Picture 16"/>
+          <p:cNvPicPr>
+            <a:picLocks noChangeAspect="1"/>
+          </p:cNvPicPr>
+          <p:nvPr/>
+        </p:nvPicPr>
+        <p:blipFill>
+          <a:blip r:embed="rId4">
+            <a:extLst>
+              <a:ext uri="{28A0092B-C50C-407E-A947-70E740481C1C}">
+                <a14:useLocalDpi xmlns:a14="http://schemas.microsoft.com/office/drawing/2010/main" val="0"/>
+              </a:ext>
+            </a:extLst>
+          </a:blip>
+          <a:stretch>
+            <a:fillRect/>
+          </a:stretch>
+        </p:blipFill>
+        <p:spPr>
+          <a:xfrm>
+            <a:off x="3718476" y="5521542"/>
+            <a:ext cx="1196624" cy="998367"/>
+          </a:xfrm>
+          <a:prstGeom prst="rect">
+            <a:avLst/>
+          </a:prstGeom>
+        </p:spPr>
+      </p:pic>
+      <p:pic>
+        <p:nvPicPr>
+          <p:cNvPr id="20" name="Picture 19"/>
+          <p:cNvPicPr>
+            <a:picLocks noChangeAspect="1"/>
+          </p:cNvPicPr>
+          <p:nvPr/>
+        </p:nvPicPr>
+        <p:blipFill>
+          <a:blip r:embed="rId5">
+            <a:extLst>
+              <a:ext uri="{28A0092B-C50C-407E-A947-70E740481C1C}">
+                <a14:useLocalDpi xmlns:a14="http://schemas.microsoft.com/office/drawing/2010/main" val="0"/>
+              </a:ext>
+            </a:extLst>
+          </a:blip>
+          <a:stretch>
+            <a:fillRect/>
+          </a:stretch>
+        </p:blipFill>
+        <p:spPr>
+          <a:xfrm>
+            <a:off x="6262507" y="1736088"/>
+            <a:ext cx="1196625" cy="998367"/>
+          </a:xfrm>
+          <a:prstGeom prst="rect">
+            <a:avLst/>
+          </a:prstGeom>
+        </p:spPr>
+      </p:pic>
+      <p:pic>
+        <p:nvPicPr>
+          <p:cNvPr id="23" name="Picture 22"/>
+          <p:cNvPicPr>
+            <a:picLocks noChangeAspect="1"/>
+          </p:cNvPicPr>
+          <p:nvPr/>
+        </p:nvPicPr>
+        <p:blipFill>
+          <a:blip r:embed="rId6">
+            <a:extLst>
+              <a:ext uri="{28A0092B-C50C-407E-A947-70E740481C1C}">
+                <a14:useLocalDpi xmlns:a14="http://schemas.microsoft.com/office/drawing/2010/main" val="0"/>
+              </a:ext>
+            </a:extLst>
+          </a:blip>
+          <a:stretch>
+            <a:fillRect/>
+          </a:stretch>
+        </p:blipFill>
+        <p:spPr>
+          <a:xfrm>
+            <a:off x="804235" y="4206777"/>
+            <a:ext cx="1303031" cy="931094"/>
+          </a:xfrm>
+          <a:prstGeom prst="rect">
+            <a:avLst/>
+          </a:prstGeom>
+        </p:spPr>
+      </p:pic>
+      <p:pic>
+        <p:nvPicPr>
+          <p:cNvPr id="24" name="Picture 23"/>
+          <p:cNvPicPr>
+            <a:picLocks noChangeAspect="1"/>
+          </p:cNvPicPr>
+          <p:nvPr/>
+        </p:nvPicPr>
+        <p:blipFill>
+          <a:blip r:embed="rId7">
+            <a:extLst>
+              <a:ext uri="{28A0092B-C50C-407E-A947-70E740481C1C}">
+                <a14:useLocalDpi xmlns:a14="http://schemas.microsoft.com/office/drawing/2010/main" val="0"/>
+              </a:ext>
+            </a:extLst>
+          </a:blip>
+          <a:stretch>
+            <a:fillRect/>
+          </a:stretch>
+        </p:blipFill>
+        <p:spPr>
+          <a:xfrm>
+            <a:off x="3650658" y="3170380"/>
+            <a:ext cx="1355038" cy="1302107"/>
+          </a:xfrm>
+          <a:prstGeom prst="rect">
+            <a:avLst/>
+          </a:prstGeom>
+        </p:spPr>
+      </p:pic>
+      <p:pic>
+        <p:nvPicPr>
+          <p:cNvPr id="28" name="Picture 27"/>
+          <p:cNvPicPr>
+            <a:picLocks noChangeAspect="1"/>
+          </p:cNvPicPr>
+          <p:nvPr/>
+        </p:nvPicPr>
+        <p:blipFill>
+          <a:blip r:embed="rId8">
+            <a:extLst>
+              <a:ext uri="{28A0092B-C50C-407E-A947-70E740481C1C}">
+                <a14:useLocalDpi xmlns:a14="http://schemas.microsoft.com/office/drawing/2010/main" val="0"/>
+              </a:ext>
+            </a:extLst>
+          </a:blip>
+          <a:stretch>
+            <a:fillRect/>
+          </a:stretch>
+        </p:blipFill>
+        <p:spPr>
+          <a:xfrm>
+            <a:off x="6503214" y="3628908"/>
+            <a:ext cx="1220586" cy="1220586"/>
+          </a:xfrm>
+          <a:prstGeom prst="rect">
+            <a:avLst/>
+          </a:prstGeom>
+        </p:spPr>
+      </p:pic>
+      <p:sp>
+        <p:nvSpPr>
+          <p:cNvPr id="35" name="Right Arrow 34"/>
+          <p:cNvSpPr/>
+          <p:nvPr/>
+        </p:nvSpPr>
+        <p:spPr>
+          <a:xfrm rot="5400000" flipV="1">
+            <a:off x="860686" y="3471671"/>
+            <a:ext cx="1129072" cy="235249"/>
+          </a:xfrm>
+          <a:prstGeom prst="rightArrow">
+            <a:avLst/>
+          </a:prstGeom>
+        </p:spPr>
+        <p:style>
+          <a:lnRef idx="2">
+            <a:schemeClr val="accent1">
+              <a:shade val="50000"/>
+            </a:schemeClr>
+          </a:lnRef>
+          <a:fillRef idx="1">
+            <a:schemeClr val="accent1"/>
+          </a:fillRef>
+          <a:effectRef idx="0">
+            <a:schemeClr val="accent1"/>
+          </a:effectRef>
+          <a:fontRef idx="minor">
+            <a:schemeClr val="lt1"/>
+          </a:fontRef>
+        </p:style>
+        <p:txBody>
+          <a:bodyPr rtlCol="0" anchor="ctr"/>
+          <a:lstStyle/>
+          <a:p>
+            <a:pPr algn="ctr"/>
+            <a:endParaRPr lang="en-US"/>
+          </a:p>
+        </p:txBody>
+      </p:sp>
+      <p:sp>
+        <p:nvSpPr>
+          <p:cNvPr id="36" name="Right Arrow 35"/>
+          <p:cNvSpPr/>
+          <p:nvPr/>
+        </p:nvSpPr>
+        <p:spPr>
+          <a:xfrm rot="20943318" flipV="1">
+            <a:off x="2463072" y="3835793"/>
+            <a:ext cx="894646" cy="235249"/>
+          </a:xfrm>
+          <a:prstGeom prst="rightArrow">
+            <a:avLst/>
+          </a:prstGeom>
+        </p:spPr>
+        <p:style>
+          <a:lnRef idx="2">
+            <a:schemeClr val="accent1">
+              <a:shade val="50000"/>
+            </a:schemeClr>
+          </a:lnRef>
+          <a:fillRef idx="1">
+            <a:schemeClr val="accent1"/>
+          </a:fillRef>
+          <a:effectRef idx="0">
+            <a:schemeClr val="accent1"/>
+          </a:effectRef>
+          <a:fontRef idx="minor">
+            <a:schemeClr val="lt1"/>
+          </a:fontRef>
+        </p:style>
+        <p:txBody>
+          <a:bodyPr rtlCol="0" anchor="ctr"/>
+          <a:lstStyle/>
+          <a:p>
+            <a:pPr algn="ctr"/>
+            <a:endParaRPr lang="en-US"/>
+          </a:p>
+        </p:txBody>
+      </p:sp>
+      <p:sp>
+        <p:nvSpPr>
+          <p:cNvPr id="38" name="Right Arrow 37"/>
+          <p:cNvSpPr/>
+          <p:nvPr/>
+        </p:nvSpPr>
+        <p:spPr>
+          <a:xfrm rot="16200000" flipV="1">
+            <a:off x="3964547" y="4901903"/>
+            <a:ext cx="704481" cy="235249"/>
+          </a:xfrm>
+          <a:prstGeom prst="rightArrow">
+            <a:avLst/>
+          </a:prstGeom>
+        </p:spPr>
+        <p:style>
+          <a:lnRef idx="2">
+            <a:schemeClr val="accent1">
+              <a:shade val="50000"/>
+            </a:schemeClr>
+          </a:lnRef>
+          <a:fillRef idx="1">
+            <a:schemeClr val="accent1"/>
+          </a:fillRef>
+          <a:effectRef idx="0">
+            <a:schemeClr val="accent1"/>
+          </a:effectRef>
+          <a:fontRef idx="minor">
+            <a:schemeClr val="lt1"/>
+          </a:fontRef>
+        </p:style>
+        <p:txBody>
+          <a:bodyPr rtlCol="0" anchor="ctr"/>
+          <a:lstStyle/>
+          <a:p>
+            <a:pPr algn="ctr"/>
+            <a:endParaRPr lang="en-US"/>
+          </a:p>
+        </p:txBody>
+      </p:sp>
+      <p:sp>
+        <p:nvSpPr>
+          <p:cNvPr id="39" name="Right Arrow 38"/>
+          <p:cNvSpPr/>
+          <p:nvPr/>
+        </p:nvSpPr>
+        <p:spPr>
+          <a:xfrm rot="19514031" flipV="1">
+            <a:off x="5168560" y="3034926"/>
+            <a:ext cx="1127512" cy="235249"/>
+          </a:xfrm>
+          <a:prstGeom prst="rightArrow">
+            <a:avLst/>
+          </a:prstGeom>
+        </p:spPr>
+        <p:style>
+          <a:lnRef idx="2">
+            <a:schemeClr val="accent1">
+              <a:shade val="50000"/>
+            </a:schemeClr>
+          </a:lnRef>
+          <a:fillRef idx="1">
+            <a:schemeClr val="accent1"/>
+          </a:fillRef>
+          <a:effectRef idx="0">
+            <a:schemeClr val="accent1"/>
+          </a:effectRef>
+          <a:fontRef idx="minor">
+            <a:schemeClr val="lt1"/>
+          </a:fontRef>
+        </p:style>
+        <p:txBody>
+          <a:bodyPr rtlCol="0" anchor="ctr"/>
+          <a:lstStyle/>
+          <a:p>
+            <a:pPr algn="ctr"/>
+            <a:endParaRPr lang="en-US"/>
+          </a:p>
+        </p:txBody>
+      </p:sp>
+      <p:sp>
+        <p:nvSpPr>
+          <p:cNvPr id="40" name="Left-Right-Up Arrow 39"/>
+          <p:cNvSpPr/>
+          <p:nvPr/>
+        </p:nvSpPr>
+        <p:spPr>
+          <a:xfrm rot="10800000">
+            <a:off x="2525041" y="1971590"/>
+            <a:ext cx="3583493" cy="1151138"/>
+          </a:xfrm>
+          <a:prstGeom prst="leftRightUpArrow">
+            <a:avLst>
+              <a:gd name="adj1" fmla="val 14807"/>
+              <a:gd name="adj2" fmla="val 29453"/>
+              <a:gd name="adj3" fmla="val 25000"/>
+            </a:avLst>
+          </a:prstGeom>
+        </p:spPr>
+        <p:style>
+          <a:lnRef idx="2">
+            <a:schemeClr val="accent1">
+              <a:shade val="50000"/>
+            </a:schemeClr>
+          </a:lnRef>
+          <a:fillRef idx="1">
+            <a:schemeClr val="accent1"/>
+          </a:fillRef>
+          <a:effectRef idx="0">
+            <a:schemeClr val="accent1"/>
+          </a:effectRef>
+          <a:fontRef idx="minor">
+            <a:schemeClr val="lt1"/>
+          </a:fontRef>
+        </p:style>
+        <p:txBody>
+          <a:bodyPr rtlCol="0" anchor="ctr"/>
+          <a:lstStyle/>
+          <a:p>
+            <a:pPr algn="ctr"/>
+            <a:endParaRPr lang="en-US"/>
+          </a:p>
+        </p:txBody>
+      </p:sp>
+      <p:sp>
+        <p:nvSpPr>
+          <p:cNvPr id="43" name="Right Arrow 42"/>
+          <p:cNvSpPr/>
+          <p:nvPr/>
+        </p:nvSpPr>
+        <p:spPr>
+          <a:xfrm rot="424560" flipV="1">
+            <a:off x="5175855" y="4089153"/>
+            <a:ext cx="1416430" cy="235249"/>
+          </a:xfrm>
+          <a:prstGeom prst="rightArrow">
+            <a:avLst/>
+          </a:prstGeom>
+        </p:spPr>
+        <p:style>
+          <a:lnRef idx="2">
+            <a:schemeClr val="accent1">
+              <a:shade val="50000"/>
+            </a:schemeClr>
+          </a:lnRef>
+          <a:fillRef idx="1">
+            <a:schemeClr val="accent1"/>
+          </a:fillRef>
+          <a:effectRef idx="0">
+            <a:schemeClr val="accent1"/>
+          </a:effectRef>
+          <a:fontRef idx="minor">
+            <a:schemeClr val="lt1"/>
+          </a:fontRef>
+        </p:style>
+        <p:txBody>
+          <a:bodyPr rtlCol="0" anchor="ctr"/>
+          <a:lstStyle/>
+          <a:p>
+            <a:pPr algn="ctr"/>
+            <a:endParaRPr lang="en-US"/>
+          </a:p>
+        </p:txBody>
+      </p:sp>
+      <p:sp>
+        <p:nvSpPr>
+          <p:cNvPr id="44" name="TextBox 43"/>
+          <p:cNvSpPr txBox="1"/>
+          <p:nvPr/>
+        </p:nvSpPr>
+        <p:spPr>
+          <a:xfrm>
+            <a:off x="1564147" y="3047704"/>
+            <a:ext cx="1787669" cy="338554"/>
+          </a:xfrm>
+          <a:prstGeom prst="rect">
+            <a:avLst/>
+          </a:prstGeom>
+          <a:noFill/>
+        </p:spPr>
+        <p:txBody>
+          <a:bodyPr wrap="none" rtlCol="0">
+            <a:spAutoFit/>
+          </a:bodyPr>
+          <a:lstStyle/>
+          <a:p>
+            <a:r>
+              <a:rPr lang="en-US" sz="1600" dirty="0" smtClean="0"/>
+              <a:t>(1) Go to website</a:t>
+            </a:r>
+            <a:endParaRPr lang="en-US" sz="1600" dirty="0"/>
+          </a:p>
+        </p:txBody>
+      </p:sp>
+      <p:sp>
+        <p:nvSpPr>
+          <p:cNvPr id="45" name="TextBox 44"/>
+          <p:cNvSpPr txBox="1"/>
+          <p:nvPr/>
+        </p:nvSpPr>
+        <p:spPr>
+          <a:xfrm>
+            <a:off x="2246638" y="4082512"/>
+            <a:ext cx="1415662" cy="584775"/>
+          </a:xfrm>
+          <a:prstGeom prst="rect">
+            <a:avLst/>
+          </a:prstGeom>
+          <a:noFill/>
+        </p:spPr>
+        <p:txBody>
+          <a:bodyPr wrap="square" rtlCol="0">
+            <a:spAutoFit/>
+          </a:bodyPr>
+          <a:lstStyle/>
+          <a:p>
+            <a:r>
+              <a:rPr lang="en-US" sz="1600" dirty="0" smtClean="0"/>
+              <a:t>(2) Create appointment</a:t>
+            </a:r>
+            <a:endParaRPr lang="en-US" sz="1600" dirty="0"/>
+          </a:p>
+        </p:txBody>
+      </p:sp>
+      <p:sp>
+        <p:nvSpPr>
+          <p:cNvPr id="47" name="TextBox 46"/>
+          <p:cNvSpPr txBox="1"/>
+          <p:nvPr/>
+        </p:nvSpPr>
+        <p:spPr>
+          <a:xfrm>
+            <a:off x="2525042" y="4897273"/>
+            <a:ext cx="1404020" cy="584775"/>
+          </a:xfrm>
+          <a:prstGeom prst="rect">
+            <a:avLst/>
+          </a:prstGeom>
+          <a:noFill/>
+        </p:spPr>
+        <p:txBody>
+          <a:bodyPr wrap="square" rtlCol="0">
+            <a:spAutoFit/>
+          </a:bodyPr>
+          <a:lstStyle/>
+          <a:p>
+            <a:r>
+              <a:rPr lang="en-US" sz="1600" dirty="0" smtClean="0"/>
+              <a:t>(3, </a:t>
+            </a:r>
+            <a:r>
+              <a:rPr lang="en-US" sz="1600" dirty="0" smtClean="0"/>
+              <a:t>7) </a:t>
+            </a:r>
+            <a:r>
+              <a:rPr lang="en-US" sz="1600" dirty="0" smtClean="0"/>
+              <a:t>Go to appointment</a:t>
+            </a:r>
+            <a:endParaRPr lang="en-US" sz="1600" dirty="0"/>
+          </a:p>
+        </p:txBody>
+      </p:sp>
+      <p:sp>
+        <p:nvSpPr>
+          <p:cNvPr id="48" name="TextBox 47"/>
+          <p:cNvSpPr txBox="1"/>
+          <p:nvPr/>
+        </p:nvSpPr>
+        <p:spPr>
+          <a:xfrm>
+            <a:off x="5732316" y="3165459"/>
+            <a:ext cx="1797159" cy="338554"/>
+          </a:xfrm>
+          <a:prstGeom prst="rect">
+            <a:avLst/>
+          </a:prstGeom>
+          <a:noFill/>
+        </p:spPr>
+        <p:txBody>
+          <a:bodyPr wrap="none" rtlCol="0">
+            <a:spAutoFit/>
+          </a:bodyPr>
+          <a:lstStyle/>
+          <a:p>
+            <a:r>
+              <a:rPr lang="en-US" sz="1600" dirty="0" smtClean="0"/>
+              <a:t>(4) Assign to staff</a:t>
+            </a:r>
+            <a:endParaRPr lang="en-US" sz="1600" dirty="0"/>
+          </a:p>
+        </p:txBody>
+      </p:sp>
+      <p:sp>
+        <p:nvSpPr>
+          <p:cNvPr id="50" name="TextBox 49"/>
+          <p:cNvSpPr txBox="1"/>
+          <p:nvPr/>
+        </p:nvSpPr>
+        <p:spPr>
+          <a:xfrm>
+            <a:off x="3045446" y="1829131"/>
+            <a:ext cx="2542684" cy="338554"/>
+          </a:xfrm>
+          <a:prstGeom prst="rect">
+            <a:avLst/>
+          </a:prstGeom>
+          <a:noFill/>
+        </p:spPr>
+        <p:txBody>
+          <a:bodyPr wrap="none" rtlCol="0">
+            <a:spAutoFit/>
+          </a:bodyPr>
+          <a:lstStyle/>
+          <a:p>
+            <a:r>
+              <a:rPr lang="en-US" sz="1600" dirty="0" smtClean="0"/>
+              <a:t>(5) Meet and check office</a:t>
+            </a:r>
+            <a:endParaRPr lang="en-US" sz="1600" dirty="0"/>
+          </a:p>
+        </p:txBody>
+      </p:sp>
+      <p:sp>
+        <p:nvSpPr>
+          <p:cNvPr id="52" name="TextBox 51"/>
+          <p:cNvSpPr txBox="1"/>
+          <p:nvPr/>
+        </p:nvSpPr>
+        <p:spPr>
+          <a:xfrm>
+            <a:off x="5326589" y="4374317"/>
+            <a:ext cx="1343395" cy="584775"/>
+          </a:xfrm>
+          <a:prstGeom prst="rect">
+            <a:avLst/>
+          </a:prstGeom>
+          <a:noFill/>
+        </p:spPr>
+        <p:txBody>
+          <a:bodyPr wrap="square" rtlCol="0">
+            <a:spAutoFit/>
+          </a:bodyPr>
+          <a:lstStyle/>
+          <a:p>
+            <a:r>
+              <a:rPr lang="en-US" sz="1600" dirty="0" smtClean="0"/>
+              <a:t>(8) </a:t>
+            </a:r>
+            <a:r>
+              <a:rPr lang="en-US" sz="1600" dirty="0" smtClean="0"/>
+              <a:t>Create Contract</a:t>
+            </a:r>
+            <a:endParaRPr lang="en-US" sz="1600" dirty="0"/>
+          </a:p>
+        </p:txBody>
+      </p:sp>
+      <p:sp>
+        <p:nvSpPr>
+          <p:cNvPr id="3" name="TextBox 2"/>
+          <p:cNvSpPr txBox="1"/>
+          <p:nvPr/>
+        </p:nvSpPr>
+        <p:spPr>
+          <a:xfrm>
+            <a:off x="857828" y="2655426"/>
+            <a:ext cx="1165704" cy="369332"/>
+          </a:xfrm>
+          <a:prstGeom prst="rect">
+            <a:avLst/>
+          </a:prstGeom>
+          <a:noFill/>
+        </p:spPr>
+        <p:txBody>
+          <a:bodyPr wrap="none" rtlCol="0">
+            <a:spAutoFit/>
+          </a:bodyPr>
+          <a:lstStyle/>
+          <a:p>
+            <a:r>
+              <a:rPr lang="en-US" dirty="0" smtClean="0"/>
+              <a:t>Customer</a:t>
+            </a:r>
+          </a:p>
+        </p:txBody>
+      </p:sp>
+      <p:sp>
+        <p:nvSpPr>
+          <p:cNvPr id="22" name="TextBox 21"/>
+          <p:cNvSpPr txBox="1"/>
+          <p:nvPr/>
+        </p:nvSpPr>
+        <p:spPr>
+          <a:xfrm>
+            <a:off x="872898" y="5135089"/>
+            <a:ext cx="1002839" cy="369332"/>
+          </a:xfrm>
+          <a:prstGeom prst="rect">
+            <a:avLst/>
+          </a:prstGeom>
+          <a:noFill/>
+        </p:spPr>
+        <p:txBody>
+          <a:bodyPr wrap="none" rtlCol="0">
+            <a:spAutoFit/>
+          </a:bodyPr>
+          <a:lstStyle/>
+          <a:p>
+            <a:r>
+              <a:rPr lang="en-US" dirty="0" smtClean="0"/>
+              <a:t>Website</a:t>
+            </a:r>
+          </a:p>
+        </p:txBody>
+      </p:sp>
+      <p:sp>
+        <p:nvSpPr>
+          <p:cNvPr id="25" name="TextBox 24"/>
+          <p:cNvSpPr txBox="1"/>
+          <p:nvPr/>
+        </p:nvSpPr>
+        <p:spPr>
+          <a:xfrm>
+            <a:off x="3807104" y="6374737"/>
+            <a:ext cx="1107996" cy="369332"/>
+          </a:xfrm>
+          <a:prstGeom prst="rect">
+            <a:avLst/>
+          </a:prstGeom>
+          <a:noFill/>
+        </p:spPr>
+        <p:txBody>
+          <a:bodyPr wrap="none" rtlCol="0">
+            <a:spAutoFit/>
+          </a:bodyPr>
+          <a:lstStyle/>
+          <a:p>
+            <a:r>
+              <a:rPr lang="en-US" dirty="0" smtClean="0"/>
+              <a:t>Manager	</a:t>
+            </a:r>
+          </a:p>
+        </p:txBody>
+      </p:sp>
+      <p:sp>
+        <p:nvSpPr>
+          <p:cNvPr id="26" name="TextBox 25"/>
+          <p:cNvSpPr txBox="1"/>
+          <p:nvPr/>
+        </p:nvSpPr>
+        <p:spPr>
+          <a:xfrm>
+            <a:off x="6556795" y="2687556"/>
+            <a:ext cx="678391" cy="369332"/>
+          </a:xfrm>
+          <a:prstGeom prst="rect">
+            <a:avLst/>
+          </a:prstGeom>
+          <a:noFill/>
+        </p:spPr>
+        <p:txBody>
+          <a:bodyPr wrap="none" rtlCol="0">
+            <a:spAutoFit/>
+          </a:bodyPr>
+          <a:lstStyle/>
+          <a:p>
+            <a:r>
+              <a:rPr lang="en-US" dirty="0" smtClean="0"/>
+              <a:t>Staff</a:t>
+            </a:r>
+          </a:p>
+        </p:txBody>
+      </p:sp>
+      <p:sp>
+        <p:nvSpPr>
+          <p:cNvPr id="27" name="TextBox 26"/>
+          <p:cNvSpPr txBox="1"/>
+          <p:nvPr/>
+        </p:nvSpPr>
+        <p:spPr>
+          <a:xfrm>
+            <a:off x="6573134" y="4689454"/>
+            <a:ext cx="1080745" cy="369332"/>
+          </a:xfrm>
+          <a:prstGeom prst="rect">
+            <a:avLst/>
+          </a:prstGeom>
+          <a:noFill/>
+        </p:spPr>
+        <p:txBody>
+          <a:bodyPr wrap="none" rtlCol="0">
+            <a:spAutoFit/>
+          </a:bodyPr>
+          <a:lstStyle/>
+          <a:p>
+            <a:r>
+              <a:rPr lang="en-US" dirty="0" smtClean="0"/>
+              <a:t>Contract</a:t>
+            </a:r>
+          </a:p>
+        </p:txBody>
+      </p:sp>
+      <p:sp>
+        <p:nvSpPr>
+          <p:cNvPr id="29" name="TextBox 28"/>
+          <p:cNvSpPr txBox="1"/>
+          <p:nvPr/>
+        </p:nvSpPr>
+        <p:spPr>
+          <a:xfrm>
+            <a:off x="3615082" y="4362708"/>
+            <a:ext cx="1521570" cy="369332"/>
+          </a:xfrm>
+          <a:prstGeom prst="rect">
+            <a:avLst/>
+          </a:prstGeom>
+          <a:noFill/>
+        </p:spPr>
+        <p:txBody>
+          <a:bodyPr wrap="none" rtlCol="0">
+            <a:spAutoFit/>
+          </a:bodyPr>
+          <a:lstStyle/>
+          <a:p>
+            <a:r>
+              <a:rPr lang="en-US" dirty="0" smtClean="0"/>
+              <a:t>Appointment</a:t>
+            </a:r>
+          </a:p>
+        </p:txBody>
+      </p:sp>
+      <p:sp>
+        <p:nvSpPr>
+          <p:cNvPr id="6" name="Footer Placeholder 5"/>
           <p:cNvSpPr>
             <a:spLocks noGrp="1"/>
           </p:cNvSpPr>
@@ -8319,7 +9345,7 @@
       </p:sp>
       <p:sp>
         <p:nvSpPr>
-          <p:cNvPr id="5" name="Slide Number Placeholder 4"/>
+          <p:cNvPr id="7" name="Slide Number Placeholder 6"/>
           <p:cNvSpPr>
             <a:spLocks noGrp="1"/>
           </p:cNvSpPr>
@@ -8336,6 +9362,166 @@
               <a:rPr lang="en-US" smtClean="0"/>
               <a:pPr/>
               <a:t>7</a:t>
+            </a:fld>
+            <a:endParaRPr lang="en-US" dirty="0"/>
+          </a:p>
+        </p:txBody>
+      </p:sp>
+      <p:sp>
+        <p:nvSpPr>
+          <p:cNvPr id="31" name="TextBox 30"/>
+          <p:cNvSpPr txBox="1"/>
+          <p:nvPr/>
+        </p:nvSpPr>
+        <p:spPr>
+          <a:xfrm>
+            <a:off x="4335240" y="2383421"/>
+            <a:ext cx="1663046" cy="584775"/>
+          </a:xfrm>
+          <a:prstGeom prst="rect">
+            <a:avLst/>
+          </a:prstGeom>
+          <a:noFill/>
+        </p:spPr>
+        <p:txBody>
+          <a:bodyPr wrap="square" rtlCol="0">
+            <a:spAutoFit/>
+          </a:bodyPr>
+          <a:lstStyle/>
+          <a:p>
+            <a:r>
+              <a:rPr lang="en-US" sz="1600" dirty="0" smtClean="0"/>
+              <a:t>(6) Decide create contract</a:t>
+            </a:r>
+            <a:endParaRPr lang="en-US" sz="1600" dirty="0"/>
+          </a:p>
+        </p:txBody>
+      </p:sp>
+    </p:spTree>
+    <p:extLst>
+      <p:ext uri="{BB962C8B-B14F-4D97-AF65-F5344CB8AC3E}">
+        <p14:creationId xmlns:p14="http://schemas.microsoft.com/office/powerpoint/2010/main" val="1062279058"/>
+      </p:ext>
+    </p:extLst>
+  </p:cSld>
+  <p:clrMapOvr>
+    <a:masterClrMapping/>
+  </p:clrMapOvr>
+  <p:timing>
+    <p:tnLst>
+      <p:par>
+        <p:cTn id="1" dur="indefinite" restart="never" nodeType="tmRoot"/>
+      </p:par>
+    </p:tnLst>
+  </p:timing>
+</p:sld>
+</file>
+
+<file path=ppt/slides/slide8.xml><?xml version="1.0" encoding="utf-8"?>
+<p:sld xmlns:a="http://schemas.openxmlformats.org/drawingml/2006/main" xmlns:r="http://schemas.openxmlformats.org/officeDocument/2006/relationships" xmlns:p="http://schemas.openxmlformats.org/presentationml/2006/main">
+  <p:cSld>
+    <p:spTree>
+      <p:nvGrpSpPr>
+        <p:cNvPr id="1" name=""/>
+        <p:cNvGrpSpPr/>
+        <p:nvPr/>
+      </p:nvGrpSpPr>
+      <p:grpSpPr>
+        <a:xfrm>
+          <a:off x="0" y="0"/>
+          <a:ext cx="0" cy="0"/>
+          <a:chOff x="0" y="0"/>
+          <a:chExt cx="0" cy="0"/>
+        </a:xfrm>
+      </p:grpSpPr>
+      <p:sp>
+        <p:nvSpPr>
+          <p:cNvPr id="2" name="Title 1"/>
+          <p:cNvSpPr>
+            <a:spLocks noGrp="1"/>
+          </p:cNvSpPr>
+          <p:nvPr>
+            <p:ph type="title"/>
+          </p:nvPr>
+        </p:nvSpPr>
+        <p:spPr/>
+        <p:txBody>
+          <a:bodyPr/>
+          <a:lstStyle/>
+          <a:p>
+            <a:r>
+              <a:rPr lang="en-US" dirty="0" smtClean="0"/>
+              <a:t>Project Features</a:t>
+            </a:r>
+            <a:br>
+              <a:rPr lang="en-US" dirty="0" smtClean="0"/>
+            </a:br>
+            <a:r>
+              <a:rPr lang="en-US" dirty="0" smtClean="0"/>
+              <a:t>	</a:t>
+            </a:r>
+            <a:r>
+              <a:rPr lang="en-US" sz="3200" dirty="0" smtClean="0">
+                <a:solidFill>
+                  <a:schemeClr val="accent2">
+                    <a:lumMod val="50000"/>
+                  </a:schemeClr>
+                </a:solidFill>
+              </a:rPr>
+              <a:t>Request Office</a:t>
+            </a:r>
+            <a:endParaRPr lang="en-US" dirty="0">
+              <a:solidFill>
+                <a:schemeClr val="accent2">
+                  <a:lumMod val="50000"/>
+                </a:schemeClr>
+              </a:solidFill>
+            </a:endParaRPr>
+          </a:p>
+        </p:txBody>
+      </p:sp>
+      <p:sp>
+        <p:nvSpPr>
+          <p:cNvPr id="4" name="Footer Placeholder 3"/>
+          <p:cNvSpPr>
+            <a:spLocks noGrp="1"/>
+          </p:cNvSpPr>
+          <p:nvPr>
+            <p:ph type="ftr" sz="quarter" idx="11"/>
+          </p:nvPr>
+        </p:nvSpPr>
+        <p:spPr/>
+        <p:txBody>
+          <a:bodyPr/>
+          <a:lstStyle/>
+          <a:p>
+            <a:r>
+              <a:rPr lang="en-US" smtClean="0"/>
+              <a:t>Capstone Project Defense - Office Rental Service</a:t>
+            </a:r>
+            <a:endParaRPr lang="en-US" dirty="0"/>
+          </a:p>
+        </p:txBody>
+      </p:sp>
+      <p:sp>
+        <p:nvSpPr>
+          <p:cNvPr id="5" name="Slide Number Placeholder 4"/>
+          <p:cNvSpPr>
+            <a:spLocks noGrp="1"/>
+          </p:cNvSpPr>
+          <p:nvPr>
+            <p:ph type="sldNum" sz="quarter" idx="12"/>
+          </p:nvPr>
+        </p:nvSpPr>
+        <p:spPr/>
+        <p:txBody>
+          <a:bodyPr/>
+          <a:lstStyle/>
+          <a:p>
+            <a:fld id="{D57F1E4F-1CFF-5643-939E-217C01CDF565}" type="slidenum">
+              <a:rPr lang="en-US" smtClean="0"/>
+              <a:pPr/>
+              <a:t>8</a:t>
             </a:fld>
             <a:endParaRPr lang="en-US" dirty="0"/>
           </a:p>
@@ -9069,692 +10255,6 @@
     <p:extLst>
       <p:ext uri="{BB962C8B-B14F-4D97-AF65-F5344CB8AC3E}">
         <p14:creationId xmlns:p14="http://schemas.microsoft.com/office/powerpoint/2010/main" val="3255849807"/>
-      </p:ext>
-    </p:extLst>
-  </p:cSld>
-  <p:clrMapOvr>
-    <a:masterClrMapping/>
-  </p:clrMapOvr>
-  <p:timing>
-    <p:tnLst>
-      <p:par>
-        <p:cTn id="1" dur="indefinite" restart="never" nodeType="tmRoot"/>
-      </p:par>
-    </p:tnLst>
-  </p:timing>
-</p:sld>
-</file>
-
-<file path=ppt/slides/slide8.xml><?xml version="1.0" encoding="utf-8"?>
-<p:sld xmlns:a="http://schemas.openxmlformats.org/drawingml/2006/main" xmlns:r="http://schemas.openxmlformats.org/officeDocument/2006/relationships" xmlns:p="http://schemas.openxmlformats.org/presentationml/2006/main">
-  <p:cSld>
-    <p:spTree>
-      <p:nvGrpSpPr>
-        <p:cNvPr id="1" name=""/>
-        <p:cNvGrpSpPr/>
-        <p:nvPr/>
-      </p:nvGrpSpPr>
-      <p:grpSpPr>
-        <a:xfrm>
-          <a:off x="0" y="0"/>
-          <a:ext cx="0" cy="0"/>
-          <a:chOff x="0" y="0"/>
-          <a:chExt cx="0" cy="0"/>
-        </a:xfrm>
-      </p:grpSpPr>
-      <p:sp>
-        <p:nvSpPr>
-          <p:cNvPr id="2" name="Title 1"/>
-          <p:cNvSpPr>
-            <a:spLocks noGrp="1"/>
-          </p:cNvSpPr>
-          <p:nvPr>
-            <p:ph type="title"/>
-          </p:nvPr>
-        </p:nvSpPr>
-        <p:spPr/>
-        <p:txBody>
-          <a:bodyPr/>
-          <a:lstStyle/>
-          <a:p>
-            <a:r>
-              <a:rPr lang="en-US" dirty="0" smtClean="0"/>
-              <a:t>Project Features</a:t>
-            </a:r>
-            <a:br>
-              <a:rPr lang="en-US" dirty="0" smtClean="0"/>
-            </a:br>
-            <a:r>
-              <a:rPr lang="en-US" dirty="0" smtClean="0"/>
-              <a:t>	</a:t>
-            </a:r>
-            <a:r>
-              <a:rPr lang="en-US" sz="3200" dirty="0" smtClean="0">
-                <a:solidFill>
-                  <a:schemeClr val="accent2">
-                    <a:lumMod val="50000"/>
-                  </a:schemeClr>
-                </a:solidFill>
-              </a:rPr>
-              <a:t>Create Contract</a:t>
-            </a:r>
-            <a:endParaRPr lang="en-US" dirty="0">
-              <a:solidFill>
-                <a:schemeClr val="accent2">
-                  <a:lumMod val="50000"/>
-                </a:schemeClr>
-              </a:solidFill>
-            </a:endParaRPr>
-          </a:p>
-        </p:txBody>
-      </p:sp>
-      <p:pic>
-        <p:nvPicPr>
-          <p:cNvPr id="15" name="Content Placeholder 14"/>
-          <p:cNvPicPr>
-            <a:picLocks noGrp="1" noChangeAspect="1"/>
-          </p:cNvPicPr>
-          <p:nvPr>
-            <p:ph idx="1"/>
-          </p:nvPr>
-        </p:nvPicPr>
-        <p:blipFill>
-          <a:blip r:embed="rId2">
-            <a:extLst>
-              <a:ext uri="{28A0092B-C50C-407E-A947-70E740481C1C}">
-                <a14:useLocalDpi xmlns:a14="http://schemas.microsoft.com/office/drawing/2010/main" val="0"/>
-              </a:ext>
-            </a:extLst>
-          </a:blip>
-          <a:stretch>
-            <a:fillRect/>
-          </a:stretch>
-        </p:blipFill>
-        <p:spPr>
-          <a:xfrm>
-            <a:off x="826907" y="1736088"/>
-            <a:ext cx="1196625" cy="998367"/>
-          </a:xfrm>
-        </p:spPr>
-      </p:pic>
-      <p:pic>
-        <p:nvPicPr>
-          <p:cNvPr id="17" name="Picture 16"/>
-          <p:cNvPicPr>
-            <a:picLocks noChangeAspect="1"/>
-          </p:cNvPicPr>
-          <p:nvPr/>
-        </p:nvPicPr>
-        <p:blipFill>
-          <a:blip r:embed="rId3">
-            <a:extLst>
-              <a:ext uri="{28A0092B-C50C-407E-A947-70E740481C1C}">
-                <a14:useLocalDpi xmlns:a14="http://schemas.microsoft.com/office/drawing/2010/main" val="0"/>
-              </a:ext>
-            </a:extLst>
-          </a:blip>
-          <a:stretch>
-            <a:fillRect/>
-          </a:stretch>
-        </p:blipFill>
-        <p:spPr>
-          <a:xfrm>
-            <a:off x="3718476" y="5521542"/>
-            <a:ext cx="1196624" cy="998367"/>
-          </a:xfrm>
-          <a:prstGeom prst="rect">
-            <a:avLst/>
-          </a:prstGeom>
-        </p:spPr>
-      </p:pic>
-      <p:pic>
-        <p:nvPicPr>
-          <p:cNvPr id="20" name="Picture 19"/>
-          <p:cNvPicPr>
-            <a:picLocks noChangeAspect="1"/>
-          </p:cNvPicPr>
-          <p:nvPr/>
-        </p:nvPicPr>
-        <p:blipFill>
-          <a:blip r:embed="rId4">
-            <a:extLst>
-              <a:ext uri="{28A0092B-C50C-407E-A947-70E740481C1C}">
-                <a14:useLocalDpi xmlns:a14="http://schemas.microsoft.com/office/drawing/2010/main" val="0"/>
-              </a:ext>
-            </a:extLst>
-          </a:blip>
-          <a:stretch>
-            <a:fillRect/>
-          </a:stretch>
-        </p:blipFill>
-        <p:spPr>
-          <a:xfrm>
-            <a:off x="6262507" y="1736088"/>
-            <a:ext cx="1196625" cy="998367"/>
-          </a:xfrm>
-          <a:prstGeom prst="rect">
-            <a:avLst/>
-          </a:prstGeom>
-        </p:spPr>
-      </p:pic>
-      <p:pic>
-        <p:nvPicPr>
-          <p:cNvPr id="23" name="Picture 22"/>
-          <p:cNvPicPr>
-            <a:picLocks noChangeAspect="1"/>
-          </p:cNvPicPr>
-          <p:nvPr/>
-        </p:nvPicPr>
-        <p:blipFill>
-          <a:blip r:embed="rId5">
-            <a:extLst>
-              <a:ext uri="{28A0092B-C50C-407E-A947-70E740481C1C}">
-                <a14:useLocalDpi xmlns:a14="http://schemas.microsoft.com/office/drawing/2010/main" val="0"/>
-              </a:ext>
-            </a:extLst>
-          </a:blip>
-          <a:stretch>
-            <a:fillRect/>
-          </a:stretch>
-        </p:blipFill>
-        <p:spPr>
-          <a:xfrm>
-            <a:off x="826907" y="3821434"/>
-            <a:ext cx="1303031" cy="931094"/>
-          </a:xfrm>
-          <a:prstGeom prst="rect">
-            <a:avLst/>
-          </a:prstGeom>
-        </p:spPr>
-      </p:pic>
-      <p:pic>
-        <p:nvPicPr>
-          <p:cNvPr id="24" name="Picture 23"/>
-          <p:cNvPicPr>
-            <a:picLocks noChangeAspect="1"/>
-          </p:cNvPicPr>
-          <p:nvPr/>
-        </p:nvPicPr>
-        <p:blipFill>
-          <a:blip r:embed="rId6">
-            <a:extLst>
-              <a:ext uri="{28A0092B-C50C-407E-A947-70E740481C1C}">
-                <a14:useLocalDpi xmlns:a14="http://schemas.microsoft.com/office/drawing/2010/main" val="0"/>
-              </a:ext>
-            </a:extLst>
-          </a:blip>
-          <a:stretch>
-            <a:fillRect/>
-          </a:stretch>
-        </p:blipFill>
-        <p:spPr>
-          <a:xfrm>
-            <a:off x="3650658" y="3170380"/>
-            <a:ext cx="1355038" cy="1302107"/>
-          </a:xfrm>
-          <a:prstGeom prst="rect">
-            <a:avLst/>
-          </a:prstGeom>
-        </p:spPr>
-      </p:pic>
-      <p:pic>
-        <p:nvPicPr>
-          <p:cNvPr id="28" name="Picture 27"/>
-          <p:cNvPicPr>
-            <a:picLocks noChangeAspect="1"/>
-          </p:cNvPicPr>
-          <p:nvPr/>
-        </p:nvPicPr>
-        <p:blipFill>
-          <a:blip r:embed="rId7">
-            <a:extLst>
-              <a:ext uri="{28A0092B-C50C-407E-A947-70E740481C1C}">
-                <a14:useLocalDpi xmlns:a14="http://schemas.microsoft.com/office/drawing/2010/main" val="0"/>
-              </a:ext>
-            </a:extLst>
-          </a:blip>
-          <a:stretch>
-            <a:fillRect/>
-          </a:stretch>
-        </p:blipFill>
-        <p:spPr>
-          <a:xfrm>
-            <a:off x="6526416" y="3676687"/>
-            <a:ext cx="1220586" cy="1220586"/>
-          </a:xfrm>
-          <a:prstGeom prst="rect">
-            <a:avLst/>
-          </a:prstGeom>
-        </p:spPr>
-      </p:pic>
-      <p:sp>
-        <p:nvSpPr>
-          <p:cNvPr id="35" name="Right Arrow 34"/>
-          <p:cNvSpPr/>
-          <p:nvPr/>
-        </p:nvSpPr>
-        <p:spPr>
-          <a:xfrm rot="5400000" flipV="1">
-            <a:off x="977897" y="3177322"/>
-            <a:ext cx="894646" cy="235249"/>
-          </a:xfrm>
-          <a:prstGeom prst="rightArrow">
-            <a:avLst/>
-          </a:prstGeom>
-        </p:spPr>
-        <p:style>
-          <a:lnRef idx="2">
-            <a:schemeClr val="accent1">
-              <a:shade val="50000"/>
-            </a:schemeClr>
-          </a:lnRef>
-          <a:fillRef idx="1">
-            <a:schemeClr val="accent1"/>
-          </a:fillRef>
-          <a:effectRef idx="0">
-            <a:schemeClr val="accent1"/>
-          </a:effectRef>
-          <a:fontRef idx="minor">
-            <a:schemeClr val="lt1"/>
-          </a:fontRef>
-        </p:style>
-        <p:txBody>
-          <a:bodyPr rtlCol="0" anchor="ctr"/>
-          <a:lstStyle/>
-          <a:p>
-            <a:pPr algn="ctr"/>
-            <a:endParaRPr lang="en-US"/>
-          </a:p>
-        </p:txBody>
-      </p:sp>
-      <p:sp>
-        <p:nvSpPr>
-          <p:cNvPr id="36" name="Right Arrow 35"/>
-          <p:cNvSpPr/>
-          <p:nvPr/>
-        </p:nvSpPr>
-        <p:spPr>
-          <a:xfrm rot="20943318" flipV="1">
-            <a:off x="2463072" y="3835793"/>
-            <a:ext cx="894646" cy="235249"/>
-          </a:xfrm>
-          <a:prstGeom prst="rightArrow">
-            <a:avLst/>
-          </a:prstGeom>
-        </p:spPr>
-        <p:style>
-          <a:lnRef idx="2">
-            <a:schemeClr val="accent1">
-              <a:shade val="50000"/>
-            </a:schemeClr>
-          </a:lnRef>
-          <a:fillRef idx="1">
-            <a:schemeClr val="accent1"/>
-          </a:fillRef>
-          <a:effectRef idx="0">
-            <a:schemeClr val="accent1"/>
-          </a:effectRef>
-          <a:fontRef idx="minor">
-            <a:schemeClr val="lt1"/>
-          </a:fontRef>
-        </p:style>
-        <p:txBody>
-          <a:bodyPr rtlCol="0" anchor="ctr"/>
-          <a:lstStyle/>
-          <a:p>
-            <a:pPr algn="ctr"/>
-            <a:endParaRPr lang="en-US"/>
-          </a:p>
-        </p:txBody>
-      </p:sp>
-      <p:sp>
-        <p:nvSpPr>
-          <p:cNvPr id="38" name="Right Arrow 37"/>
-          <p:cNvSpPr/>
-          <p:nvPr/>
-        </p:nvSpPr>
-        <p:spPr>
-          <a:xfrm rot="16200000" flipV="1">
-            <a:off x="3964547" y="4901903"/>
-            <a:ext cx="704481" cy="235249"/>
-          </a:xfrm>
-          <a:prstGeom prst="rightArrow">
-            <a:avLst/>
-          </a:prstGeom>
-        </p:spPr>
-        <p:style>
-          <a:lnRef idx="2">
-            <a:schemeClr val="accent1">
-              <a:shade val="50000"/>
-            </a:schemeClr>
-          </a:lnRef>
-          <a:fillRef idx="1">
-            <a:schemeClr val="accent1"/>
-          </a:fillRef>
-          <a:effectRef idx="0">
-            <a:schemeClr val="accent1"/>
-          </a:effectRef>
-          <a:fontRef idx="minor">
-            <a:schemeClr val="lt1"/>
-          </a:fontRef>
-        </p:style>
-        <p:txBody>
-          <a:bodyPr rtlCol="0" anchor="ctr"/>
-          <a:lstStyle/>
-          <a:p>
-            <a:pPr algn="ctr"/>
-            <a:endParaRPr lang="en-US"/>
-          </a:p>
-        </p:txBody>
-      </p:sp>
-      <p:sp>
-        <p:nvSpPr>
-          <p:cNvPr id="39" name="Right Arrow 38"/>
-          <p:cNvSpPr/>
-          <p:nvPr/>
-        </p:nvSpPr>
-        <p:spPr>
-          <a:xfrm rot="19514031" flipV="1">
-            <a:off x="5168560" y="3034926"/>
-            <a:ext cx="1127512" cy="235249"/>
-          </a:xfrm>
-          <a:prstGeom prst="rightArrow">
-            <a:avLst/>
-          </a:prstGeom>
-        </p:spPr>
-        <p:style>
-          <a:lnRef idx="2">
-            <a:schemeClr val="accent1">
-              <a:shade val="50000"/>
-            </a:schemeClr>
-          </a:lnRef>
-          <a:fillRef idx="1">
-            <a:schemeClr val="accent1"/>
-          </a:fillRef>
-          <a:effectRef idx="0">
-            <a:schemeClr val="accent1"/>
-          </a:effectRef>
-          <a:fontRef idx="minor">
-            <a:schemeClr val="lt1"/>
-          </a:fontRef>
-        </p:style>
-        <p:txBody>
-          <a:bodyPr rtlCol="0" anchor="ctr"/>
-          <a:lstStyle/>
-          <a:p>
-            <a:pPr algn="ctr"/>
-            <a:endParaRPr lang="en-US"/>
-          </a:p>
-        </p:txBody>
-      </p:sp>
-      <p:sp>
-        <p:nvSpPr>
-          <p:cNvPr id="40" name="Left-Right-Up Arrow 39"/>
-          <p:cNvSpPr/>
-          <p:nvPr/>
-        </p:nvSpPr>
-        <p:spPr>
-          <a:xfrm rot="10800000">
-            <a:off x="2525042" y="1971590"/>
-            <a:ext cx="3583493" cy="830688"/>
-          </a:xfrm>
-          <a:prstGeom prst="leftRightUpArrow">
-            <a:avLst>
-              <a:gd name="adj1" fmla="val 25000"/>
-              <a:gd name="adj2" fmla="val 34549"/>
-              <a:gd name="adj3" fmla="val 25000"/>
-            </a:avLst>
-          </a:prstGeom>
-        </p:spPr>
-        <p:style>
-          <a:lnRef idx="2">
-            <a:schemeClr val="accent1">
-              <a:shade val="50000"/>
-            </a:schemeClr>
-          </a:lnRef>
-          <a:fillRef idx="1">
-            <a:schemeClr val="accent1"/>
-          </a:fillRef>
-          <a:effectRef idx="0">
-            <a:schemeClr val="accent1"/>
-          </a:effectRef>
-          <a:fontRef idx="minor">
-            <a:schemeClr val="lt1"/>
-          </a:fontRef>
-        </p:style>
-        <p:txBody>
-          <a:bodyPr rtlCol="0" anchor="ctr"/>
-          <a:lstStyle/>
-          <a:p>
-            <a:pPr algn="ctr"/>
-            <a:endParaRPr lang="en-US"/>
-          </a:p>
-        </p:txBody>
-      </p:sp>
-      <p:sp>
-        <p:nvSpPr>
-          <p:cNvPr id="43" name="Right Arrow 42"/>
-          <p:cNvSpPr/>
-          <p:nvPr/>
-        </p:nvSpPr>
-        <p:spPr>
-          <a:xfrm rot="424560" flipV="1">
-            <a:off x="5175855" y="4089153"/>
-            <a:ext cx="1416430" cy="235249"/>
-          </a:xfrm>
-          <a:prstGeom prst="rightArrow">
-            <a:avLst/>
-          </a:prstGeom>
-        </p:spPr>
-        <p:style>
-          <a:lnRef idx="2">
-            <a:schemeClr val="accent1">
-              <a:shade val="50000"/>
-            </a:schemeClr>
-          </a:lnRef>
-          <a:fillRef idx="1">
-            <a:schemeClr val="accent1"/>
-          </a:fillRef>
-          <a:effectRef idx="0">
-            <a:schemeClr val="accent1"/>
-          </a:effectRef>
-          <a:fontRef idx="minor">
-            <a:schemeClr val="lt1"/>
-          </a:fontRef>
-        </p:style>
-        <p:txBody>
-          <a:bodyPr rtlCol="0" anchor="ctr"/>
-          <a:lstStyle/>
-          <a:p>
-            <a:pPr algn="ctr"/>
-            <a:endParaRPr lang="en-US"/>
-          </a:p>
-        </p:txBody>
-      </p:sp>
-      <p:sp>
-        <p:nvSpPr>
-          <p:cNvPr id="44" name="TextBox 43"/>
-          <p:cNvSpPr txBox="1"/>
-          <p:nvPr/>
-        </p:nvSpPr>
-        <p:spPr>
-          <a:xfrm>
-            <a:off x="1564147" y="3047704"/>
-            <a:ext cx="1787669" cy="338554"/>
-          </a:xfrm>
-          <a:prstGeom prst="rect">
-            <a:avLst/>
-          </a:prstGeom>
-          <a:noFill/>
-        </p:spPr>
-        <p:txBody>
-          <a:bodyPr wrap="none" rtlCol="0">
-            <a:spAutoFit/>
-          </a:bodyPr>
-          <a:lstStyle/>
-          <a:p>
-            <a:r>
-              <a:rPr lang="en-US" sz="1600" dirty="0" smtClean="0"/>
-              <a:t>(1) Go to website</a:t>
-            </a:r>
-            <a:endParaRPr lang="en-US" sz="1600" dirty="0"/>
-          </a:p>
-        </p:txBody>
-      </p:sp>
-      <p:sp>
-        <p:nvSpPr>
-          <p:cNvPr id="45" name="TextBox 44"/>
-          <p:cNvSpPr txBox="1"/>
-          <p:nvPr/>
-        </p:nvSpPr>
-        <p:spPr>
-          <a:xfrm>
-            <a:off x="2246638" y="4082512"/>
-            <a:ext cx="1415662" cy="584775"/>
-          </a:xfrm>
-          <a:prstGeom prst="rect">
-            <a:avLst/>
-          </a:prstGeom>
-          <a:noFill/>
-        </p:spPr>
-        <p:txBody>
-          <a:bodyPr wrap="square" rtlCol="0">
-            <a:spAutoFit/>
-          </a:bodyPr>
-          <a:lstStyle/>
-          <a:p>
-            <a:r>
-              <a:rPr lang="en-US" sz="1600" dirty="0" smtClean="0"/>
-              <a:t>(2) Create appointment</a:t>
-            </a:r>
-            <a:endParaRPr lang="en-US" sz="1600" dirty="0"/>
-          </a:p>
-        </p:txBody>
-      </p:sp>
-      <p:sp>
-        <p:nvSpPr>
-          <p:cNvPr id="47" name="TextBox 46"/>
-          <p:cNvSpPr txBox="1"/>
-          <p:nvPr/>
-        </p:nvSpPr>
-        <p:spPr>
-          <a:xfrm>
-            <a:off x="2525042" y="4897273"/>
-            <a:ext cx="1404020" cy="584775"/>
-          </a:xfrm>
-          <a:prstGeom prst="rect">
-            <a:avLst/>
-          </a:prstGeom>
-          <a:noFill/>
-        </p:spPr>
-        <p:txBody>
-          <a:bodyPr wrap="square" rtlCol="0">
-            <a:spAutoFit/>
-          </a:bodyPr>
-          <a:lstStyle/>
-          <a:p>
-            <a:r>
-              <a:rPr lang="en-US" sz="1600" dirty="0" smtClean="0"/>
-              <a:t>(3, 6) Go to appointment</a:t>
-            </a:r>
-            <a:endParaRPr lang="en-US" sz="1600" dirty="0"/>
-          </a:p>
-        </p:txBody>
-      </p:sp>
-      <p:sp>
-        <p:nvSpPr>
-          <p:cNvPr id="48" name="TextBox 47"/>
-          <p:cNvSpPr txBox="1"/>
-          <p:nvPr/>
-        </p:nvSpPr>
-        <p:spPr>
-          <a:xfrm>
-            <a:off x="5732316" y="3165459"/>
-            <a:ext cx="1797159" cy="338554"/>
-          </a:xfrm>
-          <a:prstGeom prst="rect">
-            <a:avLst/>
-          </a:prstGeom>
-          <a:noFill/>
-        </p:spPr>
-        <p:txBody>
-          <a:bodyPr wrap="none" rtlCol="0">
-            <a:spAutoFit/>
-          </a:bodyPr>
-          <a:lstStyle/>
-          <a:p>
-            <a:r>
-              <a:rPr lang="en-US" sz="1600" dirty="0" smtClean="0"/>
-              <a:t>(4) Assign to staff</a:t>
-            </a:r>
-            <a:endParaRPr lang="en-US" sz="1600" dirty="0"/>
-          </a:p>
-        </p:txBody>
-      </p:sp>
-      <p:sp>
-        <p:nvSpPr>
-          <p:cNvPr id="50" name="TextBox 49"/>
-          <p:cNvSpPr txBox="1"/>
-          <p:nvPr/>
-        </p:nvSpPr>
-        <p:spPr>
-          <a:xfrm>
-            <a:off x="3045446" y="1829131"/>
-            <a:ext cx="2542684" cy="338554"/>
-          </a:xfrm>
-          <a:prstGeom prst="rect">
-            <a:avLst/>
-          </a:prstGeom>
-          <a:noFill/>
-        </p:spPr>
-        <p:txBody>
-          <a:bodyPr wrap="none" rtlCol="0">
-            <a:spAutoFit/>
-          </a:bodyPr>
-          <a:lstStyle/>
-          <a:p>
-            <a:r>
-              <a:rPr lang="en-US" sz="1600" dirty="0" smtClean="0"/>
-              <a:t>(5) Meet and check office</a:t>
-            </a:r>
-            <a:endParaRPr lang="en-US" sz="1600" dirty="0"/>
-          </a:p>
-        </p:txBody>
-      </p:sp>
-      <p:sp>
-        <p:nvSpPr>
-          <p:cNvPr id="52" name="TextBox 51"/>
-          <p:cNvSpPr txBox="1"/>
-          <p:nvPr/>
-        </p:nvSpPr>
-        <p:spPr>
-          <a:xfrm>
-            <a:off x="5326589" y="4374317"/>
-            <a:ext cx="1343395" cy="584775"/>
-          </a:xfrm>
-          <a:prstGeom prst="rect">
-            <a:avLst/>
-          </a:prstGeom>
-          <a:noFill/>
-        </p:spPr>
-        <p:txBody>
-          <a:bodyPr wrap="square" rtlCol="0">
-            <a:spAutoFit/>
-          </a:bodyPr>
-          <a:lstStyle/>
-          <a:p>
-            <a:r>
-              <a:rPr lang="en-US" sz="1600" dirty="0" smtClean="0"/>
-              <a:t>(7) Create Contract</a:t>
-            </a:r>
-            <a:endParaRPr lang="en-US" sz="1600" dirty="0"/>
-          </a:p>
-        </p:txBody>
-      </p:sp>
-    </p:spTree>
-    <p:extLst>
-      <p:ext uri="{BB962C8B-B14F-4D97-AF65-F5344CB8AC3E}">
-        <p14:creationId xmlns:p14="http://schemas.microsoft.com/office/powerpoint/2010/main" val="1062279058"/>
       </p:ext>
     </p:extLst>
   </p:cSld>

--- a/doc/Quoc/SlidePresentation.pptx
+++ b/doc/Quoc/SlidePresentation.pptx
@@ -5,20 +5,18 @@
     <p:sldMasterId id="2147483668" r:id="rId1"/>
   </p:sldMasterIdLst>
   <p:notesMasterIdLst>
-    <p:notesMasterId r:id="rId13"/>
+    <p:notesMasterId r:id="rId11"/>
   </p:notesMasterIdLst>
   <p:sldIdLst>
     <p:sldId id="256" r:id="rId2"/>
     <p:sldId id="257" r:id="rId3"/>
     <p:sldId id="258" r:id="rId4"/>
-    <p:sldId id="259" r:id="rId5"/>
-    <p:sldId id="260" r:id="rId6"/>
-    <p:sldId id="261" r:id="rId7"/>
-    <p:sldId id="266" r:id="rId8"/>
-    <p:sldId id="262" r:id="rId9"/>
-    <p:sldId id="263" r:id="rId10"/>
-    <p:sldId id="264" r:id="rId11"/>
-    <p:sldId id="265" r:id="rId12"/>
+    <p:sldId id="261" r:id="rId5"/>
+    <p:sldId id="266" r:id="rId6"/>
+    <p:sldId id="262" r:id="rId7"/>
+    <p:sldId id="263" r:id="rId8"/>
+    <p:sldId id="264" r:id="rId9"/>
+    <p:sldId id="265" r:id="rId10"/>
   </p:sldIdLst>
   <p:sldSz cx="9144000" cy="6858000" type="screen4x3"/>
   <p:notesSz cx="6858000" cy="9144000"/>
@@ -736,7 +734,7 @@
           <a:p>
             <a:fld id="{646E74A8-2AAA-4D79-A58D-E7E68E479C6F}" type="slidenum">
               <a:rPr lang="en-US" smtClean="0"/>
-              <a:t>7</a:t>
+              <a:t>5</a:t>
             </a:fld>
             <a:endParaRPr lang="en-US"/>
           </a:p>
@@ -7102,331 +7100,6 @@
 </p:sld>
 </file>
 
-<file path=ppt/slides/slide10.xml><?xml version="1.0" encoding="utf-8"?>
-<p:sld xmlns:a="http://schemas.openxmlformats.org/drawingml/2006/main" xmlns:r="http://schemas.openxmlformats.org/officeDocument/2006/relationships" xmlns:p="http://schemas.openxmlformats.org/presentationml/2006/main">
-  <p:cSld>
-    <p:spTree>
-      <p:nvGrpSpPr>
-        <p:cNvPr id="1" name=""/>
-        <p:cNvGrpSpPr/>
-        <p:nvPr/>
-      </p:nvGrpSpPr>
-      <p:grpSpPr>
-        <a:xfrm>
-          <a:off x="0" y="0"/>
-          <a:ext cx="0" cy="0"/>
-          <a:chOff x="0" y="0"/>
-          <a:chExt cx="0" cy="0"/>
-        </a:xfrm>
-      </p:grpSpPr>
-      <p:sp>
-        <p:nvSpPr>
-          <p:cNvPr id="2" name="Title 1"/>
-          <p:cNvSpPr>
-            <a:spLocks noGrp="1"/>
-          </p:cNvSpPr>
-          <p:nvPr>
-            <p:ph type="title"/>
-          </p:nvPr>
-        </p:nvSpPr>
-        <p:spPr/>
-        <p:txBody>
-          <a:bodyPr/>
-          <a:lstStyle/>
-          <a:p>
-            <a:r>
-              <a:rPr lang="en-US" dirty="0" smtClean="0"/>
-              <a:t>Pros and Cons</a:t>
-            </a:r>
-            <a:endParaRPr lang="en-US" dirty="0">
-              <a:solidFill>
-                <a:schemeClr val="accent2">
-                  <a:lumMod val="50000"/>
-                </a:schemeClr>
-              </a:solidFill>
-            </a:endParaRPr>
-          </a:p>
-        </p:txBody>
-      </p:sp>
-      <p:sp>
-        <p:nvSpPr>
-          <p:cNvPr id="3" name="Content Placeholder 2"/>
-          <p:cNvSpPr>
-            <a:spLocks noGrp="1"/>
-          </p:cNvSpPr>
-          <p:nvPr>
-            <p:ph idx="1"/>
-          </p:nvPr>
-        </p:nvSpPr>
-        <p:spPr/>
-        <p:txBody>
-          <a:bodyPr>
-            <a:normAutofit/>
-          </a:bodyPr>
-          <a:lstStyle/>
-          <a:p>
-            <a:r>
-              <a:rPr lang="en-US" dirty="0" smtClean="0"/>
-              <a:t>Cons:</a:t>
-            </a:r>
-          </a:p>
-          <a:p>
-            <a:pPr lvl="1" fontAlgn="base"/>
-            <a:r>
-              <a:rPr lang="vi-VN" dirty="0"/>
-              <a:t>The partner who own the office must contact us to post their information.</a:t>
-            </a:r>
-            <a:endParaRPr lang="en-US" dirty="0"/>
-          </a:p>
-          <a:p>
-            <a:pPr lvl="1" fontAlgn="base"/>
-            <a:r>
-              <a:rPr lang="vi-VN" dirty="0" smtClean="0"/>
-              <a:t>The </a:t>
-            </a:r>
-            <a:r>
-              <a:rPr lang="vi-VN" dirty="0"/>
-              <a:t>function of notification system is limited.</a:t>
-            </a:r>
-            <a:endParaRPr lang="en-US" dirty="0"/>
-          </a:p>
-          <a:p>
-            <a:pPr lvl="1"/>
-            <a:r>
-              <a:rPr lang="en-US" dirty="0" smtClean="0"/>
-              <a:t>Only in Ho Chi Minh city.</a:t>
-            </a:r>
-            <a:endParaRPr lang="en-US" dirty="0"/>
-          </a:p>
-          <a:p>
-            <a:pPr lvl="1"/>
-            <a:endParaRPr lang="en-US" dirty="0"/>
-          </a:p>
-        </p:txBody>
-      </p:sp>
-      <p:sp>
-        <p:nvSpPr>
-          <p:cNvPr id="4" name="Footer Placeholder 3"/>
-          <p:cNvSpPr>
-            <a:spLocks noGrp="1"/>
-          </p:cNvSpPr>
-          <p:nvPr>
-            <p:ph type="ftr" sz="quarter" idx="11"/>
-          </p:nvPr>
-        </p:nvSpPr>
-        <p:spPr/>
-        <p:txBody>
-          <a:bodyPr/>
-          <a:lstStyle/>
-          <a:p>
-            <a:r>
-              <a:rPr lang="en-US" smtClean="0"/>
-              <a:t>Capstone Project Defense - Office Rental Service</a:t>
-            </a:r>
-            <a:endParaRPr lang="en-US" dirty="0"/>
-          </a:p>
-        </p:txBody>
-      </p:sp>
-      <p:sp>
-        <p:nvSpPr>
-          <p:cNvPr id="5" name="Slide Number Placeholder 4"/>
-          <p:cNvSpPr>
-            <a:spLocks noGrp="1"/>
-          </p:cNvSpPr>
-          <p:nvPr>
-            <p:ph type="sldNum" sz="quarter" idx="12"/>
-          </p:nvPr>
-        </p:nvSpPr>
-        <p:spPr/>
-        <p:txBody>
-          <a:bodyPr/>
-          <a:lstStyle/>
-          <a:p>
-            <a:fld id="{D57F1E4F-1CFF-5643-939E-217C01CDF565}" type="slidenum">
-              <a:rPr lang="en-US" smtClean="0"/>
-              <a:pPr/>
-              <a:t>10</a:t>
-            </a:fld>
-            <a:endParaRPr lang="en-US" dirty="0"/>
-          </a:p>
-        </p:txBody>
-      </p:sp>
-    </p:spTree>
-    <p:extLst>
-      <p:ext uri="{BB962C8B-B14F-4D97-AF65-F5344CB8AC3E}">
-        <p14:creationId xmlns:p14="http://schemas.microsoft.com/office/powerpoint/2010/main" val="2902157227"/>
-      </p:ext>
-    </p:extLst>
-  </p:cSld>
-  <p:clrMapOvr>
-    <a:masterClrMapping/>
-  </p:clrMapOvr>
-  <p:timing>
-    <p:tnLst>
-      <p:par>
-        <p:cTn id="1" dur="indefinite" restart="never" nodeType="tmRoot"/>
-      </p:par>
-    </p:tnLst>
-  </p:timing>
-</p:sld>
-</file>
-
-<file path=ppt/slides/slide11.xml><?xml version="1.0" encoding="utf-8"?>
-<p:sld xmlns:a="http://schemas.openxmlformats.org/drawingml/2006/main" xmlns:r="http://schemas.openxmlformats.org/officeDocument/2006/relationships" xmlns:p="http://schemas.openxmlformats.org/presentationml/2006/main">
-  <p:cSld>
-    <p:spTree>
-      <p:nvGrpSpPr>
-        <p:cNvPr id="1" name=""/>
-        <p:cNvGrpSpPr/>
-        <p:nvPr/>
-      </p:nvGrpSpPr>
-      <p:grpSpPr>
-        <a:xfrm>
-          <a:off x="0" y="0"/>
-          <a:ext cx="0" cy="0"/>
-          <a:chOff x="0" y="0"/>
-          <a:chExt cx="0" cy="0"/>
-        </a:xfrm>
-      </p:grpSpPr>
-      <p:sp>
-        <p:nvSpPr>
-          <p:cNvPr id="2" name="Title 1"/>
-          <p:cNvSpPr>
-            <a:spLocks noGrp="1"/>
-          </p:cNvSpPr>
-          <p:nvPr>
-            <p:ph type="title"/>
-          </p:nvPr>
-        </p:nvSpPr>
-        <p:spPr/>
-        <p:txBody>
-          <a:bodyPr/>
-          <a:lstStyle/>
-          <a:p>
-            <a:r>
-              <a:rPr lang="en-US" dirty="0"/>
-              <a:t>Future Development </a:t>
-            </a:r>
-            <a:br>
-              <a:rPr lang="en-US" dirty="0"/>
-            </a:br>
-            <a:endParaRPr lang="en-US" dirty="0"/>
-          </a:p>
-        </p:txBody>
-      </p:sp>
-      <p:sp>
-        <p:nvSpPr>
-          <p:cNvPr id="3" name="Content Placeholder 2"/>
-          <p:cNvSpPr>
-            <a:spLocks noGrp="1"/>
-          </p:cNvSpPr>
-          <p:nvPr>
-            <p:ph idx="1"/>
-          </p:nvPr>
-        </p:nvSpPr>
-        <p:spPr/>
-        <p:txBody>
-          <a:bodyPr/>
-          <a:lstStyle/>
-          <a:p>
-            <a:r>
-              <a:rPr lang="en-US" dirty="0" smtClean="0"/>
-              <a:t>Mobile application provide creating office for staff.</a:t>
-            </a:r>
-          </a:p>
-          <a:p>
-            <a:r>
-              <a:rPr lang="en-US" dirty="0" smtClean="0"/>
-              <a:t>Mobile application for customer.</a:t>
-            </a:r>
-          </a:p>
-          <a:p>
-            <a:r>
-              <a:rPr lang="en-US" dirty="0" smtClean="0"/>
-              <a:t>New role for partner to create and manage their office.</a:t>
-            </a:r>
-          </a:p>
-          <a:p>
-            <a:r>
-              <a:rPr lang="en-US" dirty="0" smtClean="0"/>
-              <a:t>Extend system for different locations.</a:t>
-            </a:r>
-          </a:p>
-          <a:p>
-            <a:endParaRPr lang="en-US" dirty="0" smtClean="0"/>
-          </a:p>
-          <a:p>
-            <a:endParaRPr lang="en-US" dirty="0"/>
-          </a:p>
-        </p:txBody>
-      </p:sp>
-      <p:sp>
-        <p:nvSpPr>
-          <p:cNvPr id="4" name="Footer Placeholder 3"/>
-          <p:cNvSpPr>
-            <a:spLocks noGrp="1"/>
-          </p:cNvSpPr>
-          <p:nvPr>
-            <p:ph type="ftr" sz="quarter" idx="11"/>
-          </p:nvPr>
-        </p:nvSpPr>
-        <p:spPr/>
-        <p:txBody>
-          <a:bodyPr/>
-          <a:lstStyle/>
-          <a:p>
-            <a:r>
-              <a:rPr lang="en-US" smtClean="0"/>
-              <a:t>Capstone Project Defense - Office Rental Service</a:t>
-            </a:r>
-            <a:endParaRPr lang="en-US" dirty="0"/>
-          </a:p>
-        </p:txBody>
-      </p:sp>
-      <p:sp>
-        <p:nvSpPr>
-          <p:cNvPr id="5" name="Slide Number Placeholder 4"/>
-          <p:cNvSpPr>
-            <a:spLocks noGrp="1"/>
-          </p:cNvSpPr>
-          <p:nvPr>
-            <p:ph type="sldNum" sz="quarter" idx="12"/>
-          </p:nvPr>
-        </p:nvSpPr>
-        <p:spPr/>
-        <p:txBody>
-          <a:bodyPr/>
-          <a:lstStyle/>
-          <a:p>
-            <a:fld id="{D57F1E4F-1CFF-5643-939E-217C01CDF565}" type="slidenum">
-              <a:rPr lang="en-US" smtClean="0"/>
-              <a:pPr/>
-              <a:t>11</a:t>
-            </a:fld>
-            <a:endParaRPr lang="en-US" dirty="0"/>
-          </a:p>
-        </p:txBody>
-      </p:sp>
-    </p:spTree>
-    <p:extLst>
-      <p:ext uri="{BB962C8B-B14F-4D97-AF65-F5344CB8AC3E}">
-        <p14:creationId xmlns:p14="http://schemas.microsoft.com/office/powerpoint/2010/main" val="3986005588"/>
-      </p:ext>
-    </p:extLst>
-  </p:cSld>
-  <p:clrMapOvr>
-    <a:masterClrMapping/>
-  </p:clrMapOvr>
-  <p:timing>
-    <p:tnLst>
-      <p:par>
-        <p:cTn id="1" dur="indefinite" restart="never" nodeType="tmRoot"/>
-      </p:par>
-    </p:tnLst>
-  </p:timing>
-</p:sld>
-</file>
-
 <file path=ppt/slides/slide2.xml><?xml version="1.0" encoding="utf-8"?>
 <p:sld xmlns:a="http://schemas.openxmlformats.org/drawingml/2006/main" xmlns:r="http://schemas.openxmlformats.org/officeDocument/2006/relationships" xmlns:p="http://schemas.openxmlformats.org/presentationml/2006/main">
   <p:cSld>
@@ -7510,13 +7183,8 @@
             </a:pPr>
             <a:r>
               <a:rPr lang="en-US" dirty="0" smtClean="0"/>
-              <a:t>Project </a:t>
-            </a:r>
-            <a:r>
-              <a:rPr lang="en-US" dirty="0" smtClean="0"/>
-              <a:t>Features</a:t>
-            </a:r>
-            <a:endParaRPr lang="en-US" dirty="0" smtClean="0"/>
+              <a:t>Project Features</a:t>
+            </a:r>
           </a:p>
           <a:p>
             <a:pPr marL="800100" lvl="1" indent="-400050">
@@ -7525,17 +7193,8 @@
             </a:pPr>
             <a:r>
               <a:rPr lang="en-US" dirty="0" smtClean="0"/>
-              <a:t>Search </a:t>
-            </a:r>
-            <a:r>
-              <a:rPr lang="en-US" dirty="0" smtClean="0"/>
-              <a:t>Office - </a:t>
-            </a:r>
-            <a:r>
-              <a:rPr lang="en-US" dirty="0" smtClean="0"/>
-              <a:t>Request Office</a:t>
-            </a:r>
-            <a:endParaRPr lang="en-US" dirty="0" smtClean="0"/>
+              <a:t>Search Office - Request Office</a:t>
+            </a:r>
           </a:p>
           <a:p>
             <a:pPr marL="800100" lvl="1" indent="-400050">
@@ -7544,15 +7203,7 @@
             </a:pPr>
             <a:r>
               <a:rPr lang="en-US" dirty="0" smtClean="0"/>
-              <a:t>Request </a:t>
-            </a:r>
-            <a:r>
-              <a:rPr lang="en-US" dirty="0" smtClean="0"/>
-              <a:t>Appointment - </a:t>
-            </a:r>
-            <a:r>
-              <a:rPr lang="en-US" dirty="0" smtClean="0"/>
-              <a:t>Create Contract</a:t>
+              <a:t>Request Appointment - Create Contract</a:t>
             </a:r>
           </a:p>
           <a:p>
@@ -7568,7 +7219,6 @@
               <a:rPr lang="en-US" dirty="0" smtClean="0"/>
               <a:t>contract</a:t>
             </a:r>
-            <a:endParaRPr lang="en-US" dirty="0" smtClean="0"/>
           </a:p>
           <a:p>
             <a:pPr marL="800100" lvl="1" indent="-400050">
@@ -7587,11 +7237,7 @@
             </a:pPr>
             <a:r>
               <a:rPr lang="en-US" dirty="0" smtClean="0"/>
-              <a:t>Statistic </a:t>
-            </a:r>
-            <a:r>
-              <a:rPr lang="en-US" dirty="0" smtClean="0"/>
-              <a:t>and Management</a:t>
+              <a:t>Statistic and Management</a:t>
             </a:r>
           </a:p>
           <a:p>
@@ -7799,7 +7445,6 @@
               <a:rPr lang="en-US" dirty="0" smtClean="0"/>
               <a:t> website)</a:t>
             </a:r>
-            <a:endParaRPr lang="en-US" dirty="0" smtClean="0"/>
           </a:p>
           <a:p>
             <a:endParaRPr lang="en-US" dirty="0"/>
@@ -7918,12 +7563,12 @@
       </p:sp>
       <p:sp>
         <p:nvSpPr>
-          <p:cNvPr id="3" name="Content Placeholder 2"/>
-          <p:cNvSpPr>
-            <a:spLocks noGrp="1"/>
-          </p:cNvSpPr>
-          <p:nvPr>
-            <p:ph idx="1"/>
+          <p:cNvPr id="4" name="Footer Placeholder 3"/>
+          <p:cNvSpPr>
+            <a:spLocks noGrp="1"/>
+          </p:cNvSpPr>
+          <p:nvPr>
+            <p:ph type="ftr" sz="quarter" idx="11"/>
           </p:nvPr>
         </p:nvSpPr>
         <p:spPr/>
@@ -7933,132 +7578,6 @@
           <a:p>
             <a:r>
               <a:rPr lang="en-US" dirty="0" smtClean="0"/>
-              <a:t>Effective office matching and office request make customer easier to find suitable office.</a:t>
-            </a:r>
-          </a:p>
-          <a:p>
-            <a:r>
-              <a:rPr lang="en-US" dirty="0" smtClean="0"/>
-              <a:t>System manage contract, so manager and customer can track the office status. This also provide effective customer service.</a:t>
-            </a:r>
-          </a:p>
-          <a:p>
-            <a:r>
-              <a:rPr lang="en-US" dirty="0" smtClean="0"/>
-              <a:t>Effective notification by email and SMS</a:t>
-            </a:r>
-            <a:r>
-              <a:rPr lang="en-US" dirty="0" smtClean="0"/>
-              <a:t>.</a:t>
-            </a:r>
-          </a:p>
-          <a:p>
-            <a:endParaRPr lang="en-US" dirty="0"/>
-          </a:p>
-          <a:p>
-            <a:r>
-              <a:rPr lang="en-US" dirty="0" smtClean="0"/>
-              <a:t>(</a:t>
-            </a:r>
-            <a:r>
-              <a:rPr lang="en-US" dirty="0" err="1" smtClean="0"/>
-              <a:t>Vẽ</a:t>
-            </a:r>
-            <a:r>
-              <a:rPr lang="en-US" dirty="0" smtClean="0"/>
-              <a:t> </a:t>
-            </a:r>
-            <a:r>
-              <a:rPr lang="en-US" dirty="0" err="1" smtClean="0"/>
-              <a:t>mô</a:t>
-            </a:r>
-            <a:r>
-              <a:rPr lang="en-US" dirty="0" smtClean="0"/>
-              <a:t> </a:t>
-            </a:r>
-            <a:r>
-              <a:rPr lang="en-US" dirty="0" err="1" smtClean="0"/>
-              <a:t>hình</a:t>
-            </a:r>
-            <a:r>
-              <a:rPr lang="en-US" dirty="0" smtClean="0"/>
-              <a:t> </a:t>
-            </a:r>
-            <a:r>
-              <a:rPr lang="en-US" dirty="0" err="1" smtClean="0"/>
-              <a:t>hệ</a:t>
-            </a:r>
-            <a:r>
-              <a:rPr lang="en-US" dirty="0" smtClean="0"/>
-              <a:t> </a:t>
-            </a:r>
-            <a:r>
-              <a:rPr lang="en-US" dirty="0" err="1" smtClean="0"/>
-              <a:t>thống</a:t>
-            </a:r>
-            <a:r>
-              <a:rPr lang="en-US" dirty="0" smtClean="0"/>
-              <a:t>)</a:t>
-            </a:r>
-          </a:p>
-          <a:p>
-            <a:r>
-              <a:rPr lang="en-US" dirty="0" smtClean="0"/>
-              <a:t>(</a:t>
-            </a:r>
-            <a:r>
-              <a:rPr lang="en-US" dirty="0" err="1" smtClean="0"/>
-              <a:t>Đưa</a:t>
-            </a:r>
-            <a:r>
-              <a:rPr lang="en-US" dirty="0" smtClean="0"/>
-              <a:t> </a:t>
-            </a:r>
-            <a:r>
-              <a:rPr lang="en-US" dirty="0" err="1" smtClean="0"/>
-              <a:t>chức</a:t>
-            </a:r>
-            <a:r>
-              <a:rPr lang="en-US" dirty="0" smtClean="0"/>
-              <a:t> </a:t>
-            </a:r>
-            <a:r>
-              <a:rPr lang="en-US" dirty="0" err="1" smtClean="0"/>
-              <a:t>năng</a:t>
-            </a:r>
-            <a:r>
-              <a:rPr lang="en-US" dirty="0" smtClean="0"/>
-              <a:t> </a:t>
-            </a:r>
-            <a:r>
-              <a:rPr lang="en-US" dirty="0" err="1" smtClean="0"/>
-              <a:t>chính</a:t>
-            </a:r>
-            <a:r>
-              <a:rPr lang="en-US" dirty="0" smtClean="0"/>
-              <a:t>)</a:t>
-            </a:r>
-            <a:endParaRPr lang="en-US" dirty="0"/>
-          </a:p>
-        </p:txBody>
-      </p:sp>
-      <p:sp>
-        <p:nvSpPr>
-          <p:cNvPr id="4" name="Footer Placeholder 3"/>
-          <p:cNvSpPr>
-            <a:spLocks noGrp="1"/>
-          </p:cNvSpPr>
-          <p:nvPr>
-            <p:ph type="ftr" sz="quarter" idx="11"/>
-          </p:nvPr>
-        </p:nvSpPr>
-        <p:spPr/>
-        <p:txBody>
-          <a:bodyPr/>
-          <a:lstStyle/>
-          <a:p>
-            <a:r>
-              <a:rPr lang="en-US" smtClean="0"/>
               <a:t>Capstone Project Defense - Office Rental Service</a:t>
             </a:r>
             <a:endParaRPr lang="en-US" dirty="0"/>
@@ -8089,10 +7608,1324 @@
           </a:p>
         </p:txBody>
       </p:sp>
+      <p:pic>
+        <p:nvPicPr>
+          <p:cNvPr id="7" name="Content Placeholder 6"/>
+          <p:cNvPicPr>
+            <a:picLocks noGrp="1" noChangeAspect="1"/>
+          </p:cNvPicPr>
+          <p:nvPr>
+            <p:ph idx="1"/>
+          </p:nvPr>
+        </p:nvPicPr>
+        <p:blipFill>
+          <a:blip r:embed="rId2">
+            <a:extLst>
+              <a:ext uri="{28A0092B-C50C-407E-A947-70E740481C1C}">
+                <a14:useLocalDpi xmlns:a14="http://schemas.microsoft.com/office/drawing/2010/main" val="0"/>
+              </a:ext>
+            </a:extLst>
+          </a:blip>
+          <a:stretch>
+            <a:fillRect/>
+          </a:stretch>
+        </p:blipFill>
+        <p:spPr>
+          <a:xfrm>
+            <a:off x="152400" y="1133192"/>
+            <a:ext cx="871888" cy="727433"/>
+          </a:xfrm>
+        </p:spPr>
+      </p:pic>
+      <p:pic>
+        <p:nvPicPr>
+          <p:cNvPr id="8" name="Picture 7"/>
+          <p:cNvPicPr>
+            <a:picLocks noChangeAspect="1"/>
+          </p:cNvPicPr>
+          <p:nvPr/>
+        </p:nvPicPr>
+        <p:blipFill>
+          <a:blip r:embed="rId3">
+            <a:extLst>
+              <a:ext uri="{28A0092B-C50C-407E-A947-70E740481C1C}">
+                <a14:useLocalDpi xmlns:a14="http://schemas.microsoft.com/office/drawing/2010/main" val="0"/>
+              </a:ext>
+            </a:extLst>
+          </a:blip>
+          <a:stretch>
+            <a:fillRect/>
+          </a:stretch>
+        </p:blipFill>
+        <p:spPr>
+          <a:xfrm>
+            <a:off x="6358944" y="1866875"/>
+            <a:ext cx="723674" cy="1122943"/>
+          </a:xfrm>
+          <a:prstGeom prst="rect">
+            <a:avLst/>
+          </a:prstGeom>
+        </p:spPr>
+      </p:pic>
+      <p:pic>
+        <p:nvPicPr>
+          <p:cNvPr id="9" name="Picture 8"/>
+          <p:cNvPicPr>
+            <a:picLocks noChangeAspect="1"/>
+          </p:cNvPicPr>
+          <p:nvPr/>
+        </p:nvPicPr>
+        <p:blipFill>
+          <a:blip r:embed="rId4">
+            <a:extLst>
+              <a:ext uri="{28A0092B-C50C-407E-A947-70E740481C1C}">
+                <a14:useLocalDpi xmlns:a14="http://schemas.microsoft.com/office/drawing/2010/main" val="0"/>
+              </a:ext>
+            </a:extLst>
+          </a:blip>
+          <a:stretch>
+            <a:fillRect/>
+          </a:stretch>
+        </p:blipFill>
+        <p:spPr>
+          <a:xfrm>
+            <a:off x="457200" y="2096767"/>
+            <a:ext cx="1397000" cy="1023280"/>
+          </a:xfrm>
+          <a:prstGeom prst="rect">
+            <a:avLst/>
+          </a:prstGeom>
+        </p:spPr>
+      </p:pic>
+      <p:pic>
+        <p:nvPicPr>
+          <p:cNvPr id="10" name="Picture 9"/>
+          <p:cNvPicPr>
+            <a:picLocks noChangeAspect="1"/>
+          </p:cNvPicPr>
+          <p:nvPr/>
+        </p:nvPicPr>
+        <p:blipFill>
+          <a:blip r:embed="rId5">
+            <a:extLst>
+              <a:ext uri="{28A0092B-C50C-407E-A947-70E740481C1C}">
+                <a14:useLocalDpi xmlns:a14="http://schemas.microsoft.com/office/drawing/2010/main" val="0"/>
+              </a:ext>
+            </a:extLst>
+          </a:blip>
+          <a:stretch>
+            <a:fillRect/>
+          </a:stretch>
+        </p:blipFill>
+        <p:spPr>
+          <a:xfrm>
+            <a:off x="5704079" y="4622163"/>
+            <a:ext cx="927100" cy="1854200"/>
+          </a:xfrm>
+          <a:prstGeom prst="rect">
+            <a:avLst/>
+          </a:prstGeom>
+        </p:spPr>
+      </p:pic>
+      <p:pic>
+        <p:nvPicPr>
+          <p:cNvPr id="11" name="Picture 10"/>
+          <p:cNvPicPr>
+            <a:picLocks noChangeAspect="1"/>
+          </p:cNvPicPr>
+          <p:nvPr/>
+        </p:nvPicPr>
+        <p:blipFill>
+          <a:blip r:embed="rId6">
+            <a:extLst>
+              <a:ext uri="{28A0092B-C50C-407E-A947-70E740481C1C}">
+                <a14:useLocalDpi xmlns:a14="http://schemas.microsoft.com/office/drawing/2010/main" val="0"/>
+              </a:ext>
+            </a:extLst>
+          </a:blip>
+          <a:stretch>
+            <a:fillRect/>
+          </a:stretch>
+        </p:blipFill>
+        <p:spPr>
+          <a:xfrm>
+            <a:off x="7354493" y="1156579"/>
+            <a:ext cx="855133" cy="855133"/>
+          </a:xfrm>
+          <a:prstGeom prst="rect">
+            <a:avLst/>
+          </a:prstGeom>
+        </p:spPr>
+      </p:pic>
+      <p:pic>
+        <p:nvPicPr>
+          <p:cNvPr id="12" name="Picture 11"/>
+          <p:cNvPicPr>
+            <a:picLocks noChangeAspect="1"/>
+          </p:cNvPicPr>
+          <p:nvPr/>
+        </p:nvPicPr>
+        <p:blipFill>
+          <a:blip r:embed="rId7">
+            <a:extLst>
+              <a:ext uri="{28A0092B-C50C-407E-A947-70E740481C1C}">
+                <a14:useLocalDpi xmlns:a14="http://schemas.microsoft.com/office/drawing/2010/main" val="0"/>
+              </a:ext>
+            </a:extLst>
+          </a:blip>
+          <a:stretch>
+            <a:fillRect/>
+          </a:stretch>
+        </p:blipFill>
+        <p:spPr>
+          <a:xfrm>
+            <a:off x="7346780" y="2608407"/>
+            <a:ext cx="813822" cy="772513"/>
+          </a:xfrm>
+          <a:prstGeom prst="rect">
+            <a:avLst/>
+          </a:prstGeom>
+        </p:spPr>
+      </p:pic>
+      <p:pic>
+        <p:nvPicPr>
+          <p:cNvPr id="13" name="Picture 12"/>
+          <p:cNvPicPr>
+            <a:picLocks noChangeAspect="1"/>
+          </p:cNvPicPr>
+          <p:nvPr/>
+        </p:nvPicPr>
+        <p:blipFill>
+          <a:blip r:embed="rId7">
+            <a:extLst>
+              <a:ext uri="{28A0092B-C50C-407E-A947-70E740481C1C}">
+                <a14:useLocalDpi xmlns:a14="http://schemas.microsoft.com/office/drawing/2010/main" val="0"/>
+              </a:ext>
+            </a:extLst>
+          </a:blip>
+          <a:stretch>
+            <a:fillRect/>
+          </a:stretch>
+        </p:blipFill>
+        <p:spPr>
+          <a:xfrm>
+            <a:off x="6700635" y="4647078"/>
+            <a:ext cx="813822" cy="772513"/>
+          </a:xfrm>
+          <a:prstGeom prst="rect">
+            <a:avLst/>
+          </a:prstGeom>
+        </p:spPr>
+      </p:pic>
+      <p:sp>
+        <p:nvSpPr>
+          <p:cNvPr id="14" name="Oval 13"/>
+          <p:cNvSpPr/>
+          <p:nvPr/>
+        </p:nvSpPr>
+        <p:spPr>
+          <a:xfrm>
+            <a:off x="1714605" y="1278983"/>
+            <a:ext cx="1473200" cy="533399"/>
+          </a:xfrm>
+          <a:prstGeom prst="ellipse">
+            <a:avLst/>
+          </a:prstGeom>
+        </p:spPr>
+        <p:style>
+          <a:lnRef idx="2">
+            <a:schemeClr val="accent1">
+              <a:shade val="50000"/>
+            </a:schemeClr>
+          </a:lnRef>
+          <a:fillRef idx="1">
+            <a:schemeClr val="accent1"/>
+          </a:fillRef>
+          <a:effectRef idx="0">
+            <a:schemeClr val="accent1"/>
+          </a:effectRef>
+          <a:fontRef idx="minor">
+            <a:schemeClr val="lt1"/>
+          </a:fontRef>
+        </p:style>
+        <p:txBody>
+          <a:bodyPr rtlCol="0" anchor="ctr"/>
+          <a:lstStyle/>
+          <a:p>
+            <a:pPr algn="ctr"/>
+            <a:r>
+              <a:rPr lang="en-US" sz="1600" dirty="0" smtClean="0"/>
+              <a:t>Search office</a:t>
+            </a:r>
+            <a:endParaRPr lang="en-US" sz="1600" dirty="0"/>
+          </a:p>
+        </p:txBody>
+      </p:sp>
+      <p:sp>
+        <p:nvSpPr>
+          <p:cNvPr id="15" name="Oval 14"/>
+          <p:cNvSpPr/>
+          <p:nvPr/>
+        </p:nvSpPr>
+        <p:spPr>
+          <a:xfrm>
+            <a:off x="5227435" y="1230210"/>
+            <a:ext cx="1473200" cy="533399"/>
+          </a:xfrm>
+          <a:prstGeom prst="ellipse">
+            <a:avLst/>
+          </a:prstGeom>
+        </p:spPr>
+        <p:style>
+          <a:lnRef idx="2">
+            <a:schemeClr val="accent1">
+              <a:shade val="50000"/>
+            </a:schemeClr>
+          </a:lnRef>
+          <a:fillRef idx="1">
+            <a:schemeClr val="accent1"/>
+          </a:fillRef>
+          <a:effectRef idx="0">
+            <a:schemeClr val="accent1"/>
+          </a:effectRef>
+          <a:fontRef idx="minor">
+            <a:schemeClr val="lt1"/>
+          </a:fontRef>
+        </p:style>
+        <p:txBody>
+          <a:bodyPr rtlCol="0" anchor="ctr"/>
+          <a:lstStyle/>
+          <a:p>
+            <a:pPr algn="ctr"/>
+            <a:r>
+              <a:rPr lang="en-US" sz="1600" dirty="0" smtClean="0"/>
+              <a:t>Manage office</a:t>
+            </a:r>
+            <a:endParaRPr lang="en-US" sz="1600" dirty="0"/>
+          </a:p>
+        </p:txBody>
+      </p:sp>
+      <p:sp>
+        <p:nvSpPr>
+          <p:cNvPr id="16" name="Oval 15"/>
+          <p:cNvSpPr/>
+          <p:nvPr/>
+        </p:nvSpPr>
+        <p:spPr>
+          <a:xfrm>
+            <a:off x="2356718" y="1989193"/>
+            <a:ext cx="1473200" cy="533399"/>
+          </a:xfrm>
+          <a:prstGeom prst="ellipse">
+            <a:avLst/>
+          </a:prstGeom>
+        </p:spPr>
+        <p:style>
+          <a:lnRef idx="2">
+            <a:schemeClr val="accent1">
+              <a:shade val="50000"/>
+            </a:schemeClr>
+          </a:lnRef>
+          <a:fillRef idx="1">
+            <a:schemeClr val="accent1"/>
+          </a:fillRef>
+          <a:effectRef idx="0">
+            <a:schemeClr val="accent1"/>
+          </a:effectRef>
+          <a:fontRef idx="minor">
+            <a:schemeClr val="lt1"/>
+          </a:fontRef>
+        </p:style>
+        <p:txBody>
+          <a:bodyPr rtlCol="0" anchor="ctr"/>
+          <a:lstStyle/>
+          <a:p>
+            <a:pPr algn="ctr"/>
+            <a:r>
+              <a:rPr lang="en-US" sz="1600" dirty="0" smtClean="0"/>
+              <a:t>Request office</a:t>
+            </a:r>
+            <a:endParaRPr lang="en-US" sz="1600" dirty="0"/>
+          </a:p>
+        </p:txBody>
+      </p:sp>
+      <p:sp>
+        <p:nvSpPr>
+          <p:cNvPr id="17" name="Oval 16"/>
+          <p:cNvSpPr/>
+          <p:nvPr/>
+        </p:nvSpPr>
+        <p:spPr>
+          <a:xfrm>
+            <a:off x="2068028" y="2742272"/>
+            <a:ext cx="1936188" cy="533399"/>
+          </a:xfrm>
+          <a:prstGeom prst="ellipse">
+            <a:avLst/>
+          </a:prstGeom>
+        </p:spPr>
+        <p:style>
+          <a:lnRef idx="2">
+            <a:schemeClr val="accent1">
+              <a:shade val="50000"/>
+            </a:schemeClr>
+          </a:lnRef>
+          <a:fillRef idx="1">
+            <a:schemeClr val="accent1"/>
+          </a:fillRef>
+          <a:effectRef idx="0">
+            <a:schemeClr val="accent1"/>
+          </a:effectRef>
+          <a:fontRef idx="minor">
+            <a:schemeClr val="lt1"/>
+          </a:fontRef>
+        </p:style>
+        <p:txBody>
+          <a:bodyPr rtlCol="0" anchor="ctr"/>
+          <a:lstStyle/>
+          <a:p>
+            <a:pPr algn="ctr"/>
+            <a:r>
+              <a:rPr lang="en-US" sz="1600" dirty="0" smtClean="0"/>
+              <a:t>Request appointment</a:t>
+            </a:r>
+            <a:endParaRPr lang="en-US" sz="1600" dirty="0"/>
+          </a:p>
+        </p:txBody>
+      </p:sp>
+      <p:sp>
+        <p:nvSpPr>
+          <p:cNvPr id="18" name="Oval 17"/>
+          <p:cNvSpPr/>
+          <p:nvPr/>
+        </p:nvSpPr>
+        <p:spPr>
+          <a:xfrm>
+            <a:off x="4644346" y="1989193"/>
+            <a:ext cx="1473200" cy="533399"/>
+          </a:xfrm>
+          <a:prstGeom prst="ellipse">
+            <a:avLst/>
+          </a:prstGeom>
+        </p:spPr>
+        <p:style>
+          <a:lnRef idx="2">
+            <a:schemeClr val="accent1">
+              <a:shade val="50000"/>
+            </a:schemeClr>
+          </a:lnRef>
+          <a:fillRef idx="1">
+            <a:schemeClr val="accent1"/>
+          </a:fillRef>
+          <a:effectRef idx="0">
+            <a:schemeClr val="accent1"/>
+          </a:effectRef>
+          <a:fontRef idx="minor">
+            <a:schemeClr val="lt1"/>
+          </a:fontRef>
+        </p:style>
+        <p:txBody>
+          <a:bodyPr rtlCol="0" anchor="ctr"/>
+          <a:lstStyle/>
+          <a:p>
+            <a:pPr algn="ctr"/>
+            <a:r>
+              <a:rPr lang="en-US" sz="1600" dirty="0" smtClean="0"/>
+              <a:t>Schedule request</a:t>
+            </a:r>
+            <a:endParaRPr lang="en-US" sz="1600" dirty="0"/>
+          </a:p>
+        </p:txBody>
+      </p:sp>
+      <p:sp>
+        <p:nvSpPr>
+          <p:cNvPr id="19" name="Oval 18"/>
+          <p:cNvSpPr/>
+          <p:nvPr/>
+        </p:nvSpPr>
+        <p:spPr>
+          <a:xfrm>
+            <a:off x="4162600" y="2684396"/>
+            <a:ext cx="1939708" cy="533399"/>
+          </a:xfrm>
+          <a:prstGeom prst="ellipse">
+            <a:avLst/>
+          </a:prstGeom>
+        </p:spPr>
+        <p:style>
+          <a:lnRef idx="2">
+            <a:schemeClr val="accent1">
+              <a:shade val="50000"/>
+            </a:schemeClr>
+          </a:lnRef>
+          <a:fillRef idx="1">
+            <a:schemeClr val="accent1"/>
+          </a:fillRef>
+          <a:effectRef idx="0">
+            <a:schemeClr val="accent1"/>
+          </a:effectRef>
+          <a:fontRef idx="minor">
+            <a:schemeClr val="lt1"/>
+          </a:fontRef>
+        </p:style>
+        <p:txBody>
+          <a:bodyPr rtlCol="0" anchor="ctr"/>
+          <a:lstStyle/>
+          <a:p>
+            <a:pPr algn="ctr"/>
+            <a:r>
+              <a:rPr lang="en-US" sz="1600" dirty="0" smtClean="0"/>
+              <a:t>Manage appointment</a:t>
+            </a:r>
+          </a:p>
+        </p:txBody>
+      </p:sp>
+      <p:sp>
+        <p:nvSpPr>
+          <p:cNvPr id="20" name="Oval 19"/>
+          <p:cNvSpPr/>
+          <p:nvPr/>
+        </p:nvSpPr>
+        <p:spPr>
+          <a:xfrm>
+            <a:off x="2226412" y="3452482"/>
+            <a:ext cx="1473200" cy="533399"/>
+          </a:xfrm>
+          <a:prstGeom prst="ellipse">
+            <a:avLst/>
+          </a:prstGeom>
+        </p:spPr>
+        <p:style>
+          <a:lnRef idx="2">
+            <a:schemeClr val="accent1">
+              <a:shade val="50000"/>
+            </a:schemeClr>
+          </a:lnRef>
+          <a:fillRef idx="1">
+            <a:schemeClr val="accent1"/>
+          </a:fillRef>
+          <a:effectRef idx="0">
+            <a:schemeClr val="accent1"/>
+          </a:effectRef>
+          <a:fontRef idx="minor">
+            <a:schemeClr val="lt1"/>
+          </a:fontRef>
+        </p:style>
+        <p:txBody>
+          <a:bodyPr rtlCol="0" anchor="ctr"/>
+          <a:lstStyle/>
+          <a:p>
+            <a:pPr algn="ctr"/>
+            <a:r>
+              <a:rPr lang="en-US" sz="1600" dirty="0" smtClean="0"/>
+              <a:t>Manage contract</a:t>
+            </a:r>
+            <a:endParaRPr lang="en-US" sz="1600" dirty="0"/>
+          </a:p>
+        </p:txBody>
+      </p:sp>
+      <p:sp>
+        <p:nvSpPr>
+          <p:cNvPr id="21" name="Oval 20"/>
+          <p:cNvSpPr/>
+          <p:nvPr/>
+        </p:nvSpPr>
+        <p:spPr>
+          <a:xfrm>
+            <a:off x="4826068" y="3354186"/>
+            <a:ext cx="1473200" cy="533399"/>
+          </a:xfrm>
+          <a:prstGeom prst="ellipse">
+            <a:avLst/>
+          </a:prstGeom>
+        </p:spPr>
+        <p:style>
+          <a:lnRef idx="2">
+            <a:schemeClr val="accent1">
+              <a:shade val="50000"/>
+            </a:schemeClr>
+          </a:lnRef>
+          <a:fillRef idx="1">
+            <a:schemeClr val="accent1"/>
+          </a:fillRef>
+          <a:effectRef idx="0">
+            <a:schemeClr val="accent1"/>
+          </a:effectRef>
+          <a:fontRef idx="minor">
+            <a:schemeClr val="lt1"/>
+          </a:fontRef>
+        </p:style>
+        <p:txBody>
+          <a:bodyPr rtlCol="0" anchor="ctr"/>
+          <a:lstStyle/>
+          <a:p>
+            <a:pPr algn="ctr"/>
+            <a:r>
+              <a:rPr lang="en-US" sz="1600" dirty="0" smtClean="0"/>
+              <a:t>Create contract</a:t>
+            </a:r>
+            <a:endParaRPr lang="en-US" sz="1600" dirty="0"/>
+          </a:p>
+        </p:txBody>
+      </p:sp>
+      <p:sp>
+        <p:nvSpPr>
+          <p:cNvPr id="22" name="Oval 21"/>
+          <p:cNvSpPr/>
+          <p:nvPr/>
+        </p:nvSpPr>
+        <p:spPr>
+          <a:xfrm>
+            <a:off x="3344333" y="4696092"/>
+            <a:ext cx="1958785" cy="533399"/>
+          </a:xfrm>
+          <a:prstGeom prst="ellipse">
+            <a:avLst/>
+          </a:prstGeom>
+        </p:spPr>
+        <p:style>
+          <a:lnRef idx="2">
+            <a:schemeClr val="accent1">
+              <a:shade val="50000"/>
+            </a:schemeClr>
+          </a:lnRef>
+          <a:fillRef idx="1">
+            <a:schemeClr val="accent1"/>
+          </a:fillRef>
+          <a:effectRef idx="0">
+            <a:schemeClr val="accent1"/>
+          </a:effectRef>
+          <a:fontRef idx="minor">
+            <a:schemeClr val="lt1"/>
+          </a:fontRef>
+        </p:style>
+        <p:txBody>
+          <a:bodyPr rtlCol="0" anchor="ctr"/>
+          <a:lstStyle/>
+          <a:p>
+            <a:pPr algn="ctr"/>
+            <a:r>
+              <a:rPr lang="en-US" sz="1600" dirty="0" smtClean="0"/>
+              <a:t>Check appointment</a:t>
+            </a:r>
+            <a:endParaRPr lang="en-US" sz="1600" dirty="0"/>
+          </a:p>
+        </p:txBody>
+      </p:sp>
+      <p:sp>
+        <p:nvSpPr>
+          <p:cNvPr id="23" name="Oval 22"/>
+          <p:cNvSpPr/>
+          <p:nvPr/>
+        </p:nvSpPr>
+        <p:spPr>
+          <a:xfrm>
+            <a:off x="3039533" y="5683571"/>
+            <a:ext cx="2394678" cy="533399"/>
+          </a:xfrm>
+          <a:prstGeom prst="ellipse">
+            <a:avLst/>
+          </a:prstGeom>
+        </p:spPr>
+        <p:style>
+          <a:lnRef idx="2">
+            <a:schemeClr val="accent1">
+              <a:shade val="50000"/>
+            </a:schemeClr>
+          </a:lnRef>
+          <a:fillRef idx="1">
+            <a:schemeClr val="accent1"/>
+          </a:fillRef>
+          <a:effectRef idx="0">
+            <a:schemeClr val="accent1"/>
+          </a:effectRef>
+          <a:fontRef idx="minor">
+            <a:schemeClr val="lt1"/>
+          </a:fontRef>
+        </p:style>
+        <p:txBody>
+          <a:bodyPr rtlCol="0" anchor="ctr"/>
+          <a:lstStyle/>
+          <a:p>
+            <a:pPr algn="ctr"/>
+            <a:r>
+              <a:rPr lang="en-US" sz="1600" dirty="0" smtClean="0"/>
+              <a:t>Check assigned request</a:t>
+            </a:r>
+            <a:endParaRPr lang="en-US" sz="1600" dirty="0"/>
+          </a:p>
+        </p:txBody>
+      </p:sp>
+      <p:sp>
+        <p:nvSpPr>
+          <p:cNvPr id="24" name="Oval 23"/>
+          <p:cNvSpPr/>
+          <p:nvPr/>
+        </p:nvSpPr>
+        <p:spPr>
+          <a:xfrm>
+            <a:off x="152400" y="3660173"/>
+            <a:ext cx="2074012" cy="533399"/>
+          </a:xfrm>
+          <a:prstGeom prst="ellipse">
+            <a:avLst/>
+          </a:prstGeom>
+        </p:spPr>
+        <p:style>
+          <a:lnRef idx="2">
+            <a:schemeClr val="accent1">
+              <a:shade val="50000"/>
+            </a:schemeClr>
+          </a:lnRef>
+          <a:fillRef idx="1">
+            <a:schemeClr val="accent1"/>
+          </a:fillRef>
+          <a:effectRef idx="0">
+            <a:schemeClr val="accent1"/>
+          </a:effectRef>
+          <a:fontRef idx="minor">
+            <a:schemeClr val="lt1"/>
+          </a:fontRef>
+        </p:style>
+        <p:txBody>
+          <a:bodyPr rtlCol="0" anchor="ctr"/>
+          <a:lstStyle/>
+          <a:p>
+            <a:pPr algn="ctr"/>
+            <a:r>
+              <a:rPr lang="en-US" sz="1600" dirty="0" smtClean="0"/>
+              <a:t>Request repair/ rental</a:t>
+            </a:r>
+            <a:endParaRPr lang="en-US" sz="1600" dirty="0"/>
+          </a:p>
+        </p:txBody>
+      </p:sp>
+      <p:sp>
+        <p:nvSpPr>
+          <p:cNvPr id="25" name="Oval 24"/>
+          <p:cNvSpPr/>
+          <p:nvPr/>
+        </p:nvSpPr>
+        <p:spPr>
+          <a:xfrm>
+            <a:off x="5985933" y="3748393"/>
+            <a:ext cx="2108200" cy="533399"/>
+          </a:xfrm>
+          <a:prstGeom prst="ellipse">
+            <a:avLst/>
+          </a:prstGeom>
+        </p:spPr>
+        <p:style>
+          <a:lnRef idx="2">
+            <a:schemeClr val="accent1">
+              <a:shade val="50000"/>
+            </a:schemeClr>
+          </a:lnRef>
+          <a:fillRef idx="1">
+            <a:schemeClr val="accent1"/>
+          </a:fillRef>
+          <a:effectRef idx="0">
+            <a:schemeClr val="accent1"/>
+          </a:effectRef>
+          <a:fontRef idx="minor">
+            <a:schemeClr val="lt1"/>
+          </a:fontRef>
+        </p:style>
+        <p:txBody>
+          <a:bodyPr rtlCol="0" anchor="ctr"/>
+          <a:lstStyle/>
+          <a:p>
+            <a:pPr algn="ctr"/>
+            <a:r>
+              <a:rPr lang="en-US" sz="1600" dirty="0" smtClean="0"/>
+              <a:t>Manage repair/ rental</a:t>
+            </a:r>
+            <a:endParaRPr lang="en-US" sz="1600" dirty="0"/>
+          </a:p>
+        </p:txBody>
+      </p:sp>
+      <p:sp>
+        <p:nvSpPr>
+          <p:cNvPr id="26" name="TextBox 25"/>
+          <p:cNvSpPr txBox="1"/>
+          <p:nvPr/>
+        </p:nvSpPr>
+        <p:spPr>
+          <a:xfrm>
+            <a:off x="659185" y="3169520"/>
+            <a:ext cx="1002839" cy="369332"/>
+          </a:xfrm>
+          <a:prstGeom prst="rect">
+            <a:avLst/>
+          </a:prstGeom>
+          <a:noFill/>
+        </p:spPr>
+        <p:txBody>
+          <a:bodyPr wrap="none" rtlCol="0">
+            <a:spAutoFit/>
+          </a:bodyPr>
+          <a:lstStyle/>
+          <a:p>
+            <a:r>
+              <a:rPr lang="en-US" dirty="0" smtClean="0"/>
+              <a:t>Website</a:t>
+            </a:r>
+            <a:endParaRPr lang="en-US" dirty="0"/>
+          </a:p>
+        </p:txBody>
+      </p:sp>
+      <p:sp>
+        <p:nvSpPr>
+          <p:cNvPr id="27" name="TextBox 26"/>
+          <p:cNvSpPr txBox="1"/>
+          <p:nvPr/>
+        </p:nvSpPr>
+        <p:spPr>
+          <a:xfrm>
+            <a:off x="6235639" y="2991485"/>
+            <a:ext cx="912429" cy="369332"/>
+          </a:xfrm>
+          <a:prstGeom prst="rect">
+            <a:avLst/>
+          </a:prstGeom>
+          <a:noFill/>
+        </p:spPr>
+        <p:txBody>
+          <a:bodyPr wrap="none" rtlCol="0">
+            <a:spAutoFit/>
+          </a:bodyPr>
+          <a:lstStyle/>
+          <a:p>
+            <a:r>
+              <a:rPr lang="en-US" dirty="0" smtClean="0"/>
+              <a:t>System</a:t>
+            </a:r>
+            <a:endParaRPr lang="en-US" dirty="0"/>
+          </a:p>
+        </p:txBody>
+      </p:sp>
+      <p:sp>
+        <p:nvSpPr>
+          <p:cNvPr id="28" name="TextBox 27"/>
+          <p:cNvSpPr txBox="1"/>
+          <p:nvPr/>
+        </p:nvSpPr>
+        <p:spPr>
+          <a:xfrm>
+            <a:off x="5737863" y="6326635"/>
+            <a:ext cx="859531" cy="369332"/>
+          </a:xfrm>
+          <a:prstGeom prst="rect">
+            <a:avLst/>
+          </a:prstGeom>
+          <a:noFill/>
+        </p:spPr>
+        <p:txBody>
+          <a:bodyPr wrap="none" rtlCol="0">
+            <a:spAutoFit/>
+          </a:bodyPr>
+          <a:lstStyle/>
+          <a:p>
+            <a:r>
+              <a:rPr lang="en-US" dirty="0" smtClean="0"/>
+              <a:t>Mobile</a:t>
+            </a:r>
+            <a:endParaRPr lang="en-US" dirty="0"/>
+          </a:p>
+        </p:txBody>
+      </p:sp>
+      <p:sp>
+        <p:nvSpPr>
+          <p:cNvPr id="29" name="TextBox 28"/>
+          <p:cNvSpPr txBox="1"/>
+          <p:nvPr/>
+        </p:nvSpPr>
+        <p:spPr>
+          <a:xfrm>
+            <a:off x="7252271" y="1986635"/>
+            <a:ext cx="1050288" cy="369332"/>
+          </a:xfrm>
+          <a:prstGeom prst="rect">
+            <a:avLst/>
+          </a:prstGeom>
+          <a:noFill/>
+        </p:spPr>
+        <p:txBody>
+          <a:bodyPr wrap="none" rtlCol="0">
+            <a:spAutoFit/>
+          </a:bodyPr>
+          <a:lstStyle/>
+          <a:p>
+            <a:r>
+              <a:rPr lang="en-US" dirty="0" smtClean="0"/>
+              <a:t>Manager</a:t>
+            </a:r>
+            <a:endParaRPr lang="en-US" dirty="0"/>
+          </a:p>
+        </p:txBody>
+      </p:sp>
+      <p:sp>
+        <p:nvSpPr>
+          <p:cNvPr id="30" name="TextBox 29"/>
+          <p:cNvSpPr txBox="1"/>
+          <p:nvPr/>
+        </p:nvSpPr>
+        <p:spPr>
+          <a:xfrm>
+            <a:off x="7446554" y="3322474"/>
+            <a:ext cx="678391" cy="369332"/>
+          </a:xfrm>
+          <a:prstGeom prst="rect">
+            <a:avLst/>
+          </a:prstGeom>
+          <a:noFill/>
+        </p:spPr>
+        <p:txBody>
+          <a:bodyPr wrap="none" rtlCol="0">
+            <a:spAutoFit/>
+          </a:bodyPr>
+          <a:lstStyle/>
+          <a:p>
+            <a:r>
+              <a:rPr lang="en-US" dirty="0" smtClean="0"/>
+              <a:t>Staff</a:t>
+            </a:r>
+            <a:endParaRPr lang="en-US" dirty="0"/>
+          </a:p>
+        </p:txBody>
+      </p:sp>
+      <p:sp>
+        <p:nvSpPr>
+          <p:cNvPr id="31" name="TextBox 30"/>
+          <p:cNvSpPr txBox="1"/>
+          <p:nvPr/>
+        </p:nvSpPr>
+        <p:spPr>
+          <a:xfrm>
+            <a:off x="6774877" y="5404173"/>
+            <a:ext cx="678391" cy="369332"/>
+          </a:xfrm>
+          <a:prstGeom prst="rect">
+            <a:avLst/>
+          </a:prstGeom>
+          <a:noFill/>
+        </p:spPr>
+        <p:txBody>
+          <a:bodyPr wrap="none" rtlCol="0">
+            <a:spAutoFit/>
+          </a:bodyPr>
+          <a:lstStyle/>
+          <a:p>
+            <a:r>
+              <a:rPr lang="en-US" dirty="0" smtClean="0"/>
+              <a:t>Staff</a:t>
+            </a:r>
+            <a:endParaRPr lang="en-US" dirty="0"/>
+          </a:p>
+        </p:txBody>
+      </p:sp>
+      <p:sp>
+        <p:nvSpPr>
+          <p:cNvPr id="32" name="TextBox 31"/>
+          <p:cNvSpPr txBox="1"/>
+          <p:nvPr/>
+        </p:nvSpPr>
+        <p:spPr>
+          <a:xfrm>
+            <a:off x="74409" y="1790780"/>
+            <a:ext cx="1165704" cy="369332"/>
+          </a:xfrm>
+          <a:prstGeom prst="rect">
+            <a:avLst/>
+          </a:prstGeom>
+          <a:noFill/>
+        </p:spPr>
+        <p:txBody>
+          <a:bodyPr wrap="none" rtlCol="0">
+            <a:spAutoFit/>
+          </a:bodyPr>
+          <a:lstStyle/>
+          <a:p>
+            <a:r>
+              <a:rPr lang="en-US" dirty="0" smtClean="0"/>
+              <a:t>Customer</a:t>
+            </a:r>
+            <a:endParaRPr lang="en-US" dirty="0"/>
+          </a:p>
+        </p:txBody>
+      </p:sp>
+      <p:cxnSp>
+        <p:nvCxnSpPr>
+          <p:cNvPr id="34" name="Straight Connector 33"/>
+          <p:cNvCxnSpPr>
+            <a:endCxn id="14" idx="3"/>
+          </p:cNvCxnSpPr>
+          <p:nvPr/>
+        </p:nvCxnSpPr>
+        <p:spPr>
+          <a:xfrm flipV="1">
+            <a:off x="1489407" y="1734268"/>
+            <a:ext cx="440943" cy="328485"/>
+          </a:xfrm>
+          <a:prstGeom prst="line">
+            <a:avLst/>
+          </a:prstGeom>
+        </p:spPr>
+        <p:style>
+          <a:lnRef idx="1">
+            <a:schemeClr val="accent1"/>
+          </a:lnRef>
+          <a:fillRef idx="0">
+            <a:schemeClr val="accent1"/>
+          </a:fillRef>
+          <a:effectRef idx="0">
+            <a:schemeClr val="accent1"/>
+          </a:effectRef>
+          <a:fontRef idx="minor">
+            <a:schemeClr val="tx1"/>
+          </a:fontRef>
+        </p:style>
+      </p:cxnSp>
+      <p:cxnSp>
+        <p:nvCxnSpPr>
+          <p:cNvPr id="36" name="Straight Connector 35"/>
+          <p:cNvCxnSpPr>
+            <a:endCxn id="16" idx="2"/>
+          </p:cNvCxnSpPr>
+          <p:nvPr/>
+        </p:nvCxnSpPr>
+        <p:spPr>
+          <a:xfrm flipV="1">
+            <a:off x="1872084" y="2255893"/>
+            <a:ext cx="484634" cy="68462"/>
+          </a:xfrm>
+          <a:prstGeom prst="line">
+            <a:avLst/>
+          </a:prstGeom>
+        </p:spPr>
+        <p:style>
+          <a:lnRef idx="1">
+            <a:schemeClr val="accent1"/>
+          </a:lnRef>
+          <a:fillRef idx="0">
+            <a:schemeClr val="accent1"/>
+          </a:fillRef>
+          <a:effectRef idx="0">
+            <a:schemeClr val="accent1"/>
+          </a:effectRef>
+          <a:fontRef idx="minor">
+            <a:schemeClr val="tx1"/>
+          </a:fontRef>
+        </p:style>
+      </p:cxnSp>
+      <p:cxnSp>
+        <p:nvCxnSpPr>
+          <p:cNvPr id="38" name="Straight Connector 37"/>
+          <p:cNvCxnSpPr/>
+          <p:nvPr/>
+        </p:nvCxnSpPr>
+        <p:spPr>
+          <a:xfrm>
+            <a:off x="1832440" y="2887344"/>
+            <a:ext cx="423524" cy="102474"/>
+          </a:xfrm>
+          <a:prstGeom prst="line">
+            <a:avLst/>
+          </a:prstGeom>
+        </p:spPr>
+        <p:style>
+          <a:lnRef idx="1">
+            <a:schemeClr val="accent1"/>
+          </a:lnRef>
+          <a:fillRef idx="0">
+            <a:schemeClr val="accent1"/>
+          </a:fillRef>
+          <a:effectRef idx="0">
+            <a:schemeClr val="accent1"/>
+          </a:effectRef>
+          <a:fontRef idx="minor">
+            <a:schemeClr val="tx1"/>
+          </a:fontRef>
+        </p:style>
+      </p:cxnSp>
+      <p:cxnSp>
+        <p:nvCxnSpPr>
+          <p:cNvPr id="40" name="Straight Connector 39"/>
+          <p:cNvCxnSpPr/>
+          <p:nvPr/>
+        </p:nvCxnSpPr>
+        <p:spPr>
+          <a:xfrm>
+            <a:off x="1568278" y="3154061"/>
+            <a:ext cx="788440" cy="466824"/>
+          </a:xfrm>
+          <a:prstGeom prst="line">
+            <a:avLst/>
+          </a:prstGeom>
+        </p:spPr>
+        <p:style>
+          <a:lnRef idx="1">
+            <a:schemeClr val="accent1"/>
+          </a:lnRef>
+          <a:fillRef idx="0">
+            <a:schemeClr val="accent1"/>
+          </a:fillRef>
+          <a:effectRef idx="0">
+            <a:schemeClr val="accent1"/>
+          </a:effectRef>
+          <a:fontRef idx="minor">
+            <a:schemeClr val="tx1"/>
+          </a:fontRef>
+        </p:style>
+      </p:cxnSp>
+      <p:cxnSp>
+        <p:nvCxnSpPr>
+          <p:cNvPr id="42" name="Straight Connector 41"/>
+          <p:cNvCxnSpPr/>
+          <p:nvPr/>
+        </p:nvCxnSpPr>
+        <p:spPr>
+          <a:xfrm flipH="1" flipV="1">
+            <a:off x="609600" y="3217797"/>
+            <a:ext cx="224125" cy="474009"/>
+          </a:xfrm>
+          <a:prstGeom prst="line">
+            <a:avLst/>
+          </a:prstGeom>
+        </p:spPr>
+        <p:style>
+          <a:lnRef idx="1">
+            <a:schemeClr val="accent1"/>
+          </a:lnRef>
+          <a:fillRef idx="0">
+            <a:schemeClr val="accent1"/>
+          </a:fillRef>
+          <a:effectRef idx="0">
+            <a:schemeClr val="accent1"/>
+          </a:effectRef>
+          <a:fontRef idx="minor">
+            <a:schemeClr val="tx1"/>
+          </a:fontRef>
+        </p:style>
+      </p:cxnSp>
+      <p:cxnSp>
+        <p:nvCxnSpPr>
+          <p:cNvPr id="47" name="Straight Connector 46"/>
+          <p:cNvCxnSpPr/>
+          <p:nvPr/>
+        </p:nvCxnSpPr>
+        <p:spPr>
+          <a:xfrm flipH="1" flipV="1">
+            <a:off x="6435094" y="1584145"/>
+            <a:ext cx="123612" cy="318125"/>
+          </a:xfrm>
+          <a:prstGeom prst="line">
+            <a:avLst/>
+          </a:prstGeom>
+        </p:spPr>
+        <p:style>
+          <a:lnRef idx="1">
+            <a:schemeClr val="accent1"/>
+          </a:lnRef>
+          <a:fillRef idx="0">
+            <a:schemeClr val="accent1"/>
+          </a:fillRef>
+          <a:effectRef idx="0">
+            <a:schemeClr val="accent1"/>
+          </a:effectRef>
+          <a:fontRef idx="minor">
+            <a:schemeClr val="tx1"/>
+          </a:fontRef>
+        </p:style>
+      </p:cxnSp>
+      <p:cxnSp>
+        <p:nvCxnSpPr>
+          <p:cNvPr id="50" name="Straight Connector 49"/>
+          <p:cNvCxnSpPr>
+            <a:endCxn id="18" idx="6"/>
+          </p:cNvCxnSpPr>
+          <p:nvPr/>
+        </p:nvCxnSpPr>
+        <p:spPr>
+          <a:xfrm flipH="1" flipV="1">
+            <a:off x="6117546" y="2255893"/>
+            <a:ext cx="179746" cy="3756"/>
+          </a:xfrm>
+          <a:prstGeom prst="line">
+            <a:avLst/>
+          </a:prstGeom>
+        </p:spPr>
+        <p:style>
+          <a:lnRef idx="1">
+            <a:schemeClr val="accent1"/>
+          </a:lnRef>
+          <a:fillRef idx="0">
+            <a:schemeClr val="accent1"/>
+          </a:fillRef>
+          <a:effectRef idx="0">
+            <a:schemeClr val="accent1"/>
+          </a:effectRef>
+          <a:fontRef idx="minor">
+            <a:schemeClr val="tx1"/>
+          </a:fontRef>
+        </p:style>
+      </p:cxnSp>
+      <p:cxnSp>
+        <p:nvCxnSpPr>
+          <p:cNvPr id="52" name="Straight Connector 51"/>
+          <p:cNvCxnSpPr/>
+          <p:nvPr/>
+        </p:nvCxnSpPr>
+        <p:spPr>
+          <a:xfrm flipH="1">
+            <a:off x="5964036" y="2789292"/>
+            <a:ext cx="336984" cy="120876"/>
+          </a:xfrm>
+          <a:prstGeom prst="line">
+            <a:avLst/>
+          </a:prstGeom>
+        </p:spPr>
+        <p:style>
+          <a:lnRef idx="1">
+            <a:schemeClr val="accent1"/>
+          </a:lnRef>
+          <a:fillRef idx="0">
+            <a:schemeClr val="accent1"/>
+          </a:fillRef>
+          <a:effectRef idx="0">
+            <a:schemeClr val="accent1"/>
+          </a:effectRef>
+          <a:fontRef idx="minor">
+            <a:schemeClr val="tx1"/>
+          </a:fontRef>
+        </p:style>
+      </p:cxnSp>
+      <p:cxnSp>
+        <p:nvCxnSpPr>
+          <p:cNvPr id="55" name="Straight Connector 54"/>
+          <p:cNvCxnSpPr>
+            <a:stCxn id="21" idx="7"/>
+          </p:cNvCxnSpPr>
+          <p:nvPr/>
+        </p:nvCxnSpPr>
+        <p:spPr>
+          <a:xfrm flipV="1">
+            <a:off x="6083523" y="2885293"/>
+            <a:ext cx="361153" cy="547007"/>
+          </a:xfrm>
+          <a:prstGeom prst="line">
+            <a:avLst/>
+          </a:prstGeom>
+        </p:spPr>
+        <p:style>
+          <a:lnRef idx="1">
+            <a:schemeClr val="accent1"/>
+          </a:lnRef>
+          <a:fillRef idx="0">
+            <a:schemeClr val="accent1"/>
+          </a:fillRef>
+          <a:effectRef idx="0">
+            <a:schemeClr val="accent1"/>
+          </a:effectRef>
+          <a:fontRef idx="minor">
+            <a:schemeClr val="tx1"/>
+          </a:fontRef>
+        </p:style>
+      </p:cxnSp>
+      <p:cxnSp>
+        <p:nvCxnSpPr>
+          <p:cNvPr id="59" name="Straight Connector 58"/>
+          <p:cNvCxnSpPr/>
+          <p:nvPr/>
+        </p:nvCxnSpPr>
+        <p:spPr>
+          <a:xfrm flipH="1" flipV="1">
+            <a:off x="6978227" y="2745505"/>
+            <a:ext cx="536230" cy="1181367"/>
+          </a:xfrm>
+          <a:prstGeom prst="line">
+            <a:avLst/>
+          </a:prstGeom>
+        </p:spPr>
+        <p:style>
+          <a:lnRef idx="1">
+            <a:schemeClr val="accent1"/>
+          </a:lnRef>
+          <a:fillRef idx="0">
+            <a:schemeClr val="accent1"/>
+          </a:fillRef>
+          <a:effectRef idx="0">
+            <a:schemeClr val="accent1"/>
+          </a:effectRef>
+          <a:fontRef idx="minor">
+            <a:schemeClr val="tx1"/>
+          </a:fontRef>
+        </p:style>
+      </p:cxnSp>
+      <p:cxnSp>
+        <p:nvCxnSpPr>
+          <p:cNvPr id="61" name="Straight Connector 60"/>
+          <p:cNvCxnSpPr/>
+          <p:nvPr/>
+        </p:nvCxnSpPr>
+        <p:spPr>
+          <a:xfrm flipH="1">
+            <a:off x="5227435" y="4941829"/>
+            <a:ext cx="407357" cy="20962"/>
+          </a:xfrm>
+          <a:prstGeom prst="line">
+            <a:avLst/>
+          </a:prstGeom>
+        </p:spPr>
+        <p:style>
+          <a:lnRef idx="1">
+            <a:schemeClr val="accent1"/>
+          </a:lnRef>
+          <a:fillRef idx="0">
+            <a:schemeClr val="accent1"/>
+          </a:fillRef>
+          <a:effectRef idx="0">
+            <a:schemeClr val="accent1"/>
+          </a:effectRef>
+          <a:fontRef idx="minor">
+            <a:schemeClr val="tx1"/>
+          </a:fontRef>
+        </p:style>
+      </p:cxnSp>
+      <p:cxnSp>
+        <p:nvCxnSpPr>
+          <p:cNvPr id="63" name="Straight Connector 62"/>
+          <p:cNvCxnSpPr/>
+          <p:nvPr/>
+        </p:nvCxnSpPr>
+        <p:spPr>
+          <a:xfrm flipH="1">
+            <a:off x="5303118" y="5683572"/>
+            <a:ext cx="302034" cy="200761"/>
+          </a:xfrm>
+          <a:prstGeom prst="line">
+            <a:avLst/>
+          </a:prstGeom>
+        </p:spPr>
+        <p:style>
+          <a:lnRef idx="1">
+            <a:schemeClr val="accent1"/>
+          </a:lnRef>
+          <a:fillRef idx="0">
+            <a:schemeClr val="accent1"/>
+          </a:fillRef>
+          <a:effectRef idx="0">
+            <a:schemeClr val="accent1"/>
+          </a:effectRef>
+          <a:fontRef idx="minor">
+            <a:schemeClr val="tx1"/>
+          </a:fontRef>
+        </p:style>
+      </p:cxnSp>
     </p:spTree>
     <p:extLst>
       <p:ext uri="{BB962C8B-B14F-4D97-AF65-F5344CB8AC3E}">
-        <p14:creationId xmlns:p14="http://schemas.microsoft.com/office/powerpoint/2010/main" val="2324742979"/>
+        <p14:creationId xmlns:p14="http://schemas.microsoft.com/office/powerpoint/2010/main" val="1006457680"/>
       </p:ext>
     </p:extLst>
   </p:cSld>
@@ -8102,9 +8935,682 @@
   <p:timing>
     <p:tnLst>
       <p:par>
-        <p:cTn id="1" dur="indefinite" restart="never" nodeType="tmRoot"/>
+        <p:cTn id="1" dur="indefinite" restart="never" nodeType="tmRoot">
+          <p:childTnLst>
+            <p:seq concurrent="1" nextAc="seek">
+              <p:cTn id="2" dur="indefinite" nodeType="mainSeq">
+                <p:childTnLst>
+                  <p:par>
+                    <p:cTn id="3" fill="hold">
+                      <p:stCondLst>
+                        <p:cond delay="indefinite"/>
+                      </p:stCondLst>
+                      <p:childTnLst>
+                        <p:par>
+                          <p:cTn id="4" fill="hold">
+                            <p:stCondLst>
+                              <p:cond delay="0"/>
+                            </p:stCondLst>
+                            <p:childTnLst>
+                              <p:par>
+                                <p:cTn id="5" presetID="10" presetClass="entr" presetSubtype="0" fill="hold" grpId="0" nodeType="clickEffect">
+                                  <p:stCondLst>
+                                    <p:cond delay="0"/>
+                                  </p:stCondLst>
+                                  <p:childTnLst>
+                                    <p:set>
+                                      <p:cBhvr>
+                                        <p:cTn id="6" dur="1" fill="hold">
+                                          <p:stCondLst>
+                                            <p:cond delay="0"/>
+                                          </p:stCondLst>
+                                        </p:cTn>
+                                        <p:tgtEl>
+                                          <p:spTgt spid="14"/>
+                                        </p:tgtEl>
+                                        <p:attrNameLst>
+                                          <p:attrName>style.visibility</p:attrName>
+                                        </p:attrNameLst>
+                                      </p:cBhvr>
+                                      <p:to>
+                                        <p:strVal val="visible"/>
+                                      </p:to>
+                                    </p:set>
+                                    <p:animEffect transition="in" filter="fade">
+                                      <p:cBhvr>
+                                        <p:cTn id="7" dur="500"/>
+                                        <p:tgtEl>
+                                          <p:spTgt spid="14"/>
+                                        </p:tgtEl>
+                                      </p:cBhvr>
+                                    </p:animEffect>
+                                  </p:childTnLst>
+                                </p:cTn>
+                              </p:par>
+                            </p:childTnLst>
+                          </p:cTn>
+                        </p:par>
+                      </p:childTnLst>
+                    </p:cTn>
+                  </p:par>
+                  <p:par>
+                    <p:cTn id="8" fill="hold">
+                      <p:stCondLst>
+                        <p:cond delay="indefinite"/>
+                      </p:stCondLst>
+                      <p:childTnLst>
+                        <p:par>
+                          <p:cTn id="9" fill="hold">
+                            <p:stCondLst>
+                              <p:cond delay="0"/>
+                            </p:stCondLst>
+                            <p:childTnLst>
+                              <p:par>
+                                <p:cTn id="10" presetID="10" presetClass="entr" presetSubtype="0" fill="hold" grpId="0" nodeType="clickEffect">
+                                  <p:stCondLst>
+                                    <p:cond delay="0"/>
+                                  </p:stCondLst>
+                                  <p:childTnLst>
+                                    <p:set>
+                                      <p:cBhvr>
+                                        <p:cTn id="11" dur="1" fill="hold">
+                                          <p:stCondLst>
+                                            <p:cond delay="0"/>
+                                          </p:stCondLst>
+                                        </p:cTn>
+                                        <p:tgtEl>
+                                          <p:spTgt spid="15"/>
+                                        </p:tgtEl>
+                                        <p:attrNameLst>
+                                          <p:attrName>style.visibility</p:attrName>
+                                        </p:attrNameLst>
+                                      </p:cBhvr>
+                                      <p:to>
+                                        <p:strVal val="visible"/>
+                                      </p:to>
+                                    </p:set>
+                                    <p:animEffect transition="in" filter="fade">
+                                      <p:cBhvr>
+                                        <p:cTn id="12" dur="500"/>
+                                        <p:tgtEl>
+                                          <p:spTgt spid="15"/>
+                                        </p:tgtEl>
+                                      </p:cBhvr>
+                                    </p:animEffect>
+                                  </p:childTnLst>
+                                </p:cTn>
+                              </p:par>
+                            </p:childTnLst>
+                          </p:cTn>
+                        </p:par>
+                      </p:childTnLst>
+                    </p:cTn>
+                  </p:par>
+                  <p:par>
+                    <p:cTn id="13" fill="hold">
+                      <p:stCondLst>
+                        <p:cond delay="indefinite"/>
+                      </p:stCondLst>
+                      <p:childTnLst>
+                        <p:par>
+                          <p:cTn id="14" fill="hold">
+                            <p:stCondLst>
+                              <p:cond delay="0"/>
+                            </p:stCondLst>
+                            <p:childTnLst>
+                              <p:par>
+                                <p:cTn id="15" presetID="10" presetClass="entr" presetSubtype="0" fill="hold" grpId="0" nodeType="clickEffect">
+                                  <p:stCondLst>
+                                    <p:cond delay="0"/>
+                                  </p:stCondLst>
+                                  <p:childTnLst>
+                                    <p:set>
+                                      <p:cBhvr>
+                                        <p:cTn id="16" dur="1" fill="hold">
+                                          <p:stCondLst>
+                                            <p:cond delay="0"/>
+                                          </p:stCondLst>
+                                        </p:cTn>
+                                        <p:tgtEl>
+                                          <p:spTgt spid="16"/>
+                                        </p:tgtEl>
+                                        <p:attrNameLst>
+                                          <p:attrName>style.visibility</p:attrName>
+                                        </p:attrNameLst>
+                                      </p:cBhvr>
+                                      <p:to>
+                                        <p:strVal val="visible"/>
+                                      </p:to>
+                                    </p:set>
+                                    <p:animEffect transition="in" filter="fade">
+                                      <p:cBhvr>
+                                        <p:cTn id="17" dur="500"/>
+                                        <p:tgtEl>
+                                          <p:spTgt spid="16"/>
+                                        </p:tgtEl>
+                                      </p:cBhvr>
+                                    </p:animEffect>
+                                  </p:childTnLst>
+                                </p:cTn>
+                              </p:par>
+                            </p:childTnLst>
+                          </p:cTn>
+                        </p:par>
+                      </p:childTnLst>
+                    </p:cTn>
+                  </p:par>
+                  <p:par>
+                    <p:cTn id="18" fill="hold">
+                      <p:stCondLst>
+                        <p:cond delay="indefinite"/>
+                      </p:stCondLst>
+                      <p:childTnLst>
+                        <p:par>
+                          <p:cTn id="19" fill="hold">
+                            <p:stCondLst>
+                              <p:cond delay="0"/>
+                            </p:stCondLst>
+                            <p:childTnLst>
+                              <p:par>
+                                <p:cTn id="20" presetID="10" presetClass="entr" presetSubtype="0" fill="hold" grpId="0" nodeType="clickEffect">
+                                  <p:stCondLst>
+                                    <p:cond delay="0"/>
+                                  </p:stCondLst>
+                                  <p:childTnLst>
+                                    <p:set>
+                                      <p:cBhvr>
+                                        <p:cTn id="21" dur="1" fill="hold">
+                                          <p:stCondLst>
+                                            <p:cond delay="0"/>
+                                          </p:stCondLst>
+                                        </p:cTn>
+                                        <p:tgtEl>
+                                          <p:spTgt spid="18"/>
+                                        </p:tgtEl>
+                                        <p:attrNameLst>
+                                          <p:attrName>style.visibility</p:attrName>
+                                        </p:attrNameLst>
+                                      </p:cBhvr>
+                                      <p:to>
+                                        <p:strVal val="visible"/>
+                                      </p:to>
+                                    </p:set>
+                                    <p:animEffect transition="in" filter="fade">
+                                      <p:cBhvr>
+                                        <p:cTn id="22" dur="500"/>
+                                        <p:tgtEl>
+                                          <p:spTgt spid="18"/>
+                                        </p:tgtEl>
+                                      </p:cBhvr>
+                                    </p:animEffect>
+                                  </p:childTnLst>
+                                </p:cTn>
+                              </p:par>
+                            </p:childTnLst>
+                          </p:cTn>
+                        </p:par>
+                      </p:childTnLst>
+                    </p:cTn>
+                  </p:par>
+                  <p:par>
+                    <p:cTn id="23" fill="hold">
+                      <p:stCondLst>
+                        <p:cond delay="indefinite"/>
+                      </p:stCondLst>
+                      <p:childTnLst>
+                        <p:par>
+                          <p:cTn id="24" fill="hold">
+                            <p:stCondLst>
+                              <p:cond delay="0"/>
+                            </p:stCondLst>
+                            <p:childTnLst>
+                              <p:par>
+                                <p:cTn id="25" presetID="10" presetClass="entr" presetSubtype="0" fill="hold" grpId="0" nodeType="clickEffect">
+                                  <p:stCondLst>
+                                    <p:cond delay="0"/>
+                                  </p:stCondLst>
+                                  <p:childTnLst>
+                                    <p:set>
+                                      <p:cBhvr>
+                                        <p:cTn id="26" dur="1" fill="hold">
+                                          <p:stCondLst>
+                                            <p:cond delay="0"/>
+                                          </p:stCondLst>
+                                        </p:cTn>
+                                        <p:tgtEl>
+                                          <p:spTgt spid="17"/>
+                                        </p:tgtEl>
+                                        <p:attrNameLst>
+                                          <p:attrName>style.visibility</p:attrName>
+                                        </p:attrNameLst>
+                                      </p:cBhvr>
+                                      <p:to>
+                                        <p:strVal val="visible"/>
+                                      </p:to>
+                                    </p:set>
+                                    <p:animEffect transition="in" filter="fade">
+                                      <p:cBhvr>
+                                        <p:cTn id="27" dur="500"/>
+                                        <p:tgtEl>
+                                          <p:spTgt spid="17"/>
+                                        </p:tgtEl>
+                                      </p:cBhvr>
+                                    </p:animEffect>
+                                  </p:childTnLst>
+                                </p:cTn>
+                              </p:par>
+                            </p:childTnLst>
+                          </p:cTn>
+                        </p:par>
+                      </p:childTnLst>
+                    </p:cTn>
+                  </p:par>
+                  <p:par>
+                    <p:cTn id="28" fill="hold">
+                      <p:stCondLst>
+                        <p:cond delay="indefinite"/>
+                      </p:stCondLst>
+                      <p:childTnLst>
+                        <p:par>
+                          <p:cTn id="29" fill="hold">
+                            <p:stCondLst>
+                              <p:cond delay="0"/>
+                            </p:stCondLst>
+                            <p:childTnLst>
+                              <p:par>
+                                <p:cTn id="30" presetID="10" presetClass="entr" presetSubtype="0" fill="hold" grpId="0" nodeType="clickEffect">
+                                  <p:stCondLst>
+                                    <p:cond delay="0"/>
+                                  </p:stCondLst>
+                                  <p:childTnLst>
+                                    <p:set>
+                                      <p:cBhvr>
+                                        <p:cTn id="31" dur="1" fill="hold">
+                                          <p:stCondLst>
+                                            <p:cond delay="0"/>
+                                          </p:stCondLst>
+                                        </p:cTn>
+                                        <p:tgtEl>
+                                          <p:spTgt spid="19"/>
+                                        </p:tgtEl>
+                                        <p:attrNameLst>
+                                          <p:attrName>style.visibility</p:attrName>
+                                        </p:attrNameLst>
+                                      </p:cBhvr>
+                                      <p:to>
+                                        <p:strVal val="visible"/>
+                                      </p:to>
+                                    </p:set>
+                                    <p:animEffect transition="in" filter="fade">
+                                      <p:cBhvr>
+                                        <p:cTn id="32" dur="500"/>
+                                        <p:tgtEl>
+                                          <p:spTgt spid="19"/>
+                                        </p:tgtEl>
+                                      </p:cBhvr>
+                                    </p:animEffect>
+                                  </p:childTnLst>
+                                </p:cTn>
+                              </p:par>
+                            </p:childTnLst>
+                          </p:cTn>
+                        </p:par>
+                      </p:childTnLst>
+                    </p:cTn>
+                  </p:par>
+                  <p:par>
+                    <p:cTn id="33" fill="hold">
+                      <p:stCondLst>
+                        <p:cond delay="indefinite"/>
+                      </p:stCondLst>
+                      <p:childTnLst>
+                        <p:par>
+                          <p:cTn id="34" fill="hold">
+                            <p:stCondLst>
+                              <p:cond delay="0"/>
+                            </p:stCondLst>
+                            <p:childTnLst>
+                              <p:par>
+                                <p:cTn id="35" presetID="10" presetClass="entr" presetSubtype="0" fill="hold" grpId="0" nodeType="clickEffect">
+                                  <p:stCondLst>
+                                    <p:cond delay="0"/>
+                                  </p:stCondLst>
+                                  <p:childTnLst>
+                                    <p:set>
+                                      <p:cBhvr>
+                                        <p:cTn id="36" dur="1" fill="hold">
+                                          <p:stCondLst>
+                                            <p:cond delay="0"/>
+                                          </p:stCondLst>
+                                        </p:cTn>
+                                        <p:tgtEl>
+                                          <p:spTgt spid="22"/>
+                                        </p:tgtEl>
+                                        <p:attrNameLst>
+                                          <p:attrName>style.visibility</p:attrName>
+                                        </p:attrNameLst>
+                                      </p:cBhvr>
+                                      <p:to>
+                                        <p:strVal val="visible"/>
+                                      </p:to>
+                                    </p:set>
+                                    <p:animEffect transition="in" filter="fade">
+                                      <p:cBhvr>
+                                        <p:cTn id="37" dur="500"/>
+                                        <p:tgtEl>
+                                          <p:spTgt spid="22"/>
+                                        </p:tgtEl>
+                                      </p:cBhvr>
+                                    </p:animEffect>
+                                  </p:childTnLst>
+                                </p:cTn>
+                              </p:par>
+                            </p:childTnLst>
+                          </p:cTn>
+                        </p:par>
+                      </p:childTnLst>
+                    </p:cTn>
+                  </p:par>
+                  <p:par>
+                    <p:cTn id="38" fill="hold">
+                      <p:stCondLst>
+                        <p:cond delay="indefinite"/>
+                      </p:stCondLst>
+                      <p:childTnLst>
+                        <p:par>
+                          <p:cTn id="39" fill="hold">
+                            <p:stCondLst>
+                              <p:cond delay="0"/>
+                            </p:stCondLst>
+                            <p:childTnLst>
+                              <p:par>
+                                <p:cTn id="40" presetID="10" presetClass="entr" presetSubtype="0" fill="hold" grpId="0" nodeType="clickEffect">
+                                  <p:stCondLst>
+                                    <p:cond delay="0"/>
+                                  </p:stCondLst>
+                                  <p:childTnLst>
+                                    <p:set>
+                                      <p:cBhvr>
+                                        <p:cTn id="41" dur="1" fill="hold">
+                                          <p:stCondLst>
+                                            <p:cond delay="0"/>
+                                          </p:stCondLst>
+                                        </p:cTn>
+                                        <p:tgtEl>
+                                          <p:spTgt spid="21"/>
+                                        </p:tgtEl>
+                                        <p:attrNameLst>
+                                          <p:attrName>style.visibility</p:attrName>
+                                        </p:attrNameLst>
+                                      </p:cBhvr>
+                                      <p:to>
+                                        <p:strVal val="visible"/>
+                                      </p:to>
+                                    </p:set>
+                                    <p:animEffect transition="in" filter="fade">
+                                      <p:cBhvr>
+                                        <p:cTn id="42" dur="500"/>
+                                        <p:tgtEl>
+                                          <p:spTgt spid="21"/>
+                                        </p:tgtEl>
+                                      </p:cBhvr>
+                                    </p:animEffect>
+                                  </p:childTnLst>
+                                </p:cTn>
+                              </p:par>
+                            </p:childTnLst>
+                          </p:cTn>
+                        </p:par>
+                      </p:childTnLst>
+                    </p:cTn>
+                  </p:par>
+                  <p:par>
+                    <p:cTn id="43" fill="hold">
+                      <p:stCondLst>
+                        <p:cond delay="indefinite"/>
+                      </p:stCondLst>
+                      <p:childTnLst>
+                        <p:par>
+                          <p:cTn id="44" fill="hold">
+                            <p:stCondLst>
+                              <p:cond delay="0"/>
+                            </p:stCondLst>
+                            <p:childTnLst>
+                              <p:par>
+                                <p:cTn id="45" presetID="10" presetClass="entr" presetSubtype="0" fill="hold" grpId="0" nodeType="clickEffect">
+                                  <p:stCondLst>
+                                    <p:cond delay="0"/>
+                                  </p:stCondLst>
+                                  <p:childTnLst>
+                                    <p:set>
+                                      <p:cBhvr>
+                                        <p:cTn id="46" dur="1" fill="hold">
+                                          <p:stCondLst>
+                                            <p:cond delay="0"/>
+                                          </p:stCondLst>
+                                        </p:cTn>
+                                        <p:tgtEl>
+                                          <p:spTgt spid="20"/>
+                                        </p:tgtEl>
+                                        <p:attrNameLst>
+                                          <p:attrName>style.visibility</p:attrName>
+                                        </p:attrNameLst>
+                                      </p:cBhvr>
+                                      <p:to>
+                                        <p:strVal val="visible"/>
+                                      </p:to>
+                                    </p:set>
+                                    <p:animEffect transition="in" filter="fade">
+                                      <p:cBhvr>
+                                        <p:cTn id="47" dur="500"/>
+                                        <p:tgtEl>
+                                          <p:spTgt spid="20"/>
+                                        </p:tgtEl>
+                                      </p:cBhvr>
+                                    </p:animEffect>
+                                  </p:childTnLst>
+                                </p:cTn>
+                              </p:par>
+                            </p:childTnLst>
+                          </p:cTn>
+                        </p:par>
+                      </p:childTnLst>
+                    </p:cTn>
+                  </p:par>
+                  <p:par>
+                    <p:cTn id="48" fill="hold">
+                      <p:stCondLst>
+                        <p:cond delay="indefinite"/>
+                      </p:stCondLst>
+                      <p:childTnLst>
+                        <p:par>
+                          <p:cTn id="49" fill="hold">
+                            <p:stCondLst>
+                              <p:cond delay="0"/>
+                            </p:stCondLst>
+                            <p:childTnLst>
+                              <p:par>
+                                <p:cTn id="50" presetID="10" presetClass="entr" presetSubtype="0" fill="hold" grpId="0" nodeType="clickEffect">
+                                  <p:stCondLst>
+                                    <p:cond delay="0"/>
+                                  </p:stCondLst>
+                                  <p:childTnLst>
+                                    <p:set>
+                                      <p:cBhvr>
+                                        <p:cTn id="51" dur="1" fill="hold">
+                                          <p:stCondLst>
+                                            <p:cond delay="0"/>
+                                          </p:stCondLst>
+                                        </p:cTn>
+                                        <p:tgtEl>
+                                          <p:spTgt spid="24"/>
+                                        </p:tgtEl>
+                                        <p:attrNameLst>
+                                          <p:attrName>style.visibility</p:attrName>
+                                        </p:attrNameLst>
+                                      </p:cBhvr>
+                                      <p:to>
+                                        <p:strVal val="visible"/>
+                                      </p:to>
+                                    </p:set>
+                                    <p:animEffect transition="in" filter="fade">
+                                      <p:cBhvr>
+                                        <p:cTn id="52" dur="500"/>
+                                        <p:tgtEl>
+                                          <p:spTgt spid="24"/>
+                                        </p:tgtEl>
+                                      </p:cBhvr>
+                                    </p:animEffect>
+                                  </p:childTnLst>
+                                </p:cTn>
+                              </p:par>
+                            </p:childTnLst>
+                          </p:cTn>
+                        </p:par>
+                      </p:childTnLst>
+                    </p:cTn>
+                  </p:par>
+                  <p:par>
+                    <p:cTn id="53" fill="hold">
+                      <p:stCondLst>
+                        <p:cond delay="indefinite"/>
+                      </p:stCondLst>
+                      <p:childTnLst>
+                        <p:par>
+                          <p:cTn id="54" fill="hold">
+                            <p:stCondLst>
+                              <p:cond delay="0"/>
+                            </p:stCondLst>
+                            <p:childTnLst>
+                              <p:par>
+                                <p:cTn id="55" presetID="10" presetClass="entr" presetSubtype="0" fill="hold" grpId="0" nodeType="clickEffect">
+                                  <p:stCondLst>
+                                    <p:cond delay="0"/>
+                                  </p:stCondLst>
+                                  <p:childTnLst>
+                                    <p:set>
+                                      <p:cBhvr>
+                                        <p:cTn id="56" dur="1" fill="hold">
+                                          <p:stCondLst>
+                                            <p:cond delay="0"/>
+                                          </p:stCondLst>
+                                        </p:cTn>
+                                        <p:tgtEl>
+                                          <p:spTgt spid="25"/>
+                                        </p:tgtEl>
+                                        <p:attrNameLst>
+                                          <p:attrName>style.visibility</p:attrName>
+                                        </p:attrNameLst>
+                                      </p:cBhvr>
+                                      <p:to>
+                                        <p:strVal val="visible"/>
+                                      </p:to>
+                                    </p:set>
+                                    <p:animEffect transition="in" filter="fade">
+                                      <p:cBhvr>
+                                        <p:cTn id="57" dur="500"/>
+                                        <p:tgtEl>
+                                          <p:spTgt spid="25"/>
+                                        </p:tgtEl>
+                                      </p:cBhvr>
+                                    </p:animEffect>
+                                  </p:childTnLst>
+                                </p:cTn>
+                              </p:par>
+                            </p:childTnLst>
+                          </p:cTn>
+                        </p:par>
+                      </p:childTnLst>
+                    </p:cTn>
+                  </p:par>
+                  <p:par>
+                    <p:cTn id="58" fill="hold">
+                      <p:stCondLst>
+                        <p:cond delay="indefinite"/>
+                      </p:stCondLst>
+                      <p:childTnLst>
+                        <p:par>
+                          <p:cTn id="59" fill="hold">
+                            <p:stCondLst>
+                              <p:cond delay="0"/>
+                            </p:stCondLst>
+                            <p:childTnLst>
+                              <p:par>
+                                <p:cTn id="60" presetID="10" presetClass="entr" presetSubtype="0" fill="hold" grpId="0" nodeType="clickEffect">
+                                  <p:stCondLst>
+                                    <p:cond delay="0"/>
+                                  </p:stCondLst>
+                                  <p:childTnLst>
+                                    <p:set>
+                                      <p:cBhvr>
+                                        <p:cTn id="61" dur="1" fill="hold">
+                                          <p:stCondLst>
+                                            <p:cond delay="0"/>
+                                          </p:stCondLst>
+                                        </p:cTn>
+                                        <p:tgtEl>
+                                          <p:spTgt spid="23"/>
+                                        </p:tgtEl>
+                                        <p:attrNameLst>
+                                          <p:attrName>style.visibility</p:attrName>
+                                        </p:attrNameLst>
+                                      </p:cBhvr>
+                                      <p:to>
+                                        <p:strVal val="visible"/>
+                                      </p:to>
+                                    </p:set>
+                                    <p:animEffect transition="in" filter="fade">
+                                      <p:cBhvr>
+                                        <p:cTn id="62" dur="500"/>
+                                        <p:tgtEl>
+                                          <p:spTgt spid="23"/>
+                                        </p:tgtEl>
+                                      </p:cBhvr>
+                                    </p:animEffect>
+                                  </p:childTnLst>
+                                </p:cTn>
+                              </p:par>
+                            </p:childTnLst>
+                          </p:cTn>
+                        </p:par>
+                      </p:childTnLst>
+                    </p:cTn>
+                  </p:par>
+                </p:childTnLst>
+              </p:cTn>
+              <p:prevCondLst>
+                <p:cond evt="onPrev" delay="0">
+                  <p:tgtEl>
+                    <p:sldTgt/>
+                  </p:tgtEl>
+                </p:cond>
+              </p:prevCondLst>
+              <p:nextCondLst>
+                <p:cond evt="onNext" delay="0">
+                  <p:tgtEl>
+                    <p:sldTgt/>
+                  </p:tgtEl>
+                </p:cond>
+              </p:nextCondLst>
+            </p:seq>
+          </p:childTnLst>
+        </p:cTn>
       </p:par>
     </p:tnLst>
+    <p:bldLst>
+      <p:bldP spid="14" grpId="0" animBg="1"/>
+      <p:bldP spid="15" grpId="0" animBg="1"/>
+      <p:bldP spid="16" grpId="0" animBg="1"/>
+      <p:bldP spid="17" grpId="0" animBg="1"/>
+      <p:bldP spid="18" grpId="0" animBg="1"/>
+      <p:bldP spid="19" grpId="0" animBg="1"/>
+      <p:bldP spid="20" grpId="0" animBg="1"/>
+      <p:bldP spid="21" grpId="0" animBg="1"/>
+      <p:bldP spid="22" grpId="0" animBg="1"/>
+      <p:bldP spid="23" grpId="0" animBg="1"/>
+      <p:bldP spid="24" grpId="0" animBg="1"/>
+      <p:bldP spid="25" grpId="0" animBg="1"/>
+    </p:bldLst>
   </p:timing>
 </p:sld>
 </file>
@@ -8142,25 +9648,822 @@
           <a:lstStyle/>
           <a:p>
             <a:r>
-              <a:rPr lang="en-US" dirty="0"/>
-              <a:t>Proposed Solution</a:t>
+              <a:rPr lang="en-US" dirty="0" smtClean="0"/>
+              <a:t>Project Features</a:t>
             </a:r>
             <a:br>
-              <a:rPr lang="en-US" dirty="0"/>
+              <a:rPr lang="en-US" dirty="0" smtClean="0"/>
             </a:br>
-            <a:endParaRPr lang="en-US" dirty="0"/>
-          </a:p>
-        </p:txBody>
-      </p:sp>
-      <p:sp>
-        <p:nvSpPr>
-          <p:cNvPr id="3" name="Content Placeholder 2"/>
-          <p:cNvSpPr>
-            <a:spLocks noGrp="1"/>
-          </p:cNvSpPr>
+            <a:r>
+              <a:rPr lang="en-US" dirty="0" smtClean="0"/>
+              <a:t>	</a:t>
+            </a:r>
+            <a:r>
+              <a:rPr lang="en-US" sz="3200" dirty="0" smtClean="0">
+                <a:solidFill>
+                  <a:schemeClr val="accent2">
+                    <a:lumMod val="50000"/>
+                  </a:schemeClr>
+                </a:solidFill>
+              </a:rPr>
+              <a:t>Create Contract</a:t>
+            </a:r>
+            <a:endParaRPr lang="en-US" dirty="0">
+              <a:solidFill>
+                <a:schemeClr val="accent2">
+                  <a:lumMod val="50000"/>
+                </a:schemeClr>
+              </a:solidFill>
+            </a:endParaRPr>
+          </a:p>
+        </p:txBody>
+      </p:sp>
+      <p:pic>
+        <p:nvPicPr>
+          <p:cNvPr id="15" name="Content Placeholder 14"/>
+          <p:cNvPicPr>
+            <a:picLocks noGrp="1" noChangeAspect="1"/>
+          </p:cNvPicPr>
           <p:nvPr>
             <p:ph idx="1"/>
           </p:nvPr>
+        </p:nvPicPr>
+        <p:blipFill>
+          <a:blip r:embed="rId3">
+            <a:extLst>
+              <a:ext uri="{28A0092B-C50C-407E-A947-70E740481C1C}">
+                <a14:useLocalDpi xmlns:a14="http://schemas.microsoft.com/office/drawing/2010/main" val="0"/>
+              </a:ext>
+            </a:extLst>
+          </a:blip>
+          <a:stretch>
+            <a:fillRect/>
+          </a:stretch>
+        </p:blipFill>
+        <p:spPr>
+          <a:xfrm>
+            <a:off x="826907" y="1736088"/>
+            <a:ext cx="1196625" cy="998367"/>
+          </a:xfrm>
+        </p:spPr>
+      </p:pic>
+      <p:pic>
+        <p:nvPicPr>
+          <p:cNvPr id="17" name="Picture 16"/>
+          <p:cNvPicPr>
+            <a:picLocks noChangeAspect="1"/>
+          </p:cNvPicPr>
+          <p:nvPr/>
+        </p:nvPicPr>
+        <p:blipFill>
+          <a:blip r:embed="rId4">
+            <a:extLst>
+              <a:ext uri="{28A0092B-C50C-407E-A947-70E740481C1C}">
+                <a14:useLocalDpi xmlns:a14="http://schemas.microsoft.com/office/drawing/2010/main" val="0"/>
+              </a:ext>
+            </a:extLst>
+          </a:blip>
+          <a:stretch>
+            <a:fillRect/>
+          </a:stretch>
+        </p:blipFill>
+        <p:spPr>
+          <a:xfrm>
+            <a:off x="3718476" y="5521542"/>
+            <a:ext cx="1196624" cy="998367"/>
+          </a:xfrm>
+          <a:prstGeom prst="rect">
+            <a:avLst/>
+          </a:prstGeom>
+        </p:spPr>
+      </p:pic>
+      <p:pic>
+        <p:nvPicPr>
+          <p:cNvPr id="20" name="Picture 19"/>
+          <p:cNvPicPr>
+            <a:picLocks noChangeAspect="1"/>
+          </p:cNvPicPr>
+          <p:nvPr/>
+        </p:nvPicPr>
+        <p:blipFill>
+          <a:blip r:embed="rId5">
+            <a:extLst>
+              <a:ext uri="{28A0092B-C50C-407E-A947-70E740481C1C}">
+                <a14:useLocalDpi xmlns:a14="http://schemas.microsoft.com/office/drawing/2010/main" val="0"/>
+              </a:ext>
+            </a:extLst>
+          </a:blip>
+          <a:stretch>
+            <a:fillRect/>
+          </a:stretch>
+        </p:blipFill>
+        <p:spPr>
+          <a:xfrm>
+            <a:off x="6262507" y="1736088"/>
+            <a:ext cx="1196625" cy="998367"/>
+          </a:xfrm>
+          <a:prstGeom prst="rect">
+            <a:avLst/>
+          </a:prstGeom>
+        </p:spPr>
+      </p:pic>
+      <p:pic>
+        <p:nvPicPr>
+          <p:cNvPr id="23" name="Picture 22"/>
+          <p:cNvPicPr>
+            <a:picLocks noChangeAspect="1"/>
+          </p:cNvPicPr>
+          <p:nvPr/>
+        </p:nvPicPr>
+        <p:blipFill>
+          <a:blip r:embed="rId6">
+            <a:extLst>
+              <a:ext uri="{28A0092B-C50C-407E-A947-70E740481C1C}">
+                <a14:useLocalDpi xmlns:a14="http://schemas.microsoft.com/office/drawing/2010/main" val="0"/>
+              </a:ext>
+            </a:extLst>
+          </a:blip>
+          <a:stretch>
+            <a:fillRect/>
+          </a:stretch>
+        </p:blipFill>
+        <p:spPr>
+          <a:xfrm>
+            <a:off x="804235" y="4206777"/>
+            <a:ext cx="1303031" cy="931094"/>
+          </a:xfrm>
+          <a:prstGeom prst="rect">
+            <a:avLst/>
+          </a:prstGeom>
+        </p:spPr>
+      </p:pic>
+      <p:pic>
+        <p:nvPicPr>
+          <p:cNvPr id="24" name="Picture 23"/>
+          <p:cNvPicPr>
+            <a:picLocks noChangeAspect="1"/>
+          </p:cNvPicPr>
+          <p:nvPr/>
+        </p:nvPicPr>
+        <p:blipFill>
+          <a:blip r:embed="rId7">
+            <a:extLst>
+              <a:ext uri="{28A0092B-C50C-407E-A947-70E740481C1C}">
+                <a14:useLocalDpi xmlns:a14="http://schemas.microsoft.com/office/drawing/2010/main" val="0"/>
+              </a:ext>
+            </a:extLst>
+          </a:blip>
+          <a:stretch>
+            <a:fillRect/>
+          </a:stretch>
+        </p:blipFill>
+        <p:spPr>
+          <a:xfrm>
+            <a:off x="3650658" y="3170380"/>
+            <a:ext cx="1355038" cy="1302107"/>
+          </a:xfrm>
+          <a:prstGeom prst="rect">
+            <a:avLst/>
+          </a:prstGeom>
+        </p:spPr>
+      </p:pic>
+      <p:pic>
+        <p:nvPicPr>
+          <p:cNvPr id="28" name="Picture 27"/>
+          <p:cNvPicPr>
+            <a:picLocks noChangeAspect="1"/>
+          </p:cNvPicPr>
+          <p:nvPr/>
+        </p:nvPicPr>
+        <p:blipFill>
+          <a:blip r:embed="rId8">
+            <a:extLst>
+              <a:ext uri="{28A0092B-C50C-407E-A947-70E740481C1C}">
+                <a14:useLocalDpi xmlns:a14="http://schemas.microsoft.com/office/drawing/2010/main" val="0"/>
+              </a:ext>
+            </a:extLst>
+          </a:blip>
+          <a:stretch>
+            <a:fillRect/>
+          </a:stretch>
+        </p:blipFill>
+        <p:spPr>
+          <a:xfrm>
+            <a:off x="6503214" y="3628908"/>
+            <a:ext cx="1220586" cy="1220586"/>
+          </a:xfrm>
+          <a:prstGeom prst="rect">
+            <a:avLst/>
+          </a:prstGeom>
+        </p:spPr>
+      </p:pic>
+      <p:sp>
+        <p:nvSpPr>
+          <p:cNvPr id="35" name="Right Arrow 34"/>
+          <p:cNvSpPr/>
+          <p:nvPr/>
+        </p:nvSpPr>
+        <p:spPr>
+          <a:xfrm rot="5400000" flipV="1">
+            <a:off x="860686" y="3471671"/>
+            <a:ext cx="1129072" cy="235249"/>
+          </a:xfrm>
+          <a:prstGeom prst="rightArrow">
+            <a:avLst/>
+          </a:prstGeom>
+        </p:spPr>
+        <p:style>
+          <a:lnRef idx="2">
+            <a:schemeClr val="accent1">
+              <a:shade val="50000"/>
+            </a:schemeClr>
+          </a:lnRef>
+          <a:fillRef idx="1">
+            <a:schemeClr val="accent1"/>
+          </a:fillRef>
+          <a:effectRef idx="0">
+            <a:schemeClr val="accent1"/>
+          </a:effectRef>
+          <a:fontRef idx="minor">
+            <a:schemeClr val="lt1"/>
+          </a:fontRef>
+        </p:style>
+        <p:txBody>
+          <a:bodyPr rtlCol="0" anchor="ctr"/>
+          <a:lstStyle/>
+          <a:p>
+            <a:pPr algn="ctr"/>
+            <a:endParaRPr lang="en-US"/>
+          </a:p>
+        </p:txBody>
+      </p:sp>
+      <p:sp>
+        <p:nvSpPr>
+          <p:cNvPr id="36" name="Right Arrow 35"/>
+          <p:cNvSpPr/>
+          <p:nvPr/>
+        </p:nvSpPr>
+        <p:spPr>
+          <a:xfrm rot="20943318" flipV="1">
+            <a:off x="2463072" y="3835793"/>
+            <a:ext cx="894646" cy="235249"/>
+          </a:xfrm>
+          <a:prstGeom prst="rightArrow">
+            <a:avLst/>
+          </a:prstGeom>
+        </p:spPr>
+        <p:style>
+          <a:lnRef idx="2">
+            <a:schemeClr val="accent1">
+              <a:shade val="50000"/>
+            </a:schemeClr>
+          </a:lnRef>
+          <a:fillRef idx="1">
+            <a:schemeClr val="accent1"/>
+          </a:fillRef>
+          <a:effectRef idx="0">
+            <a:schemeClr val="accent1"/>
+          </a:effectRef>
+          <a:fontRef idx="minor">
+            <a:schemeClr val="lt1"/>
+          </a:fontRef>
+        </p:style>
+        <p:txBody>
+          <a:bodyPr rtlCol="0" anchor="ctr"/>
+          <a:lstStyle/>
+          <a:p>
+            <a:pPr algn="ctr"/>
+            <a:endParaRPr lang="en-US"/>
+          </a:p>
+        </p:txBody>
+      </p:sp>
+      <p:sp>
+        <p:nvSpPr>
+          <p:cNvPr id="38" name="Right Arrow 37"/>
+          <p:cNvSpPr/>
+          <p:nvPr/>
+        </p:nvSpPr>
+        <p:spPr>
+          <a:xfrm rot="16200000" flipV="1">
+            <a:off x="3964547" y="4901903"/>
+            <a:ext cx="704481" cy="235249"/>
+          </a:xfrm>
+          <a:prstGeom prst="rightArrow">
+            <a:avLst/>
+          </a:prstGeom>
+        </p:spPr>
+        <p:style>
+          <a:lnRef idx="2">
+            <a:schemeClr val="accent1">
+              <a:shade val="50000"/>
+            </a:schemeClr>
+          </a:lnRef>
+          <a:fillRef idx="1">
+            <a:schemeClr val="accent1"/>
+          </a:fillRef>
+          <a:effectRef idx="0">
+            <a:schemeClr val="accent1"/>
+          </a:effectRef>
+          <a:fontRef idx="minor">
+            <a:schemeClr val="lt1"/>
+          </a:fontRef>
+        </p:style>
+        <p:txBody>
+          <a:bodyPr rtlCol="0" anchor="ctr"/>
+          <a:lstStyle/>
+          <a:p>
+            <a:pPr algn="ctr"/>
+            <a:endParaRPr lang="en-US"/>
+          </a:p>
+        </p:txBody>
+      </p:sp>
+      <p:sp>
+        <p:nvSpPr>
+          <p:cNvPr id="39" name="Right Arrow 38"/>
+          <p:cNvSpPr/>
+          <p:nvPr/>
+        </p:nvSpPr>
+        <p:spPr>
+          <a:xfrm rot="19514031" flipV="1">
+            <a:off x="5168560" y="3034926"/>
+            <a:ext cx="1127512" cy="235249"/>
+          </a:xfrm>
+          <a:prstGeom prst="rightArrow">
+            <a:avLst/>
+          </a:prstGeom>
+        </p:spPr>
+        <p:style>
+          <a:lnRef idx="2">
+            <a:schemeClr val="accent1">
+              <a:shade val="50000"/>
+            </a:schemeClr>
+          </a:lnRef>
+          <a:fillRef idx="1">
+            <a:schemeClr val="accent1"/>
+          </a:fillRef>
+          <a:effectRef idx="0">
+            <a:schemeClr val="accent1"/>
+          </a:effectRef>
+          <a:fontRef idx="minor">
+            <a:schemeClr val="lt1"/>
+          </a:fontRef>
+        </p:style>
+        <p:txBody>
+          <a:bodyPr rtlCol="0" anchor="ctr"/>
+          <a:lstStyle/>
+          <a:p>
+            <a:pPr algn="ctr"/>
+            <a:endParaRPr lang="en-US"/>
+          </a:p>
+        </p:txBody>
+      </p:sp>
+      <p:sp>
+        <p:nvSpPr>
+          <p:cNvPr id="40" name="Left-Right-Up Arrow 39"/>
+          <p:cNvSpPr/>
+          <p:nvPr/>
+        </p:nvSpPr>
+        <p:spPr>
+          <a:xfrm rot="10800000">
+            <a:off x="2525041" y="1971590"/>
+            <a:ext cx="3583493" cy="1151138"/>
+          </a:xfrm>
+          <a:prstGeom prst="leftRightUpArrow">
+            <a:avLst>
+              <a:gd name="adj1" fmla="val 14807"/>
+              <a:gd name="adj2" fmla="val 29453"/>
+              <a:gd name="adj3" fmla="val 25000"/>
+            </a:avLst>
+          </a:prstGeom>
+        </p:spPr>
+        <p:style>
+          <a:lnRef idx="2">
+            <a:schemeClr val="accent1">
+              <a:shade val="50000"/>
+            </a:schemeClr>
+          </a:lnRef>
+          <a:fillRef idx="1">
+            <a:schemeClr val="accent1"/>
+          </a:fillRef>
+          <a:effectRef idx="0">
+            <a:schemeClr val="accent1"/>
+          </a:effectRef>
+          <a:fontRef idx="minor">
+            <a:schemeClr val="lt1"/>
+          </a:fontRef>
+        </p:style>
+        <p:txBody>
+          <a:bodyPr rtlCol="0" anchor="ctr"/>
+          <a:lstStyle/>
+          <a:p>
+            <a:pPr algn="ctr"/>
+            <a:endParaRPr lang="en-US"/>
+          </a:p>
+        </p:txBody>
+      </p:sp>
+      <p:sp>
+        <p:nvSpPr>
+          <p:cNvPr id="43" name="Right Arrow 42"/>
+          <p:cNvSpPr/>
+          <p:nvPr/>
+        </p:nvSpPr>
+        <p:spPr>
+          <a:xfrm rot="424560" flipV="1">
+            <a:off x="5175855" y="4089153"/>
+            <a:ext cx="1416430" cy="235249"/>
+          </a:xfrm>
+          <a:prstGeom prst="rightArrow">
+            <a:avLst/>
+          </a:prstGeom>
+        </p:spPr>
+        <p:style>
+          <a:lnRef idx="2">
+            <a:schemeClr val="accent1">
+              <a:shade val="50000"/>
+            </a:schemeClr>
+          </a:lnRef>
+          <a:fillRef idx="1">
+            <a:schemeClr val="accent1"/>
+          </a:fillRef>
+          <a:effectRef idx="0">
+            <a:schemeClr val="accent1"/>
+          </a:effectRef>
+          <a:fontRef idx="minor">
+            <a:schemeClr val="lt1"/>
+          </a:fontRef>
+        </p:style>
+        <p:txBody>
+          <a:bodyPr rtlCol="0" anchor="ctr"/>
+          <a:lstStyle/>
+          <a:p>
+            <a:pPr algn="ctr"/>
+            <a:endParaRPr lang="en-US"/>
+          </a:p>
+        </p:txBody>
+      </p:sp>
+      <p:sp>
+        <p:nvSpPr>
+          <p:cNvPr id="44" name="TextBox 43"/>
+          <p:cNvSpPr txBox="1"/>
+          <p:nvPr/>
+        </p:nvSpPr>
+        <p:spPr>
+          <a:xfrm>
+            <a:off x="1564147" y="3047704"/>
+            <a:ext cx="1787669" cy="338554"/>
+          </a:xfrm>
+          <a:prstGeom prst="rect">
+            <a:avLst/>
+          </a:prstGeom>
+          <a:noFill/>
+        </p:spPr>
+        <p:txBody>
+          <a:bodyPr wrap="none" rtlCol="0">
+            <a:spAutoFit/>
+          </a:bodyPr>
+          <a:lstStyle/>
+          <a:p>
+            <a:r>
+              <a:rPr lang="en-US" sz="1600" dirty="0" smtClean="0"/>
+              <a:t>(1) Go to website</a:t>
+            </a:r>
+            <a:endParaRPr lang="en-US" sz="1600" dirty="0"/>
+          </a:p>
+        </p:txBody>
+      </p:sp>
+      <p:sp>
+        <p:nvSpPr>
+          <p:cNvPr id="45" name="TextBox 44"/>
+          <p:cNvSpPr txBox="1"/>
+          <p:nvPr/>
+        </p:nvSpPr>
+        <p:spPr>
+          <a:xfrm>
+            <a:off x="2246638" y="4082512"/>
+            <a:ext cx="1415662" cy="584775"/>
+          </a:xfrm>
+          <a:prstGeom prst="rect">
+            <a:avLst/>
+          </a:prstGeom>
+          <a:noFill/>
+        </p:spPr>
+        <p:txBody>
+          <a:bodyPr wrap="square" rtlCol="0">
+            <a:spAutoFit/>
+          </a:bodyPr>
+          <a:lstStyle/>
+          <a:p>
+            <a:r>
+              <a:rPr lang="en-US" sz="1600" dirty="0" smtClean="0"/>
+              <a:t>(2) Create appointment</a:t>
+            </a:r>
+            <a:endParaRPr lang="en-US" sz="1600" dirty="0"/>
+          </a:p>
+        </p:txBody>
+      </p:sp>
+      <p:sp>
+        <p:nvSpPr>
+          <p:cNvPr id="47" name="TextBox 46"/>
+          <p:cNvSpPr txBox="1"/>
+          <p:nvPr/>
+        </p:nvSpPr>
+        <p:spPr>
+          <a:xfrm>
+            <a:off x="2525042" y="4897273"/>
+            <a:ext cx="1404020" cy="584775"/>
+          </a:xfrm>
+          <a:prstGeom prst="rect">
+            <a:avLst/>
+          </a:prstGeom>
+          <a:noFill/>
+        </p:spPr>
+        <p:txBody>
+          <a:bodyPr wrap="square" rtlCol="0">
+            <a:spAutoFit/>
+          </a:bodyPr>
+          <a:lstStyle/>
+          <a:p>
+            <a:r>
+              <a:rPr lang="en-US" sz="1600" dirty="0" smtClean="0"/>
+              <a:t>(3, 7) Go to appointment</a:t>
+            </a:r>
+            <a:endParaRPr lang="en-US" sz="1600" dirty="0"/>
+          </a:p>
+        </p:txBody>
+      </p:sp>
+      <p:sp>
+        <p:nvSpPr>
+          <p:cNvPr id="48" name="TextBox 47"/>
+          <p:cNvSpPr txBox="1"/>
+          <p:nvPr/>
+        </p:nvSpPr>
+        <p:spPr>
+          <a:xfrm>
+            <a:off x="5732316" y="3165459"/>
+            <a:ext cx="1797159" cy="338554"/>
+          </a:xfrm>
+          <a:prstGeom prst="rect">
+            <a:avLst/>
+          </a:prstGeom>
+          <a:noFill/>
+        </p:spPr>
+        <p:txBody>
+          <a:bodyPr wrap="none" rtlCol="0">
+            <a:spAutoFit/>
+          </a:bodyPr>
+          <a:lstStyle/>
+          <a:p>
+            <a:r>
+              <a:rPr lang="en-US" sz="1600" dirty="0" smtClean="0"/>
+              <a:t>(4) Assign to staff</a:t>
+            </a:r>
+            <a:endParaRPr lang="en-US" sz="1600" dirty="0"/>
+          </a:p>
+        </p:txBody>
+      </p:sp>
+      <p:sp>
+        <p:nvSpPr>
+          <p:cNvPr id="50" name="TextBox 49"/>
+          <p:cNvSpPr txBox="1"/>
+          <p:nvPr/>
+        </p:nvSpPr>
+        <p:spPr>
+          <a:xfrm>
+            <a:off x="3045446" y="1829131"/>
+            <a:ext cx="2542684" cy="338554"/>
+          </a:xfrm>
+          <a:prstGeom prst="rect">
+            <a:avLst/>
+          </a:prstGeom>
+          <a:noFill/>
+        </p:spPr>
+        <p:txBody>
+          <a:bodyPr wrap="none" rtlCol="0">
+            <a:spAutoFit/>
+          </a:bodyPr>
+          <a:lstStyle/>
+          <a:p>
+            <a:r>
+              <a:rPr lang="en-US" sz="1600" dirty="0" smtClean="0"/>
+              <a:t>(5) Meet and check office</a:t>
+            </a:r>
+            <a:endParaRPr lang="en-US" sz="1600" dirty="0"/>
+          </a:p>
+        </p:txBody>
+      </p:sp>
+      <p:sp>
+        <p:nvSpPr>
+          <p:cNvPr id="52" name="TextBox 51"/>
+          <p:cNvSpPr txBox="1"/>
+          <p:nvPr/>
+        </p:nvSpPr>
+        <p:spPr>
+          <a:xfrm>
+            <a:off x="5326589" y="4374317"/>
+            <a:ext cx="1343395" cy="584775"/>
+          </a:xfrm>
+          <a:prstGeom prst="rect">
+            <a:avLst/>
+          </a:prstGeom>
+          <a:noFill/>
+        </p:spPr>
+        <p:txBody>
+          <a:bodyPr wrap="square" rtlCol="0">
+            <a:spAutoFit/>
+          </a:bodyPr>
+          <a:lstStyle/>
+          <a:p>
+            <a:r>
+              <a:rPr lang="en-US" sz="1600" dirty="0" smtClean="0"/>
+              <a:t>(8) Create Contract</a:t>
+            </a:r>
+            <a:endParaRPr lang="en-US" sz="1600" dirty="0"/>
+          </a:p>
+        </p:txBody>
+      </p:sp>
+      <p:sp>
+        <p:nvSpPr>
+          <p:cNvPr id="3" name="TextBox 2"/>
+          <p:cNvSpPr txBox="1"/>
+          <p:nvPr/>
+        </p:nvSpPr>
+        <p:spPr>
+          <a:xfrm>
+            <a:off x="857828" y="2655426"/>
+            <a:ext cx="1165704" cy="369332"/>
+          </a:xfrm>
+          <a:prstGeom prst="rect">
+            <a:avLst/>
+          </a:prstGeom>
+          <a:noFill/>
+        </p:spPr>
+        <p:txBody>
+          <a:bodyPr wrap="none" rtlCol="0">
+            <a:spAutoFit/>
+          </a:bodyPr>
+          <a:lstStyle/>
+          <a:p>
+            <a:r>
+              <a:rPr lang="en-US" dirty="0" smtClean="0"/>
+              <a:t>Customer</a:t>
+            </a:r>
+          </a:p>
+        </p:txBody>
+      </p:sp>
+      <p:sp>
+        <p:nvSpPr>
+          <p:cNvPr id="22" name="TextBox 21"/>
+          <p:cNvSpPr txBox="1"/>
+          <p:nvPr/>
+        </p:nvSpPr>
+        <p:spPr>
+          <a:xfrm>
+            <a:off x="872898" y="5135089"/>
+            <a:ext cx="1002839" cy="369332"/>
+          </a:xfrm>
+          <a:prstGeom prst="rect">
+            <a:avLst/>
+          </a:prstGeom>
+          <a:noFill/>
+        </p:spPr>
+        <p:txBody>
+          <a:bodyPr wrap="none" rtlCol="0">
+            <a:spAutoFit/>
+          </a:bodyPr>
+          <a:lstStyle/>
+          <a:p>
+            <a:r>
+              <a:rPr lang="en-US" dirty="0" smtClean="0"/>
+              <a:t>Website</a:t>
+            </a:r>
+          </a:p>
+        </p:txBody>
+      </p:sp>
+      <p:sp>
+        <p:nvSpPr>
+          <p:cNvPr id="25" name="TextBox 24"/>
+          <p:cNvSpPr txBox="1"/>
+          <p:nvPr/>
+        </p:nvSpPr>
+        <p:spPr>
+          <a:xfrm>
+            <a:off x="3807104" y="6374737"/>
+            <a:ext cx="1107996" cy="369332"/>
+          </a:xfrm>
+          <a:prstGeom prst="rect">
+            <a:avLst/>
+          </a:prstGeom>
+          <a:noFill/>
+        </p:spPr>
+        <p:txBody>
+          <a:bodyPr wrap="none" rtlCol="0">
+            <a:spAutoFit/>
+          </a:bodyPr>
+          <a:lstStyle/>
+          <a:p>
+            <a:r>
+              <a:rPr lang="en-US" dirty="0" smtClean="0"/>
+              <a:t>Manager	</a:t>
+            </a:r>
+          </a:p>
+        </p:txBody>
+      </p:sp>
+      <p:sp>
+        <p:nvSpPr>
+          <p:cNvPr id="26" name="TextBox 25"/>
+          <p:cNvSpPr txBox="1"/>
+          <p:nvPr/>
+        </p:nvSpPr>
+        <p:spPr>
+          <a:xfrm>
+            <a:off x="6556795" y="2687556"/>
+            <a:ext cx="678391" cy="369332"/>
+          </a:xfrm>
+          <a:prstGeom prst="rect">
+            <a:avLst/>
+          </a:prstGeom>
+          <a:noFill/>
+        </p:spPr>
+        <p:txBody>
+          <a:bodyPr wrap="none" rtlCol="0">
+            <a:spAutoFit/>
+          </a:bodyPr>
+          <a:lstStyle/>
+          <a:p>
+            <a:r>
+              <a:rPr lang="en-US" dirty="0" smtClean="0"/>
+              <a:t>Staff</a:t>
+            </a:r>
+          </a:p>
+        </p:txBody>
+      </p:sp>
+      <p:sp>
+        <p:nvSpPr>
+          <p:cNvPr id="27" name="TextBox 26"/>
+          <p:cNvSpPr txBox="1"/>
+          <p:nvPr/>
+        </p:nvSpPr>
+        <p:spPr>
+          <a:xfrm>
+            <a:off x="6573134" y="4689454"/>
+            <a:ext cx="1080745" cy="369332"/>
+          </a:xfrm>
+          <a:prstGeom prst="rect">
+            <a:avLst/>
+          </a:prstGeom>
+          <a:noFill/>
+        </p:spPr>
+        <p:txBody>
+          <a:bodyPr wrap="none" rtlCol="0">
+            <a:spAutoFit/>
+          </a:bodyPr>
+          <a:lstStyle/>
+          <a:p>
+            <a:r>
+              <a:rPr lang="en-US" dirty="0" smtClean="0"/>
+              <a:t>Contract</a:t>
+            </a:r>
+          </a:p>
+        </p:txBody>
+      </p:sp>
+      <p:sp>
+        <p:nvSpPr>
+          <p:cNvPr id="29" name="TextBox 28"/>
+          <p:cNvSpPr txBox="1"/>
+          <p:nvPr/>
+        </p:nvSpPr>
+        <p:spPr>
+          <a:xfrm>
+            <a:off x="3615082" y="4362708"/>
+            <a:ext cx="1521570" cy="369332"/>
+          </a:xfrm>
+          <a:prstGeom prst="rect">
+            <a:avLst/>
+          </a:prstGeom>
+          <a:noFill/>
+        </p:spPr>
+        <p:txBody>
+          <a:bodyPr wrap="none" rtlCol="0">
+            <a:spAutoFit/>
+          </a:bodyPr>
+          <a:lstStyle/>
+          <a:p>
+            <a:r>
+              <a:rPr lang="en-US" dirty="0" smtClean="0"/>
+              <a:t>Appointment</a:t>
+            </a:r>
+          </a:p>
+        </p:txBody>
+      </p:sp>
+      <p:sp>
+        <p:nvSpPr>
+          <p:cNvPr id="6" name="Footer Placeholder 5"/>
+          <p:cNvSpPr>
+            <a:spLocks noGrp="1"/>
+          </p:cNvSpPr>
+          <p:nvPr>
+            <p:ph type="ftr" sz="quarter" idx="11"/>
+          </p:nvPr>
         </p:nvSpPr>
         <p:spPr/>
         <p:txBody>
@@ -8168,71 +10471,6 @@
           <a:lstStyle/>
           <a:p>
             <a:r>
-              <a:rPr lang="en-US" dirty="0" smtClean="0"/>
-              <a:t>Front-end application provide functions for customer to:</a:t>
-            </a:r>
-          </a:p>
-          <a:p>
-            <a:pPr lvl="1"/>
-            <a:r>
-              <a:rPr lang="en-US" dirty="0" smtClean="0"/>
-              <a:t>Search for office</a:t>
-            </a:r>
-          </a:p>
-          <a:p>
-            <a:pPr lvl="1"/>
-            <a:r>
-              <a:rPr lang="en-US" dirty="0" smtClean="0"/>
-              <a:t>Request new office and track their request</a:t>
-            </a:r>
-          </a:p>
-          <a:p>
-            <a:pPr lvl="1"/>
-            <a:r>
-              <a:rPr lang="en-US" dirty="0" smtClean="0"/>
-              <a:t>Make an appointment</a:t>
-            </a:r>
-          </a:p>
-          <a:p>
-            <a:pPr lvl="1"/>
-            <a:r>
-              <a:rPr lang="en-US" dirty="0" smtClean="0"/>
-              <a:t>Manage their contract, include request </a:t>
-            </a:r>
-            <a:r>
-              <a:rPr lang="en-US" dirty="0"/>
-              <a:t>extend or return the </a:t>
-            </a:r>
-            <a:r>
-              <a:rPr lang="en-US" dirty="0" smtClean="0"/>
-              <a:t>contract</a:t>
-            </a:r>
-          </a:p>
-          <a:p>
-            <a:pPr lvl="1"/>
-            <a:r>
-              <a:rPr lang="en-US" dirty="0" smtClean="0"/>
-              <a:t>Create repair and rental request based on the contract</a:t>
-            </a:r>
-          </a:p>
-        </p:txBody>
-      </p:sp>
-      <p:sp>
-        <p:nvSpPr>
-          <p:cNvPr id="4" name="Footer Placeholder 3"/>
-          <p:cNvSpPr>
-            <a:spLocks noGrp="1"/>
-          </p:cNvSpPr>
-          <p:nvPr>
-            <p:ph type="ftr" sz="quarter" idx="11"/>
-          </p:nvPr>
-        </p:nvSpPr>
-        <p:spPr/>
-        <p:txBody>
-          <a:bodyPr/>
-          <a:lstStyle/>
-          <a:p>
-            <a:r>
               <a:rPr lang="en-US" smtClean="0"/>
               <a:t>Capstone Project Defense - Office Rental Service</a:t>
             </a:r>
@@ -8242,7 +10480,7 @@
       </p:sp>
       <p:sp>
         <p:nvSpPr>
-          <p:cNvPr id="5" name="Slide Number Placeholder 4"/>
+          <p:cNvPr id="7" name="Slide Number Placeholder 6"/>
           <p:cNvSpPr>
             <a:spLocks noGrp="1"/>
           </p:cNvSpPr>
@@ -8264,10 +10502,40 @@
           </a:p>
         </p:txBody>
       </p:sp>
+      <p:sp>
+        <p:nvSpPr>
+          <p:cNvPr id="31" name="TextBox 30"/>
+          <p:cNvSpPr txBox="1"/>
+          <p:nvPr/>
+        </p:nvSpPr>
+        <p:spPr>
+          <a:xfrm>
+            <a:off x="4335240" y="2383421"/>
+            <a:ext cx="1663046" cy="584775"/>
+          </a:xfrm>
+          <a:prstGeom prst="rect">
+            <a:avLst/>
+          </a:prstGeom>
+          <a:noFill/>
+        </p:spPr>
+        <p:txBody>
+          <a:bodyPr wrap="square" rtlCol="0">
+            <a:spAutoFit/>
+          </a:bodyPr>
+          <a:lstStyle/>
+          <a:p>
+            <a:r>
+              <a:rPr lang="en-US" sz="1600" dirty="0" smtClean="0"/>
+              <a:t>(6) Decide create contract</a:t>
+            </a:r>
+            <a:endParaRPr lang="en-US" sz="1600" dirty="0"/>
+          </a:p>
+        </p:txBody>
+      </p:sp>
     </p:spTree>
     <p:extLst>
       <p:ext uri="{BB962C8B-B14F-4D97-AF65-F5344CB8AC3E}">
-        <p14:creationId xmlns:p14="http://schemas.microsoft.com/office/powerpoint/2010/main" val="3358406729"/>
+        <p14:creationId xmlns:p14="http://schemas.microsoft.com/office/powerpoint/2010/main" val="1062279058"/>
       </p:ext>
     </p:extLst>
   </p:cSld>
@@ -8317,87 +10585,33 @@
           <a:lstStyle/>
           <a:p>
             <a:r>
-              <a:rPr lang="en-US" dirty="0"/>
-              <a:t>Proposed Solution</a:t>
+              <a:rPr lang="en-US" dirty="0" smtClean="0"/>
+              <a:t>Project Features</a:t>
             </a:r>
             <a:br>
-              <a:rPr lang="en-US" dirty="0"/>
+              <a:rPr lang="en-US" dirty="0" smtClean="0"/>
             </a:br>
-            <a:endParaRPr lang="en-US" dirty="0"/>
-          </a:p>
-        </p:txBody>
-      </p:sp>
-      <p:sp>
-        <p:nvSpPr>
-          <p:cNvPr id="3" name="Content Placeholder 2"/>
-          <p:cNvSpPr>
-            <a:spLocks noGrp="1"/>
-          </p:cNvSpPr>
-          <p:nvPr>
-            <p:ph idx="1"/>
-          </p:nvPr>
-        </p:nvSpPr>
-        <p:spPr/>
-        <p:txBody>
-          <a:bodyPr/>
-          <a:lstStyle/>
-          <a:p>
             <a:r>
               <a:rPr lang="en-US" dirty="0" smtClean="0"/>
-              <a:t>Web </a:t>
-            </a:r>
-            <a:r>
-              <a:rPr lang="en-US" dirty="0"/>
-              <a:t>application for admin, manager and staff:</a:t>
-            </a:r>
-          </a:p>
-          <a:p>
-            <a:pPr lvl="1"/>
-            <a:r>
-              <a:rPr lang="en-US" dirty="0"/>
-              <a:t>Manage user</a:t>
-            </a:r>
-          </a:p>
-          <a:p>
-            <a:pPr lvl="1"/>
-            <a:r>
-              <a:rPr lang="en-US" dirty="0" smtClean="0"/>
-              <a:t>Manage office</a:t>
-            </a:r>
-          </a:p>
-          <a:p>
-            <a:pPr lvl="1"/>
-            <a:r>
-              <a:rPr lang="en-US" dirty="0" smtClean="0"/>
-              <a:t>Manage contract </a:t>
-            </a:r>
-          </a:p>
-          <a:p>
-            <a:pPr lvl="1"/>
-            <a:r>
-              <a:rPr lang="en-US" dirty="0" smtClean="0"/>
-              <a:t>Manage requests from customer</a:t>
-            </a:r>
-          </a:p>
-          <a:p>
-            <a:pPr lvl="1"/>
-            <a:r>
-              <a:rPr lang="en-US" dirty="0" smtClean="0"/>
-              <a:t>View statistic</a:t>
-            </a:r>
-          </a:p>
-          <a:p>
-            <a:pPr lvl="1"/>
-            <a:r>
-              <a:rPr lang="en-US" dirty="0" smtClean="0"/>
-              <a:t>Manage office item and other materials</a:t>
-            </a:r>
-          </a:p>
-          <a:p>
-            <a:r>
-              <a:rPr lang="en-US" dirty="0" smtClean="0"/>
-              <a:t>Mobile application for staff to manage their task list.</a:t>
-            </a:r>
+              <a:t>	</a:t>
+            </a:r>
+            <a:r>
+              <a:rPr lang="en-US" sz="3200" dirty="0" smtClean="0">
+                <a:solidFill>
+                  <a:schemeClr val="accent2">
+                    <a:lumMod val="50000"/>
+                  </a:schemeClr>
+                </a:solidFill>
+              </a:rPr>
+              <a:t>Request Office</a:t>
+            </a:r>
+            <a:endParaRPr lang="en-US" dirty="0">
+              <a:solidFill>
+                <a:schemeClr val="accent2">
+                  <a:lumMod val="50000"/>
+                </a:schemeClr>
+              </a:solidFill>
+            </a:endParaRPr>
           </a:p>
         </p:txBody>
       </p:sp>
@@ -8448,10 +10662,734 @@
           </a:p>
         </p:txBody>
       </p:sp>
+      <p:pic>
+        <p:nvPicPr>
+          <p:cNvPr id="8" name="Content Placeholder 7"/>
+          <p:cNvPicPr>
+            <a:picLocks noGrp="1" noChangeAspect="1"/>
+          </p:cNvPicPr>
+          <p:nvPr>
+            <p:ph idx="1"/>
+          </p:nvPr>
+        </p:nvPicPr>
+        <p:blipFill>
+          <a:blip r:embed="rId2">
+            <a:extLst>
+              <a:ext uri="{28A0092B-C50C-407E-A947-70E740481C1C}">
+                <a14:useLocalDpi xmlns:a14="http://schemas.microsoft.com/office/drawing/2010/main" val="0"/>
+              </a:ext>
+            </a:extLst>
+          </a:blip>
+          <a:stretch>
+            <a:fillRect/>
+          </a:stretch>
+        </p:blipFill>
+        <p:spPr>
+          <a:xfrm>
+            <a:off x="1033279" y="2242102"/>
+            <a:ext cx="1159106" cy="967064"/>
+          </a:xfrm>
+        </p:spPr>
+      </p:pic>
+      <p:pic>
+        <p:nvPicPr>
+          <p:cNvPr id="9" name="Picture 8"/>
+          <p:cNvPicPr>
+            <a:picLocks noChangeAspect="1"/>
+          </p:cNvPicPr>
+          <p:nvPr/>
+        </p:nvPicPr>
+        <p:blipFill>
+          <a:blip r:embed="rId3">
+            <a:extLst>
+              <a:ext uri="{28A0092B-C50C-407E-A947-70E740481C1C}">
+                <a14:useLocalDpi xmlns:a14="http://schemas.microsoft.com/office/drawing/2010/main" val="0"/>
+              </a:ext>
+            </a:extLst>
+          </a:blip>
+          <a:stretch>
+            <a:fillRect/>
+          </a:stretch>
+        </p:blipFill>
+        <p:spPr>
+          <a:xfrm>
+            <a:off x="3600028" y="2173483"/>
+            <a:ext cx="1413933" cy="1035683"/>
+          </a:xfrm>
+          <a:prstGeom prst="rect">
+            <a:avLst/>
+          </a:prstGeom>
+        </p:spPr>
+      </p:pic>
+      <p:pic>
+        <p:nvPicPr>
+          <p:cNvPr id="10" name="Picture 9"/>
+          <p:cNvPicPr>
+            <a:picLocks noChangeAspect="1"/>
+          </p:cNvPicPr>
+          <p:nvPr/>
+        </p:nvPicPr>
+        <p:blipFill>
+          <a:blip r:embed="rId4">
+            <a:extLst>
+              <a:ext uri="{28A0092B-C50C-407E-A947-70E740481C1C}">
+                <a14:useLocalDpi xmlns:a14="http://schemas.microsoft.com/office/drawing/2010/main" val="0"/>
+              </a:ext>
+            </a:extLst>
+          </a:blip>
+          <a:stretch>
+            <a:fillRect/>
+          </a:stretch>
+        </p:blipFill>
+        <p:spPr>
+          <a:xfrm>
+            <a:off x="3821081" y="4049036"/>
+            <a:ext cx="1005493" cy="1560248"/>
+          </a:xfrm>
+          <a:prstGeom prst="rect">
+            <a:avLst/>
+          </a:prstGeom>
+        </p:spPr>
+      </p:pic>
+      <p:pic>
+        <p:nvPicPr>
+          <p:cNvPr id="11" name="Picture 10"/>
+          <p:cNvPicPr>
+            <a:picLocks noChangeAspect="1"/>
+          </p:cNvPicPr>
+          <p:nvPr/>
+        </p:nvPicPr>
+        <p:blipFill>
+          <a:blip r:embed="rId5">
+            <a:extLst>
+              <a:ext uri="{28A0092B-C50C-407E-A947-70E740481C1C}">
+                <a14:useLocalDpi xmlns:a14="http://schemas.microsoft.com/office/drawing/2010/main" val="0"/>
+              </a:ext>
+            </a:extLst>
+          </a:blip>
+          <a:stretch>
+            <a:fillRect/>
+          </a:stretch>
+        </p:blipFill>
+        <p:spPr>
+          <a:xfrm>
+            <a:off x="939414" y="4084862"/>
+            <a:ext cx="1616875" cy="1616875"/>
+          </a:xfrm>
+          <a:prstGeom prst="rect">
+            <a:avLst/>
+          </a:prstGeom>
+        </p:spPr>
+      </p:pic>
+      <p:sp>
+        <p:nvSpPr>
+          <p:cNvPr id="12" name="Right Arrow 11"/>
+          <p:cNvSpPr/>
+          <p:nvPr/>
+        </p:nvSpPr>
+        <p:spPr>
+          <a:xfrm>
+            <a:off x="2192385" y="2444249"/>
+            <a:ext cx="1254897" cy="220420"/>
+          </a:xfrm>
+          <a:prstGeom prst="rightArrow">
+            <a:avLst/>
+          </a:prstGeom>
+        </p:spPr>
+        <p:style>
+          <a:lnRef idx="2">
+            <a:schemeClr val="accent1">
+              <a:shade val="50000"/>
+            </a:schemeClr>
+          </a:lnRef>
+          <a:fillRef idx="1">
+            <a:schemeClr val="accent1"/>
+          </a:fillRef>
+          <a:effectRef idx="0">
+            <a:schemeClr val="accent1"/>
+          </a:effectRef>
+          <a:fontRef idx="minor">
+            <a:schemeClr val="lt1"/>
+          </a:fontRef>
+        </p:style>
+        <p:txBody>
+          <a:bodyPr rtlCol="0" anchor="ctr"/>
+          <a:lstStyle/>
+          <a:p>
+            <a:pPr algn="ctr"/>
+            <a:endParaRPr lang="en-US"/>
+          </a:p>
+        </p:txBody>
+      </p:sp>
+      <p:sp>
+        <p:nvSpPr>
+          <p:cNvPr id="16" name="Right Arrow 15"/>
+          <p:cNvSpPr/>
+          <p:nvPr/>
+        </p:nvSpPr>
+        <p:spPr>
+          <a:xfrm rot="10800000">
+            <a:off x="2769049" y="4368485"/>
+            <a:ext cx="796126" cy="321734"/>
+          </a:xfrm>
+          <a:prstGeom prst="rightArrow">
+            <a:avLst/>
+          </a:prstGeom>
+        </p:spPr>
+        <p:style>
+          <a:lnRef idx="2">
+            <a:schemeClr val="accent1">
+              <a:shade val="50000"/>
+            </a:schemeClr>
+          </a:lnRef>
+          <a:fillRef idx="1">
+            <a:schemeClr val="accent1"/>
+          </a:fillRef>
+          <a:effectRef idx="0">
+            <a:schemeClr val="accent1"/>
+          </a:effectRef>
+          <a:fontRef idx="minor">
+            <a:schemeClr val="lt1"/>
+          </a:fontRef>
+        </p:style>
+        <p:txBody>
+          <a:bodyPr rtlCol="0" anchor="ctr"/>
+          <a:lstStyle/>
+          <a:p>
+            <a:pPr algn="ctr"/>
+            <a:endParaRPr lang="en-US"/>
+          </a:p>
+        </p:txBody>
+      </p:sp>
+      <p:sp>
+        <p:nvSpPr>
+          <p:cNvPr id="18" name="Right Arrow 17"/>
+          <p:cNvSpPr/>
+          <p:nvPr/>
+        </p:nvSpPr>
+        <p:spPr>
+          <a:xfrm>
+            <a:off x="2790622" y="5072658"/>
+            <a:ext cx="796126" cy="296333"/>
+          </a:xfrm>
+          <a:prstGeom prst="rightArrow">
+            <a:avLst/>
+          </a:prstGeom>
+          <a:solidFill>
+            <a:schemeClr val="bg1"/>
+          </a:solidFill>
+          <a:ln>
+            <a:solidFill>
+              <a:schemeClr val="accent1">
+                <a:shade val="50000"/>
+              </a:schemeClr>
+            </a:solidFill>
+            <a:prstDash val="sysDash"/>
+          </a:ln>
+        </p:spPr>
+        <p:style>
+          <a:lnRef idx="2">
+            <a:schemeClr val="accent1">
+              <a:shade val="50000"/>
+            </a:schemeClr>
+          </a:lnRef>
+          <a:fillRef idx="1">
+            <a:schemeClr val="accent1"/>
+          </a:fillRef>
+          <a:effectRef idx="0">
+            <a:schemeClr val="accent1"/>
+          </a:effectRef>
+          <a:fontRef idx="minor">
+            <a:schemeClr val="lt1"/>
+          </a:fontRef>
+        </p:style>
+        <p:txBody>
+          <a:bodyPr rtlCol="0" anchor="ctr"/>
+          <a:lstStyle/>
+          <a:p>
+            <a:pPr algn="ctr"/>
+            <a:endParaRPr lang="en-US"/>
+          </a:p>
+        </p:txBody>
+      </p:sp>
+      <p:sp>
+        <p:nvSpPr>
+          <p:cNvPr id="19" name="TextBox 18"/>
+          <p:cNvSpPr txBox="1"/>
+          <p:nvPr/>
+        </p:nvSpPr>
+        <p:spPr>
+          <a:xfrm>
+            <a:off x="2045873" y="2168828"/>
+            <a:ext cx="1700668" cy="338554"/>
+          </a:xfrm>
+          <a:prstGeom prst="rect">
+            <a:avLst/>
+          </a:prstGeom>
+          <a:noFill/>
+        </p:spPr>
+        <p:txBody>
+          <a:bodyPr wrap="square" rtlCol="0">
+            <a:spAutoFit/>
+          </a:bodyPr>
+          <a:lstStyle/>
+          <a:p>
+            <a:r>
+              <a:rPr lang="en-US" sz="1600" dirty="0" smtClean="0"/>
+              <a:t>Create request</a:t>
+            </a:r>
+            <a:endParaRPr lang="en-US" sz="1600" dirty="0"/>
+          </a:p>
+        </p:txBody>
+      </p:sp>
+      <p:sp>
+        <p:nvSpPr>
+          <p:cNvPr id="21" name="TextBox 20"/>
+          <p:cNvSpPr txBox="1"/>
+          <p:nvPr/>
+        </p:nvSpPr>
+        <p:spPr>
+          <a:xfrm>
+            <a:off x="2819834" y="4108678"/>
+            <a:ext cx="737702" cy="338554"/>
+          </a:xfrm>
+          <a:prstGeom prst="rect">
+            <a:avLst/>
+          </a:prstGeom>
+          <a:noFill/>
+        </p:spPr>
+        <p:txBody>
+          <a:bodyPr wrap="none" rtlCol="0">
+            <a:spAutoFit/>
+          </a:bodyPr>
+          <a:lstStyle/>
+          <a:p>
+            <a:r>
+              <a:rPr lang="en-US" sz="1600" dirty="0" smtClean="0"/>
+              <a:t>Check</a:t>
+            </a:r>
+            <a:endParaRPr lang="en-US" sz="1600" dirty="0"/>
+          </a:p>
+        </p:txBody>
+      </p:sp>
+      <p:sp>
+        <p:nvSpPr>
+          <p:cNvPr id="22" name="TextBox 21"/>
+          <p:cNvSpPr txBox="1"/>
+          <p:nvPr/>
+        </p:nvSpPr>
+        <p:spPr>
+          <a:xfrm>
+            <a:off x="2549857" y="4746806"/>
+            <a:ext cx="1267976" cy="338554"/>
+          </a:xfrm>
+          <a:prstGeom prst="rect">
+            <a:avLst/>
+          </a:prstGeom>
+          <a:noFill/>
+        </p:spPr>
+        <p:txBody>
+          <a:bodyPr wrap="none" rtlCol="0">
+            <a:spAutoFit/>
+          </a:bodyPr>
+          <a:lstStyle/>
+          <a:p>
+            <a:r>
+              <a:rPr lang="en-US" sz="1600" dirty="0" smtClean="0"/>
+              <a:t>Return data</a:t>
+            </a:r>
+            <a:endParaRPr lang="en-US" sz="1600" dirty="0"/>
+          </a:p>
+        </p:txBody>
+      </p:sp>
+      <p:pic>
+        <p:nvPicPr>
+          <p:cNvPr id="3" name="Picture 2"/>
+          <p:cNvPicPr>
+            <a:picLocks noChangeAspect="1"/>
+          </p:cNvPicPr>
+          <p:nvPr/>
+        </p:nvPicPr>
+        <p:blipFill>
+          <a:blip r:embed="rId6">
+            <a:extLst>
+              <a:ext uri="{28A0092B-C50C-407E-A947-70E740481C1C}">
+                <a14:useLocalDpi xmlns:a14="http://schemas.microsoft.com/office/drawing/2010/main" val="0"/>
+              </a:ext>
+            </a:extLst>
+          </a:blip>
+          <a:stretch>
+            <a:fillRect/>
+          </a:stretch>
+        </p:blipFill>
+        <p:spPr>
+          <a:xfrm>
+            <a:off x="6294681" y="4126623"/>
+            <a:ext cx="1240366" cy="1240366"/>
+          </a:xfrm>
+          <a:prstGeom prst="rect">
+            <a:avLst/>
+          </a:prstGeom>
+        </p:spPr>
+      </p:pic>
+      <p:sp>
+        <p:nvSpPr>
+          <p:cNvPr id="25" name="Right Arrow 24"/>
+          <p:cNvSpPr/>
+          <p:nvPr/>
+        </p:nvSpPr>
+        <p:spPr>
+          <a:xfrm>
+            <a:off x="4944534" y="4585939"/>
+            <a:ext cx="1232187" cy="321734"/>
+          </a:xfrm>
+          <a:prstGeom prst="rightArrow">
+            <a:avLst/>
+          </a:prstGeom>
+        </p:spPr>
+        <p:style>
+          <a:lnRef idx="2">
+            <a:schemeClr val="accent1">
+              <a:shade val="50000"/>
+            </a:schemeClr>
+          </a:lnRef>
+          <a:fillRef idx="1">
+            <a:schemeClr val="accent1"/>
+          </a:fillRef>
+          <a:effectRef idx="0">
+            <a:schemeClr val="accent1"/>
+          </a:effectRef>
+          <a:fontRef idx="minor">
+            <a:schemeClr val="lt1"/>
+          </a:fontRef>
+        </p:style>
+        <p:txBody>
+          <a:bodyPr rtlCol="0" anchor="ctr"/>
+          <a:lstStyle/>
+          <a:p>
+            <a:pPr algn="ctr"/>
+            <a:endParaRPr lang="en-US"/>
+          </a:p>
+        </p:txBody>
+      </p:sp>
+      <p:sp>
+        <p:nvSpPr>
+          <p:cNvPr id="6" name="TextBox 5"/>
+          <p:cNvSpPr txBox="1"/>
+          <p:nvPr/>
+        </p:nvSpPr>
+        <p:spPr>
+          <a:xfrm>
+            <a:off x="4932217" y="4353897"/>
+            <a:ext cx="1194558" cy="338554"/>
+          </a:xfrm>
+          <a:prstGeom prst="rect">
+            <a:avLst/>
+          </a:prstGeom>
+          <a:noFill/>
+        </p:spPr>
+        <p:txBody>
+          <a:bodyPr wrap="none" rtlCol="0">
+            <a:spAutoFit/>
+          </a:bodyPr>
+          <a:lstStyle/>
+          <a:p>
+            <a:r>
+              <a:rPr lang="en-US" sz="1600" dirty="0" smtClean="0"/>
+              <a:t>Send email</a:t>
+            </a:r>
+            <a:endParaRPr lang="en-US" sz="1600" dirty="0"/>
+          </a:p>
+        </p:txBody>
+      </p:sp>
+      <p:sp>
+        <p:nvSpPr>
+          <p:cNvPr id="7" name="TextBox 6"/>
+          <p:cNvSpPr txBox="1"/>
+          <p:nvPr/>
+        </p:nvSpPr>
+        <p:spPr>
+          <a:xfrm>
+            <a:off x="3817833" y="5654226"/>
+            <a:ext cx="912429" cy="369332"/>
+          </a:xfrm>
+          <a:prstGeom prst="rect">
+            <a:avLst/>
+          </a:prstGeom>
+          <a:noFill/>
+        </p:spPr>
+        <p:txBody>
+          <a:bodyPr wrap="none" rtlCol="0">
+            <a:spAutoFit/>
+          </a:bodyPr>
+          <a:lstStyle/>
+          <a:p>
+            <a:r>
+              <a:rPr lang="en-US" dirty="0" smtClean="0"/>
+              <a:t>System</a:t>
+            </a:r>
+            <a:endParaRPr lang="en-US" dirty="0"/>
+          </a:p>
+        </p:txBody>
+      </p:sp>
+      <p:sp>
+        <p:nvSpPr>
+          <p:cNvPr id="13" name="TextBox 12"/>
+          <p:cNvSpPr txBox="1"/>
+          <p:nvPr/>
+        </p:nvSpPr>
+        <p:spPr>
+          <a:xfrm>
+            <a:off x="1182632" y="5672031"/>
+            <a:ext cx="1130438" cy="369332"/>
+          </a:xfrm>
+          <a:prstGeom prst="rect">
+            <a:avLst/>
+          </a:prstGeom>
+          <a:noFill/>
+        </p:spPr>
+        <p:txBody>
+          <a:bodyPr wrap="none" rtlCol="0">
+            <a:spAutoFit/>
+          </a:bodyPr>
+          <a:lstStyle/>
+          <a:p>
+            <a:r>
+              <a:rPr lang="en-US" dirty="0" smtClean="0"/>
+              <a:t>Database</a:t>
+            </a:r>
+            <a:endParaRPr lang="en-US" dirty="0"/>
+          </a:p>
+        </p:txBody>
+      </p:sp>
+      <p:sp>
+        <p:nvSpPr>
+          <p:cNvPr id="26" name="TextBox 25"/>
+          <p:cNvSpPr txBox="1"/>
+          <p:nvPr/>
+        </p:nvSpPr>
+        <p:spPr>
+          <a:xfrm>
+            <a:off x="5973613" y="5672031"/>
+            <a:ext cx="1967398" cy="369332"/>
+          </a:xfrm>
+          <a:prstGeom prst="rect">
+            <a:avLst/>
+          </a:prstGeom>
+          <a:noFill/>
+        </p:spPr>
+        <p:txBody>
+          <a:bodyPr wrap="none" rtlCol="0">
+            <a:spAutoFit/>
+          </a:bodyPr>
+          <a:lstStyle/>
+          <a:p>
+            <a:r>
+              <a:rPr lang="en-US" dirty="0" smtClean="0"/>
+              <a:t>Customer’s email</a:t>
+            </a:r>
+            <a:endParaRPr lang="en-US" dirty="0"/>
+          </a:p>
+        </p:txBody>
+      </p:sp>
+      <p:pic>
+        <p:nvPicPr>
+          <p:cNvPr id="27" name="Picture 26"/>
+          <p:cNvPicPr>
+            <a:picLocks noChangeAspect="1"/>
+          </p:cNvPicPr>
+          <p:nvPr/>
+        </p:nvPicPr>
+        <p:blipFill>
+          <a:blip r:embed="rId7">
+            <a:extLst>
+              <a:ext uri="{28A0092B-C50C-407E-A947-70E740481C1C}">
+                <a14:useLocalDpi xmlns:a14="http://schemas.microsoft.com/office/drawing/2010/main" val="0"/>
+              </a:ext>
+            </a:extLst>
+          </a:blip>
+          <a:stretch>
+            <a:fillRect/>
+          </a:stretch>
+        </p:blipFill>
+        <p:spPr>
+          <a:xfrm flipH="1">
+            <a:off x="6207464" y="2205465"/>
+            <a:ext cx="1414799" cy="1040338"/>
+          </a:xfrm>
+          <a:prstGeom prst="rect">
+            <a:avLst/>
+          </a:prstGeom>
+        </p:spPr>
+      </p:pic>
+      <p:sp>
+        <p:nvSpPr>
+          <p:cNvPr id="29" name="Curved Down Arrow 28"/>
+          <p:cNvSpPr/>
+          <p:nvPr/>
+        </p:nvSpPr>
+        <p:spPr>
+          <a:xfrm>
+            <a:off x="1665616" y="1753037"/>
+            <a:ext cx="5035379" cy="481035"/>
+          </a:xfrm>
+          <a:prstGeom prst="curvedDownArrow">
+            <a:avLst/>
+          </a:prstGeom>
+        </p:spPr>
+        <p:style>
+          <a:lnRef idx="2">
+            <a:schemeClr val="accent1">
+              <a:shade val="50000"/>
+            </a:schemeClr>
+          </a:lnRef>
+          <a:fillRef idx="1">
+            <a:schemeClr val="accent1"/>
+          </a:fillRef>
+          <a:effectRef idx="0">
+            <a:schemeClr val="accent1"/>
+          </a:effectRef>
+          <a:fontRef idx="minor">
+            <a:schemeClr val="lt1"/>
+          </a:fontRef>
+        </p:style>
+        <p:txBody>
+          <a:bodyPr rtlCol="0" anchor="ctr"/>
+          <a:lstStyle/>
+          <a:p>
+            <a:pPr algn="ctr"/>
+            <a:endParaRPr lang="en-US">
+              <a:solidFill>
+                <a:schemeClr val="tx1"/>
+              </a:solidFill>
+            </a:endParaRPr>
+          </a:p>
+        </p:txBody>
+      </p:sp>
+      <p:sp>
+        <p:nvSpPr>
+          <p:cNvPr id="30" name="TextBox 29"/>
+          <p:cNvSpPr txBox="1"/>
+          <p:nvPr/>
+        </p:nvSpPr>
+        <p:spPr>
+          <a:xfrm>
+            <a:off x="4826574" y="1438995"/>
+            <a:ext cx="1495922" cy="338554"/>
+          </a:xfrm>
+          <a:prstGeom prst="rect">
+            <a:avLst/>
+          </a:prstGeom>
+          <a:noFill/>
+        </p:spPr>
+        <p:txBody>
+          <a:bodyPr wrap="none" rtlCol="0">
+            <a:spAutoFit/>
+          </a:bodyPr>
+          <a:lstStyle/>
+          <a:p>
+            <a:r>
+              <a:rPr lang="en-US" sz="1600" dirty="0" smtClean="0"/>
+              <a:t>Check request</a:t>
+            </a:r>
+            <a:endParaRPr lang="en-US" sz="1600" dirty="0"/>
+          </a:p>
+        </p:txBody>
+      </p:sp>
+      <p:sp>
+        <p:nvSpPr>
+          <p:cNvPr id="31" name="TextBox 30"/>
+          <p:cNvSpPr txBox="1"/>
+          <p:nvPr/>
+        </p:nvSpPr>
+        <p:spPr>
+          <a:xfrm>
+            <a:off x="1009637" y="3207703"/>
+            <a:ext cx="1165704" cy="369332"/>
+          </a:xfrm>
+          <a:prstGeom prst="rect">
+            <a:avLst/>
+          </a:prstGeom>
+          <a:noFill/>
+        </p:spPr>
+        <p:txBody>
+          <a:bodyPr wrap="none" rtlCol="0">
+            <a:spAutoFit/>
+          </a:bodyPr>
+          <a:lstStyle/>
+          <a:p>
+            <a:r>
+              <a:rPr lang="en-US" dirty="0" smtClean="0"/>
+              <a:t>Customer</a:t>
+            </a:r>
+            <a:endParaRPr lang="en-US" dirty="0"/>
+          </a:p>
+        </p:txBody>
+      </p:sp>
+      <p:sp>
+        <p:nvSpPr>
+          <p:cNvPr id="32" name="TextBox 31"/>
+          <p:cNvSpPr txBox="1"/>
+          <p:nvPr/>
+        </p:nvSpPr>
+        <p:spPr>
+          <a:xfrm>
+            <a:off x="3823735" y="3254108"/>
+            <a:ext cx="1002839" cy="369332"/>
+          </a:xfrm>
+          <a:prstGeom prst="rect">
+            <a:avLst/>
+          </a:prstGeom>
+          <a:noFill/>
+        </p:spPr>
+        <p:txBody>
+          <a:bodyPr wrap="none" rtlCol="0">
+            <a:spAutoFit/>
+          </a:bodyPr>
+          <a:lstStyle/>
+          <a:p>
+            <a:r>
+              <a:rPr lang="en-US" dirty="0" smtClean="0"/>
+              <a:t>Website</a:t>
+            </a:r>
+            <a:endParaRPr lang="en-US" dirty="0"/>
+          </a:p>
+        </p:txBody>
+      </p:sp>
+      <p:sp>
+        <p:nvSpPr>
+          <p:cNvPr id="33" name="TextBox 32"/>
+          <p:cNvSpPr txBox="1"/>
+          <p:nvPr/>
+        </p:nvSpPr>
+        <p:spPr>
+          <a:xfrm>
+            <a:off x="6226886" y="3262520"/>
+            <a:ext cx="1375954" cy="369332"/>
+          </a:xfrm>
+          <a:prstGeom prst="rect">
+            <a:avLst/>
+          </a:prstGeom>
+          <a:noFill/>
+        </p:spPr>
+        <p:txBody>
+          <a:bodyPr wrap="none" rtlCol="0">
+            <a:spAutoFit/>
+          </a:bodyPr>
+          <a:lstStyle/>
+          <a:p>
+            <a:r>
+              <a:rPr lang="en-US" dirty="0" smtClean="0"/>
+              <a:t>Result page</a:t>
+            </a:r>
+            <a:endParaRPr lang="en-US" dirty="0"/>
+          </a:p>
+        </p:txBody>
+      </p:sp>
     </p:spTree>
     <p:extLst>
       <p:ext uri="{BB962C8B-B14F-4D97-AF65-F5344CB8AC3E}">
-        <p14:creationId xmlns:p14="http://schemas.microsoft.com/office/powerpoint/2010/main" val="1006457680"/>
+        <p14:creationId xmlns:p14="http://schemas.microsoft.com/office/powerpoint/2010/main" val="3255849807"/>
       </p:ext>
     </p:extLst>
   </p:cSld>
@@ -8502,24 +11440,7 @@
           <a:p>
             <a:r>
               <a:rPr lang="en-US" dirty="0" smtClean="0"/>
-              <a:t>Project Features</a:t>
-            </a:r>
-            <a:br>
-              <a:rPr lang="en-US" dirty="0" smtClean="0"/>
-            </a:br>
-            <a:r>
-              <a:rPr lang="en-US" dirty="0" smtClean="0"/>
-              <a:t>	</a:t>
-            </a:r>
-            <a:r>
-              <a:rPr lang="en-US" sz="3200" dirty="0" smtClean="0">
-                <a:solidFill>
-                  <a:schemeClr val="accent2">
-                    <a:lumMod val="50000"/>
-                  </a:schemeClr>
-                </a:solidFill>
-              </a:rPr>
-              <a:t>Create Contract</a:t>
+              <a:t>Pros and Cons</a:t>
             </a:r>
             <a:endParaRPr lang="en-US" dirty="0">
               <a:solidFill>
@@ -8531,798 +11452,105 @@
           </a:p>
         </p:txBody>
       </p:sp>
-      <p:pic>
-        <p:nvPicPr>
-          <p:cNvPr id="15" name="Content Placeholder 14"/>
-          <p:cNvPicPr>
-            <a:picLocks noGrp="1" noChangeAspect="1"/>
-          </p:cNvPicPr>
+      <p:sp>
+        <p:nvSpPr>
+          <p:cNvPr id="3" name="Content Placeholder 2"/>
+          <p:cNvSpPr>
+            <a:spLocks noGrp="1"/>
+          </p:cNvSpPr>
           <p:nvPr>
             <p:ph idx="1"/>
           </p:nvPr>
-        </p:nvPicPr>
-        <p:blipFill>
-          <a:blip r:embed="rId3">
-            <a:extLst>
-              <a:ext uri="{28A0092B-C50C-407E-A947-70E740481C1C}">
-                <a14:useLocalDpi xmlns:a14="http://schemas.microsoft.com/office/drawing/2010/main" val="0"/>
-              </a:ext>
-            </a:extLst>
-          </a:blip>
-          <a:stretch>
-            <a:fillRect/>
-          </a:stretch>
-        </p:blipFill>
-        <p:spPr>
-          <a:xfrm>
-            <a:off x="826907" y="1736088"/>
-            <a:ext cx="1196625" cy="998367"/>
-          </a:xfrm>
-        </p:spPr>
-      </p:pic>
-      <p:pic>
-        <p:nvPicPr>
-          <p:cNvPr id="17" name="Picture 16"/>
-          <p:cNvPicPr>
-            <a:picLocks noChangeAspect="1"/>
-          </p:cNvPicPr>
-          <p:nvPr/>
-        </p:nvPicPr>
-        <p:blipFill>
-          <a:blip r:embed="rId4">
-            <a:extLst>
-              <a:ext uri="{28A0092B-C50C-407E-A947-70E740481C1C}">
-                <a14:useLocalDpi xmlns:a14="http://schemas.microsoft.com/office/drawing/2010/main" val="0"/>
-              </a:ext>
-            </a:extLst>
-          </a:blip>
-          <a:stretch>
-            <a:fillRect/>
-          </a:stretch>
-        </p:blipFill>
-        <p:spPr>
-          <a:xfrm>
-            <a:off x="3718476" y="5521542"/>
-            <a:ext cx="1196624" cy="998367"/>
-          </a:xfrm>
-          <a:prstGeom prst="rect">
-            <a:avLst/>
-          </a:prstGeom>
-        </p:spPr>
-      </p:pic>
-      <p:pic>
-        <p:nvPicPr>
-          <p:cNvPr id="20" name="Picture 19"/>
-          <p:cNvPicPr>
-            <a:picLocks noChangeAspect="1"/>
-          </p:cNvPicPr>
-          <p:nvPr/>
-        </p:nvPicPr>
-        <p:blipFill>
-          <a:blip r:embed="rId5">
-            <a:extLst>
-              <a:ext uri="{28A0092B-C50C-407E-A947-70E740481C1C}">
-                <a14:useLocalDpi xmlns:a14="http://schemas.microsoft.com/office/drawing/2010/main" val="0"/>
-              </a:ext>
-            </a:extLst>
-          </a:blip>
-          <a:stretch>
-            <a:fillRect/>
-          </a:stretch>
-        </p:blipFill>
-        <p:spPr>
-          <a:xfrm>
-            <a:off x="6262507" y="1736088"/>
-            <a:ext cx="1196625" cy="998367"/>
-          </a:xfrm>
-          <a:prstGeom prst="rect">
-            <a:avLst/>
-          </a:prstGeom>
-        </p:spPr>
-      </p:pic>
-      <p:pic>
-        <p:nvPicPr>
-          <p:cNvPr id="23" name="Picture 22"/>
-          <p:cNvPicPr>
-            <a:picLocks noChangeAspect="1"/>
-          </p:cNvPicPr>
-          <p:nvPr/>
-        </p:nvPicPr>
-        <p:blipFill>
-          <a:blip r:embed="rId6">
-            <a:extLst>
-              <a:ext uri="{28A0092B-C50C-407E-A947-70E740481C1C}">
-                <a14:useLocalDpi xmlns:a14="http://schemas.microsoft.com/office/drawing/2010/main" val="0"/>
-              </a:ext>
-            </a:extLst>
-          </a:blip>
-          <a:stretch>
-            <a:fillRect/>
-          </a:stretch>
-        </p:blipFill>
-        <p:spPr>
-          <a:xfrm>
-            <a:off x="804235" y="4206777"/>
-            <a:ext cx="1303031" cy="931094"/>
-          </a:xfrm>
-          <a:prstGeom prst="rect">
-            <a:avLst/>
-          </a:prstGeom>
-        </p:spPr>
-      </p:pic>
-      <p:pic>
-        <p:nvPicPr>
-          <p:cNvPr id="24" name="Picture 23"/>
-          <p:cNvPicPr>
-            <a:picLocks noChangeAspect="1"/>
-          </p:cNvPicPr>
-          <p:nvPr/>
-        </p:nvPicPr>
-        <p:blipFill>
-          <a:blip r:embed="rId7">
-            <a:extLst>
-              <a:ext uri="{28A0092B-C50C-407E-A947-70E740481C1C}">
-                <a14:useLocalDpi xmlns:a14="http://schemas.microsoft.com/office/drawing/2010/main" val="0"/>
-              </a:ext>
-            </a:extLst>
-          </a:blip>
-          <a:stretch>
-            <a:fillRect/>
-          </a:stretch>
-        </p:blipFill>
-        <p:spPr>
-          <a:xfrm>
-            <a:off x="3650658" y="3170380"/>
-            <a:ext cx="1355038" cy="1302107"/>
-          </a:xfrm>
-          <a:prstGeom prst="rect">
-            <a:avLst/>
-          </a:prstGeom>
-        </p:spPr>
-      </p:pic>
-      <p:pic>
-        <p:nvPicPr>
-          <p:cNvPr id="28" name="Picture 27"/>
-          <p:cNvPicPr>
-            <a:picLocks noChangeAspect="1"/>
-          </p:cNvPicPr>
-          <p:nvPr/>
-        </p:nvPicPr>
-        <p:blipFill>
-          <a:blip r:embed="rId8">
-            <a:extLst>
-              <a:ext uri="{28A0092B-C50C-407E-A947-70E740481C1C}">
-                <a14:useLocalDpi xmlns:a14="http://schemas.microsoft.com/office/drawing/2010/main" val="0"/>
-              </a:ext>
-            </a:extLst>
-          </a:blip>
-          <a:stretch>
-            <a:fillRect/>
-          </a:stretch>
-        </p:blipFill>
-        <p:spPr>
-          <a:xfrm>
-            <a:off x="6503214" y="3628908"/>
-            <a:ext cx="1220586" cy="1220586"/>
-          </a:xfrm>
-          <a:prstGeom prst="rect">
-            <a:avLst/>
-          </a:prstGeom>
-        </p:spPr>
-      </p:pic>
-      <p:sp>
-        <p:nvSpPr>
-          <p:cNvPr id="35" name="Right Arrow 34"/>
-          <p:cNvSpPr/>
-          <p:nvPr/>
-        </p:nvSpPr>
-        <p:spPr>
-          <a:xfrm rot="5400000" flipV="1">
-            <a:off x="860686" y="3471671"/>
-            <a:ext cx="1129072" cy="235249"/>
-          </a:xfrm>
-          <a:prstGeom prst="rightArrow">
-            <a:avLst/>
-          </a:prstGeom>
-        </p:spPr>
-        <p:style>
-          <a:lnRef idx="2">
-            <a:schemeClr val="accent1">
-              <a:shade val="50000"/>
-            </a:schemeClr>
-          </a:lnRef>
-          <a:fillRef idx="1">
-            <a:schemeClr val="accent1"/>
-          </a:fillRef>
-          <a:effectRef idx="0">
-            <a:schemeClr val="accent1"/>
-          </a:effectRef>
-          <a:fontRef idx="minor">
-            <a:schemeClr val="lt1"/>
-          </a:fontRef>
-        </p:style>
-        <p:txBody>
-          <a:bodyPr rtlCol="0" anchor="ctr"/>
-          <a:lstStyle/>
-          <a:p>
-            <a:pPr algn="ctr"/>
-            <a:endParaRPr lang="en-US"/>
-          </a:p>
-        </p:txBody>
-      </p:sp>
-      <p:sp>
-        <p:nvSpPr>
-          <p:cNvPr id="36" name="Right Arrow 35"/>
-          <p:cNvSpPr/>
-          <p:nvPr/>
-        </p:nvSpPr>
-        <p:spPr>
-          <a:xfrm rot="20943318" flipV="1">
-            <a:off x="2463072" y="3835793"/>
-            <a:ext cx="894646" cy="235249"/>
-          </a:xfrm>
-          <a:prstGeom prst="rightArrow">
-            <a:avLst/>
-          </a:prstGeom>
-        </p:spPr>
-        <p:style>
-          <a:lnRef idx="2">
-            <a:schemeClr val="accent1">
-              <a:shade val="50000"/>
-            </a:schemeClr>
-          </a:lnRef>
-          <a:fillRef idx="1">
-            <a:schemeClr val="accent1"/>
-          </a:fillRef>
-          <a:effectRef idx="0">
-            <a:schemeClr val="accent1"/>
-          </a:effectRef>
-          <a:fontRef idx="minor">
-            <a:schemeClr val="lt1"/>
-          </a:fontRef>
-        </p:style>
-        <p:txBody>
-          <a:bodyPr rtlCol="0" anchor="ctr"/>
-          <a:lstStyle/>
-          <a:p>
-            <a:pPr algn="ctr"/>
-            <a:endParaRPr lang="en-US"/>
-          </a:p>
-        </p:txBody>
-      </p:sp>
-      <p:sp>
-        <p:nvSpPr>
-          <p:cNvPr id="38" name="Right Arrow 37"/>
-          <p:cNvSpPr/>
-          <p:nvPr/>
-        </p:nvSpPr>
-        <p:spPr>
-          <a:xfrm rot="16200000" flipV="1">
-            <a:off x="3964547" y="4901903"/>
-            <a:ext cx="704481" cy="235249"/>
-          </a:xfrm>
-          <a:prstGeom prst="rightArrow">
-            <a:avLst/>
-          </a:prstGeom>
-        </p:spPr>
-        <p:style>
-          <a:lnRef idx="2">
-            <a:schemeClr val="accent1">
-              <a:shade val="50000"/>
-            </a:schemeClr>
-          </a:lnRef>
-          <a:fillRef idx="1">
-            <a:schemeClr val="accent1"/>
-          </a:fillRef>
-          <a:effectRef idx="0">
-            <a:schemeClr val="accent1"/>
-          </a:effectRef>
-          <a:fontRef idx="minor">
-            <a:schemeClr val="lt1"/>
-          </a:fontRef>
-        </p:style>
-        <p:txBody>
-          <a:bodyPr rtlCol="0" anchor="ctr"/>
-          <a:lstStyle/>
-          <a:p>
-            <a:pPr algn="ctr"/>
-            <a:endParaRPr lang="en-US"/>
-          </a:p>
-        </p:txBody>
-      </p:sp>
-      <p:sp>
-        <p:nvSpPr>
-          <p:cNvPr id="39" name="Right Arrow 38"/>
-          <p:cNvSpPr/>
-          <p:nvPr/>
-        </p:nvSpPr>
-        <p:spPr>
-          <a:xfrm rot="19514031" flipV="1">
-            <a:off x="5168560" y="3034926"/>
-            <a:ext cx="1127512" cy="235249"/>
-          </a:xfrm>
-          <a:prstGeom prst="rightArrow">
-            <a:avLst/>
-          </a:prstGeom>
-        </p:spPr>
-        <p:style>
-          <a:lnRef idx="2">
-            <a:schemeClr val="accent1">
-              <a:shade val="50000"/>
-            </a:schemeClr>
-          </a:lnRef>
-          <a:fillRef idx="1">
-            <a:schemeClr val="accent1"/>
-          </a:fillRef>
-          <a:effectRef idx="0">
-            <a:schemeClr val="accent1"/>
-          </a:effectRef>
-          <a:fontRef idx="minor">
-            <a:schemeClr val="lt1"/>
-          </a:fontRef>
-        </p:style>
-        <p:txBody>
-          <a:bodyPr rtlCol="0" anchor="ctr"/>
-          <a:lstStyle/>
-          <a:p>
-            <a:pPr algn="ctr"/>
-            <a:endParaRPr lang="en-US"/>
-          </a:p>
-        </p:txBody>
-      </p:sp>
-      <p:sp>
-        <p:nvSpPr>
-          <p:cNvPr id="40" name="Left-Right-Up Arrow 39"/>
-          <p:cNvSpPr/>
-          <p:nvPr/>
-        </p:nvSpPr>
-        <p:spPr>
-          <a:xfrm rot="10800000">
-            <a:off x="2525041" y="1971590"/>
-            <a:ext cx="3583493" cy="1151138"/>
-          </a:xfrm>
-          <a:prstGeom prst="leftRightUpArrow">
-            <a:avLst>
-              <a:gd name="adj1" fmla="val 14807"/>
-              <a:gd name="adj2" fmla="val 29453"/>
-              <a:gd name="adj3" fmla="val 25000"/>
-            </a:avLst>
-          </a:prstGeom>
-        </p:spPr>
-        <p:style>
-          <a:lnRef idx="2">
-            <a:schemeClr val="accent1">
-              <a:shade val="50000"/>
-            </a:schemeClr>
-          </a:lnRef>
-          <a:fillRef idx="1">
-            <a:schemeClr val="accent1"/>
-          </a:fillRef>
-          <a:effectRef idx="0">
-            <a:schemeClr val="accent1"/>
-          </a:effectRef>
-          <a:fontRef idx="minor">
-            <a:schemeClr val="lt1"/>
-          </a:fontRef>
-        </p:style>
-        <p:txBody>
-          <a:bodyPr rtlCol="0" anchor="ctr"/>
-          <a:lstStyle/>
-          <a:p>
-            <a:pPr algn="ctr"/>
-            <a:endParaRPr lang="en-US"/>
-          </a:p>
-        </p:txBody>
-      </p:sp>
-      <p:sp>
-        <p:nvSpPr>
-          <p:cNvPr id="43" name="Right Arrow 42"/>
-          <p:cNvSpPr/>
-          <p:nvPr/>
-        </p:nvSpPr>
-        <p:spPr>
-          <a:xfrm rot="424560" flipV="1">
-            <a:off x="5175855" y="4089153"/>
-            <a:ext cx="1416430" cy="235249"/>
-          </a:xfrm>
-          <a:prstGeom prst="rightArrow">
-            <a:avLst/>
-          </a:prstGeom>
-        </p:spPr>
-        <p:style>
-          <a:lnRef idx="2">
-            <a:schemeClr val="accent1">
-              <a:shade val="50000"/>
-            </a:schemeClr>
-          </a:lnRef>
-          <a:fillRef idx="1">
-            <a:schemeClr val="accent1"/>
-          </a:fillRef>
-          <a:effectRef idx="0">
-            <a:schemeClr val="accent1"/>
-          </a:effectRef>
-          <a:fontRef idx="minor">
-            <a:schemeClr val="lt1"/>
-          </a:fontRef>
-        </p:style>
-        <p:txBody>
-          <a:bodyPr rtlCol="0" anchor="ctr"/>
-          <a:lstStyle/>
-          <a:p>
-            <a:pPr algn="ctr"/>
-            <a:endParaRPr lang="en-US"/>
-          </a:p>
-        </p:txBody>
-      </p:sp>
-      <p:sp>
-        <p:nvSpPr>
-          <p:cNvPr id="44" name="TextBox 43"/>
-          <p:cNvSpPr txBox="1"/>
-          <p:nvPr/>
-        </p:nvSpPr>
-        <p:spPr>
-          <a:xfrm>
-            <a:off x="1564147" y="3047704"/>
-            <a:ext cx="1787669" cy="338554"/>
-          </a:xfrm>
-          <a:prstGeom prst="rect">
-            <a:avLst/>
-          </a:prstGeom>
-          <a:noFill/>
-        </p:spPr>
-        <p:txBody>
-          <a:bodyPr wrap="none" rtlCol="0">
-            <a:spAutoFit/>
+        </p:nvSpPr>
+        <p:spPr/>
+        <p:txBody>
+          <a:bodyPr>
+            <a:normAutofit/>
           </a:bodyPr>
           <a:lstStyle/>
           <a:p>
             <a:r>
-              <a:rPr lang="en-US" sz="1600" dirty="0" smtClean="0"/>
-              <a:t>(1) Go to website</a:t>
-            </a:r>
-            <a:endParaRPr lang="en-US" sz="1600" dirty="0"/>
-          </a:p>
-        </p:txBody>
-      </p:sp>
-      <p:sp>
-        <p:nvSpPr>
-          <p:cNvPr id="45" name="TextBox 44"/>
-          <p:cNvSpPr txBox="1"/>
-          <p:nvPr/>
-        </p:nvSpPr>
-        <p:spPr>
-          <a:xfrm>
-            <a:off x="2246638" y="4082512"/>
-            <a:ext cx="1415662" cy="584775"/>
-          </a:xfrm>
-          <a:prstGeom prst="rect">
-            <a:avLst/>
-          </a:prstGeom>
-          <a:noFill/>
-        </p:spPr>
-        <p:txBody>
-          <a:bodyPr wrap="square" rtlCol="0">
-            <a:spAutoFit/>
-          </a:bodyPr>
-          <a:lstStyle/>
-          <a:p>
-            <a:r>
-              <a:rPr lang="en-US" sz="1600" dirty="0" smtClean="0"/>
-              <a:t>(2) Create appointment</a:t>
-            </a:r>
-            <a:endParaRPr lang="en-US" sz="1600" dirty="0"/>
-          </a:p>
-        </p:txBody>
-      </p:sp>
-      <p:sp>
-        <p:nvSpPr>
-          <p:cNvPr id="47" name="TextBox 46"/>
-          <p:cNvSpPr txBox="1"/>
-          <p:nvPr/>
-        </p:nvSpPr>
-        <p:spPr>
-          <a:xfrm>
-            <a:off x="2525042" y="4897273"/>
-            <a:ext cx="1404020" cy="584775"/>
-          </a:xfrm>
-          <a:prstGeom prst="rect">
-            <a:avLst/>
-          </a:prstGeom>
-          <a:noFill/>
-        </p:spPr>
-        <p:txBody>
-          <a:bodyPr wrap="square" rtlCol="0">
-            <a:spAutoFit/>
-          </a:bodyPr>
-          <a:lstStyle/>
-          <a:p>
-            <a:r>
-              <a:rPr lang="en-US" sz="1600" dirty="0" smtClean="0"/>
-              <a:t>(3, </a:t>
-            </a:r>
-            <a:r>
-              <a:rPr lang="en-US" sz="1600" dirty="0" smtClean="0"/>
-              <a:t>7) </a:t>
-            </a:r>
-            <a:r>
-              <a:rPr lang="en-US" sz="1600" dirty="0" smtClean="0"/>
-              <a:t>Go to appointment</a:t>
-            </a:r>
-            <a:endParaRPr lang="en-US" sz="1600" dirty="0"/>
-          </a:p>
-        </p:txBody>
-      </p:sp>
-      <p:sp>
-        <p:nvSpPr>
-          <p:cNvPr id="48" name="TextBox 47"/>
-          <p:cNvSpPr txBox="1"/>
-          <p:nvPr/>
-        </p:nvSpPr>
-        <p:spPr>
-          <a:xfrm>
-            <a:off x="5732316" y="3165459"/>
-            <a:ext cx="1797159" cy="338554"/>
-          </a:xfrm>
-          <a:prstGeom prst="rect">
-            <a:avLst/>
-          </a:prstGeom>
-          <a:noFill/>
-        </p:spPr>
-        <p:txBody>
-          <a:bodyPr wrap="none" rtlCol="0">
-            <a:spAutoFit/>
-          </a:bodyPr>
-          <a:lstStyle/>
-          <a:p>
-            <a:r>
-              <a:rPr lang="en-US" sz="1600" dirty="0" smtClean="0"/>
-              <a:t>(4) Assign to staff</a:t>
-            </a:r>
-            <a:endParaRPr lang="en-US" sz="1600" dirty="0"/>
-          </a:p>
-        </p:txBody>
-      </p:sp>
-      <p:sp>
-        <p:nvSpPr>
-          <p:cNvPr id="50" name="TextBox 49"/>
-          <p:cNvSpPr txBox="1"/>
-          <p:nvPr/>
-        </p:nvSpPr>
-        <p:spPr>
-          <a:xfrm>
-            <a:off x="3045446" y="1829131"/>
-            <a:ext cx="2542684" cy="338554"/>
-          </a:xfrm>
-          <a:prstGeom prst="rect">
-            <a:avLst/>
-          </a:prstGeom>
-          <a:noFill/>
-        </p:spPr>
-        <p:txBody>
-          <a:bodyPr wrap="none" rtlCol="0">
-            <a:spAutoFit/>
-          </a:bodyPr>
-          <a:lstStyle/>
-          <a:p>
-            <a:r>
-              <a:rPr lang="en-US" sz="1600" dirty="0" smtClean="0"/>
-              <a:t>(5) Meet and check office</a:t>
-            </a:r>
-            <a:endParaRPr lang="en-US" sz="1600" dirty="0"/>
-          </a:p>
-        </p:txBody>
-      </p:sp>
-      <p:sp>
-        <p:nvSpPr>
-          <p:cNvPr id="52" name="TextBox 51"/>
-          <p:cNvSpPr txBox="1"/>
-          <p:nvPr/>
-        </p:nvSpPr>
-        <p:spPr>
-          <a:xfrm>
-            <a:off x="5326589" y="4374317"/>
-            <a:ext cx="1343395" cy="584775"/>
-          </a:xfrm>
-          <a:prstGeom prst="rect">
-            <a:avLst/>
-          </a:prstGeom>
-          <a:noFill/>
-        </p:spPr>
-        <p:txBody>
-          <a:bodyPr wrap="square" rtlCol="0">
-            <a:spAutoFit/>
-          </a:bodyPr>
-          <a:lstStyle/>
-          <a:p>
-            <a:r>
-              <a:rPr lang="en-US" sz="1600" dirty="0" smtClean="0"/>
-              <a:t>(8) </a:t>
-            </a:r>
-            <a:r>
-              <a:rPr lang="en-US" sz="1600" dirty="0" smtClean="0"/>
-              <a:t>Create Contract</a:t>
-            </a:r>
-            <a:endParaRPr lang="en-US" sz="1600" dirty="0"/>
-          </a:p>
-        </p:txBody>
-      </p:sp>
-      <p:sp>
-        <p:nvSpPr>
-          <p:cNvPr id="3" name="TextBox 2"/>
-          <p:cNvSpPr txBox="1"/>
-          <p:nvPr/>
-        </p:nvSpPr>
-        <p:spPr>
-          <a:xfrm>
-            <a:off x="857828" y="2655426"/>
-            <a:ext cx="1165704" cy="369332"/>
-          </a:xfrm>
-          <a:prstGeom prst="rect">
-            <a:avLst/>
-          </a:prstGeom>
-          <a:noFill/>
-        </p:spPr>
-        <p:txBody>
-          <a:bodyPr wrap="none" rtlCol="0">
-            <a:spAutoFit/>
-          </a:bodyPr>
-          <a:lstStyle/>
-          <a:p>
-            <a:r>
               <a:rPr lang="en-US" dirty="0" smtClean="0"/>
-              <a:t>Customer</a:t>
-            </a:r>
-          </a:p>
-        </p:txBody>
-      </p:sp>
-      <p:sp>
-        <p:nvSpPr>
-          <p:cNvPr id="22" name="TextBox 21"/>
-          <p:cNvSpPr txBox="1"/>
-          <p:nvPr/>
-        </p:nvSpPr>
-        <p:spPr>
-          <a:xfrm>
-            <a:off x="872898" y="5135089"/>
-            <a:ext cx="1002839" cy="369332"/>
-          </a:xfrm>
-          <a:prstGeom prst="rect">
-            <a:avLst/>
-          </a:prstGeom>
-          <a:noFill/>
-        </p:spPr>
-        <p:txBody>
-          <a:bodyPr wrap="none" rtlCol="0">
-            <a:spAutoFit/>
-          </a:bodyPr>
-          <a:lstStyle/>
-          <a:p>
+              <a:t>Pros:</a:t>
+            </a:r>
+          </a:p>
+          <a:p>
+            <a:pPr lvl="1" fontAlgn="base"/>
+            <a:r>
+              <a:rPr lang="vi-VN" dirty="0" smtClean="0"/>
+              <a:t>Providing </a:t>
+            </a:r>
+            <a:r>
+              <a:rPr lang="vi-VN" dirty="0"/>
+              <a:t>search engines criteria: price, location</a:t>
+            </a:r>
+            <a:r>
+              <a:rPr lang="en-US" dirty="0"/>
+              <a:t>, amenities</a:t>
+            </a:r>
+            <a:r>
+              <a:rPr lang="vi-VN" dirty="0"/>
+              <a:t>...</a:t>
+            </a:r>
+            <a:endParaRPr lang="en-US" dirty="0"/>
+          </a:p>
+          <a:p>
+            <a:pPr lvl="1" fontAlgn="base"/>
+            <a:r>
+              <a:rPr lang="vi-VN" dirty="0"/>
+              <a:t>Providing full information about the office. Support map for </a:t>
+            </a:r>
+            <a:r>
+              <a:rPr lang="vi-VN" dirty="0" smtClean="0"/>
+              <a:t>customers</a:t>
+            </a:r>
             <a:r>
               <a:rPr lang="en-US" dirty="0" smtClean="0"/>
-              <a:t>Website</a:t>
-            </a:r>
-          </a:p>
-        </p:txBody>
-      </p:sp>
-      <p:sp>
-        <p:nvSpPr>
-          <p:cNvPr id="25" name="TextBox 24"/>
-          <p:cNvSpPr txBox="1"/>
-          <p:nvPr/>
-        </p:nvSpPr>
-        <p:spPr>
-          <a:xfrm>
-            <a:off x="3807104" y="6374737"/>
-            <a:ext cx="1107996" cy="369332"/>
-          </a:xfrm>
-          <a:prstGeom prst="rect">
-            <a:avLst/>
-          </a:prstGeom>
-          <a:noFill/>
-        </p:spPr>
-        <p:txBody>
-          <a:bodyPr wrap="none" rtlCol="0">
-            <a:spAutoFit/>
-          </a:bodyPr>
-          <a:lstStyle/>
-          <a:p>
+              <a:t>.</a:t>
+            </a:r>
+            <a:endParaRPr lang="en-US" dirty="0"/>
+          </a:p>
+          <a:p>
+            <a:pPr lvl="1" fontAlgn="base"/>
             <a:r>
               <a:rPr lang="en-US" dirty="0" smtClean="0"/>
-              <a:t>Manager	</a:t>
-            </a:r>
-          </a:p>
-        </p:txBody>
-      </p:sp>
-      <p:sp>
-        <p:nvSpPr>
-          <p:cNvPr id="26" name="TextBox 25"/>
-          <p:cNvSpPr txBox="1"/>
-          <p:nvPr/>
-        </p:nvSpPr>
-        <p:spPr>
-          <a:xfrm>
-            <a:off x="6556795" y="2687556"/>
-            <a:ext cx="678391" cy="369332"/>
-          </a:xfrm>
-          <a:prstGeom prst="rect">
-            <a:avLst/>
-          </a:prstGeom>
-          <a:noFill/>
-        </p:spPr>
-        <p:txBody>
-          <a:bodyPr wrap="none" rtlCol="0">
-            <a:spAutoFit/>
-          </a:bodyPr>
-          <a:lstStyle/>
-          <a:p>
+              <a:t>Making an appointment easily.</a:t>
+            </a:r>
+            <a:endParaRPr lang="en-US" dirty="0"/>
+          </a:p>
+          <a:p>
+            <a:pPr lvl="1" fontAlgn="base"/>
             <a:r>
               <a:rPr lang="en-US" dirty="0" smtClean="0"/>
-              <a:t>Staff</a:t>
-            </a:r>
-          </a:p>
-        </p:txBody>
-      </p:sp>
-      <p:sp>
-        <p:nvSpPr>
-          <p:cNvPr id="27" name="TextBox 26"/>
-          <p:cNvSpPr txBox="1"/>
-          <p:nvPr/>
-        </p:nvSpPr>
-        <p:spPr>
-          <a:xfrm>
-            <a:off x="6573134" y="4689454"/>
-            <a:ext cx="1080745" cy="369332"/>
-          </a:xfrm>
-          <a:prstGeom prst="rect">
-            <a:avLst/>
-          </a:prstGeom>
-          <a:noFill/>
-        </p:spPr>
-        <p:txBody>
-          <a:bodyPr wrap="none" rtlCol="0">
-            <a:spAutoFit/>
-          </a:bodyPr>
-          <a:lstStyle/>
-          <a:p>
+              <a:t>Tracking contract easily.</a:t>
+            </a:r>
+            <a:endParaRPr lang="en-US" dirty="0"/>
+          </a:p>
+          <a:p>
+            <a:pPr lvl="1" fontAlgn="base"/>
             <a:r>
               <a:rPr lang="en-US" dirty="0" smtClean="0"/>
-              <a:t>Contract</a:t>
-            </a:r>
-          </a:p>
-        </p:txBody>
-      </p:sp>
-      <p:sp>
-        <p:nvSpPr>
-          <p:cNvPr id="29" name="TextBox 28"/>
-          <p:cNvSpPr txBox="1"/>
-          <p:nvPr/>
-        </p:nvSpPr>
-        <p:spPr>
-          <a:xfrm>
-            <a:off x="3615082" y="4362708"/>
-            <a:ext cx="1521570" cy="369332"/>
-          </a:xfrm>
-          <a:prstGeom prst="rect">
-            <a:avLst/>
-          </a:prstGeom>
-          <a:noFill/>
-        </p:spPr>
-        <p:txBody>
-          <a:bodyPr wrap="none" rtlCol="0">
-            <a:spAutoFit/>
-          </a:bodyPr>
-          <a:lstStyle/>
-          <a:p>
+              <a:t>The customer’s requests are automatically suggest by system.</a:t>
+            </a:r>
+            <a:endParaRPr lang="en-US" dirty="0"/>
+          </a:p>
+          <a:p>
+            <a:pPr lvl="1" fontAlgn="base"/>
             <a:r>
               <a:rPr lang="en-US" dirty="0" smtClean="0"/>
-              <a:t>Appointment</a:t>
-            </a:r>
-          </a:p>
-        </p:txBody>
-      </p:sp>
-      <p:sp>
-        <p:nvSpPr>
-          <p:cNvPr id="6" name="Footer Placeholder 5"/>
+              <a:t>Helping staff easily to manage and update their jobs by mobile application.</a:t>
+            </a:r>
+            <a:endParaRPr lang="en-US" dirty="0"/>
+          </a:p>
+          <a:p>
+            <a:pPr lvl="1"/>
+            <a:endParaRPr lang="en-US" dirty="0"/>
+          </a:p>
+        </p:txBody>
+      </p:sp>
+      <p:sp>
+        <p:nvSpPr>
+          <p:cNvPr id="4" name="Footer Placeholder 3"/>
           <p:cNvSpPr>
             <a:spLocks noGrp="1"/>
           </p:cNvSpPr>
@@ -9345,7 +11573,7 @@
       </p:sp>
       <p:sp>
         <p:nvSpPr>
-          <p:cNvPr id="7" name="Slide Number Placeholder 6"/>
+          <p:cNvPr id="5" name="Slide Number Placeholder 4"/>
           <p:cNvSpPr>
             <a:spLocks noGrp="1"/>
           </p:cNvSpPr>
@@ -9367,40 +11595,10 @@
           </a:p>
         </p:txBody>
       </p:sp>
-      <p:sp>
-        <p:nvSpPr>
-          <p:cNvPr id="31" name="TextBox 30"/>
-          <p:cNvSpPr txBox="1"/>
-          <p:nvPr/>
-        </p:nvSpPr>
-        <p:spPr>
-          <a:xfrm>
-            <a:off x="4335240" y="2383421"/>
-            <a:ext cx="1663046" cy="584775"/>
-          </a:xfrm>
-          <a:prstGeom prst="rect">
-            <a:avLst/>
-          </a:prstGeom>
-          <a:noFill/>
-        </p:spPr>
-        <p:txBody>
-          <a:bodyPr wrap="square" rtlCol="0">
-            <a:spAutoFit/>
-          </a:bodyPr>
-          <a:lstStyle/>
-          <a:p>
-            <a:r>
-              <a:rPr lang="en-US" sz="1600" dirty="0" smtClean="0"/>
-              <a:t>(6) Decide create contract</a:t>
-            </a:r>
-            <a:endParaRPr lang="en-US" sz="1600" dirty="0"/>
-          </a:p>
-        </p:txBody>
-      </p:sp>
     </p:spTree>
     <p:extLst>
       <p:ext uri="{BB962C8B-B14F-4D97-AF65-F5344CB8AC3E}">
-        <p14:creationId xmlns:p14="http://schemas.microsoft.com/office/powerpoint/2010/main" val="1062279058"/>
+        <p14:creationId xmlns:p14="http://schemas.microsoft.com/office/powerpoint/2010/main" val="3968185471"/>
       </p:ext>
     </p:extLst>
   </p:cSld>
@@ -9451,24 +11649,7 @@
           <a:p>
             <a:r>
               <a:rPr lang="en-US" dirty="0" smtClean="0"/>
-              <a:t>Project Features</a:t>
-            </a:r>
-            <a:br>
-              <a:rPr lang="en-US" dirty="0" smtClean="0"/>
-            </a:br>
-            <a:r>
-              <a:rPr lang="en-US" dirty="0" smtClean="0"/>
-              <a:t>	</a:t>
-            </a:r>
-            <a:r>
-              <a:rPr lang="en-US" sz="3200" dirty="0" smtClean="0">
-                <a:solidFill>
-                  <a:schemeClr val="accent2">
-                    <a:lumMod val="50000"/>
-                  </a:schemeClr>
-                </a:solidFill>
-              </a:rPr>
-              <a:t>Request Office</a:t>
+              <a:t>Pros and Cons</a:t>
             </a:r>
             <a:endParaRPr lang="en-US" dirty="0">
               <a:solidFill>
@@ -9482,6 +11663,62 @@
       </p:sp>
       <p:sp>
         <p:nvSpPr>
+          <p:cNvPr id="3" name="Content Placeholder 2"/>
+          <p:cNvSpPr>
+            <a:spLocks noGrp="1"/>
+          </p:cNvSpPr>
+          <p:nvPr>
+            <p:ph idx="1"/>
+          </p:nvPr>
+        </p:nvSpPr>
+        <p:spPr/>
+        <p:txBody>
+          <a:bodyPr>
+            <a:normAutofit/>
+          </a:bodyPr>
+          <a:lstStyle/>
+          <a:p>
+            <a:r>
+              <a:rPr lang="en-US" dirty="0" smtClean="0"/>
+              <a:t>Cons:</a:t>
+            </a:r>
+          </a:p>
+          <a:p>
+            <a:pPr lvl="1" fontAlgn="base"/>
+            <a:r>
+              <a:rPr lang="vi-VN" dirty="0"/>
+              <a:t>The partner who own the office must contact us to post their information.</a:t>
+            </a:r>
+            <a:endParaRPr lang="en-US" dirty="0"/>
+          </a:p>
+          <a:p>
+            <a:pPr lvl="1" fontAlgn="base"/>
+            <a:r>
+              <a:rPr lang="vi-VN" dirty="0" smtClean="0"/>
+              <a:t>The </a:t>
+            </a:r>
+            <a:r>
+              <a:rPr lang="vi-VN" dirty="0"/>
+              <a:t>function of notification system is limited.</a:t>
+            </a:r>
+            <a:endParaRPr lang="en-US" dirty="0"/>
+          </a:p>
+          <a:p>
+            <a:pPr lvl="1"/>
+            <a:r>
+              <a:rPr lang="en-US" dirty="0" smtClean="0"/>
+              <a:t>Only in Ho Chi Minh city.</a:t>
+            </a:r>
+            <a:endParaRPr lang="en-US" dirty="0"/>
+          </a:p>
+          <a:p>
+            <a:pPr lvl="1"/>
+            <a:endParaRPr lang="en-US" dirty="0"/>
+          </a:p>
+        </p:txBody>
+      </p:sp>
+      <p:sp>
+        <p:nvSpPr>
           <p:cNvPr id="4" name="Footer Placeholder 3"/>
           <p:cNvSpPr>
             <a:spLocks noGrp="1"/>
@@ -9527,734 +11764,10 @@
           </a:p>
         </p:txBody>
       </p:sp>
-      <p:pic>
-        <p:nvPicPr>
-          <p:cNvPr id="8" name="Content Placeholder 7"/>
-          <p:cNvPicPr>
-            <a:picLocks noGrp="1" noChangeAspect="1"/>
-          </p:cNvPicPr>
-          <p:nvPr>
-            <p:ph idx="1"/>
-          </p:nvPr>
-        </p:nvPicPr>
-        <p:blipFill>
-          <a:blip r:embed="rId2">
-            <a:extLst>
-              <a:ext uri="{28A0092B-C50C-407E-A947-70E740481C1C}">
-                <a14:useLocalDpi xmlns:a14="http://schemas.microsoft.com/office/drawing/2010/main" val="0"/>
-              </a:ext>
-            </a:extLst>
-          </a:blip>
-          <a:stretch>
-            <a:fillRect/>
-          </a:stretch>
-        </p:blipFill>
-        <p:spPr>
-          <a:xfrm>
-            <a:off x="1033279" y="2242102"/>
-            <a:ext cx="1159106" cy="967064"/>
-          </a:xfrm>
-        </p:spPr>
-      </p:pic>
-      <p:pic>
-        <p:nvPicPr>
-          <p:cNvPr id="9" name="Picture 8"/>
-          <p:cNvPicPr>
-            <a:picLocks noChangeAspect="1"/>
-          </p:cNvPicPr>
-          <p:nvPr/>
-        </p:nvPicPr>
-        <p:blipFill>
-          <a:blip r:embed="rId3">
-            <a:extLst>
-              <a:ext uri="{28A0092B-C50C-407E-A947-70E740481C1C}">
-                <a14:useLocalDpi xmlns:a14="http://schemas.microsoft.com/office/drawing/2010/main" val="0"/>
-              </a:ext>
-            </a:extLst>
-          </a:blip>
-          <a:stretch>
-            <a:fillRect/>
-          </a:stretch>
-        </p:blipFill>
-        <p:spPr>
-          <a:xfrm>
-            <a:off x="3600028" y="2173483"/>
-            <a:ext cx="1413933" cy="1035683"/>
-          </a:xfrm>
-          <a:prstGeom prst="rect">
-            <a:avLst/>
-          </a:prstGeom>
-        </p:spPr>
-      </p:pic>
-      <p:pic>
-        <p:nvPicPr>
-          <p:cNvPr id="10" name="Picture 9"/>
-          <p:cNvPicPr>
-            <a:picLocks noChangeAspect="1"/>
-          </p:cNvPicPr>
-          <p:nvPr/>
-        </p:nvPicPr>
-        <p:blipFill>
-          <a:blip r:embed="rId4">
-            <a:extLst>
-              <a:ext uri="{28A0092B-C50C-407E-A947-70E740481C1C}">
-                <a14:useLocalDpi xmlns:a14="http://schemas.microsoft.com/office/drawing/2010/main" val="0"/>
-              </a:ext>
-            </a:extLst>
-          </a:blip>
-          <a:stretch>
-            <a:fillRect/>
-          </a:stretch>
-        </p:blipFill>
-        <p:spPr>
-          <a:xfrm>
-            <a:off x="3821081" y="4049036"/>
-            <a:ext cx="1005493" cy="1560248"/>
-          </a:xfrm>
-          <a:prstGeom prst="rect">
-            <a:avLst/>
-          </a:prstGeom>
-        </p:spPr>
-      </p:pic>
-      <p:pic>
-        <p:nvPicPr>
-          <p:cNvPr id="11" name="Picture 10"/>
-          <p:cNvPicPr>
-            <a:picLocks noChangeAspect="1"/>
-          </p:cNvPicPr>
-          <p:nvPr/>
-        </p:nvPicPr>
-        <p:blipFill>
-          <a:blip r:embed="rId5">
-            <a:extLst>
-              <a:ext uri="{28A0092B-C50C-407E-A947-70E740481C1C}">
-                <a14:useLocalDpi xmlns:a14="http://schemas.microsoft.com/office/drawing/2010/main" val="0"/>
-              </a:ext>
-            </a:extLst>
-          </a:blip>
-          <a:stretch>
-            <a:fillRect/>
-          </a:stretch>
-        </p:blipFill>
-        <p:spPr>
-          <a:xfrm>
-            <a:off x="939414" y="4084862"/>
-            <a:ext cx="1616875" cy="1616875"/>
-          </a:xfrm>
-          <a:prstGeom prst="rect">
-            <a:avLst/>
-          </a:prstGeom>
-        </p:spPr>
-      </p:pic>
-      <p:sp>
-        <p:nvSpPr>
-          <p:cNvPr id="12" name="Right Arrow 11"/>
-          <p:cNvSpPr/>
-          <p:nvPr/>
-        </p:nvSpPr>
-        <p:spPr>
-          <a:xfrm>
-            <a:off x="2192385" y="2444249"/>
-            <a:ext cx="1254897" cy="220420"/>
-          </a:xfrm>
-          <a:prstGeom prst="rightArrow">
-            <a:avLst/>
-          </a:prstGeom>
-        </p:spPr>
-        <p:style>
-          <a:lnRef idx="2">
-            <a:schemeClr val="accent1">
-              <a:shade val="50000"/>
-            </a:schemeClr>
-          </a:lnRef>
-          <a:fillRef idx="1">
-            <a:schemeClr val="accent1"/>
-          </a:fillRef>
-          <a:effectRef idx="0">
-            <a:schemeClr val="accent1"/>
-          </a:effectRef>
-          <a:fontRef idx="minor">
-            <a:schemeClr val="lt1"/>
-          </a:fontRef>
-        </p:style>
-        <p:txBody>
-          <a:bodyPr rtlCol="0" anchor="ctr"/>
-          <a:lstStyle/>
-          <a:p>
-            <a:pPr algn="ctr"/>
-            <a:endParaRPr lang="en-US"/>
-          </a:p>
-        </p:txBody>
-      </p:sp>
-      <p:sp>
-        <p:nvSpPr>
-          <p:cNvPr id="16" name="Right Arrow 15"/>
-          <p:cNvSpPr/>
-          <p:nvPr/>
-        </p:nvSpPr>
-        <p:spPr>
-          <a:xfrm rot="10800000">
-            <a:off x="2769049" y="4368485"/>
-            <a:ext cx="796126" cy="321734"/>
-          </a:xfrm>
-          <a:prstGeom prst="rightArrow">
-            <a:avLst/>
-          </a:prstGeom>
-        </p:spPr>
-        <p:style>
-          <a:lnRef idx="2">
-            <a:schemeClr val="accent1">
-              <a:shade val="50000"/>
-            </a:schemeClr>
-          </a:lnRef>
-          <a:fillRef idx="1">
-            <a:schemeClr val="accent1"/>
-          </a:fillRef>
-          <a:effectRef idx="0">
-            <a:schemeClr val="accent1"/>
-          </a:effectRef>
-          <a:fontRef idx="minor">
-            <a:schemeClr val="lt1"/>
-          </a:fontRef>
-        </p:style>
-        <p:txBody>
-          <a:bodyPr rtlCol="0" anchor="ctr"/>
-          <a:lstStyle/>
-          <a:p>
-            <a:pPr algn="ctr"/>
-            <a:endParaRPr lang="en-US"/>
-          </a:p>
-        </p:txBody>
-      </p:sp>
-      <p:sp>
-        <p:nvSpPr>
-          <p:cNvPr id="18" name="Right Arrow 17"/>
-          <p:cNvSpPr/>
-          <p:nvPr/>
-        </p:nvSpPr>
-        <p:spPr>
-          <a:xfrm>
-            <a:off x="2790622" y="5072658"/>
-            <a:ext cx="796126" cy="296333"/>
-          </a:xfrm>
-          <a:prstGeom prst="rightArrow">
-            <a:avLst/>
-          </a:prstGeom>
-          <a:solidFill>
-            <a:schemeClr val="bg1"/>
-          </a:solidFill>
-          <a:ln>
-            <a:solidFill>
-              <a:schemeClr val="accent1">
-                <a:shade val="50000"/>
-              </a:schemeClr>
-            </a:solidFill>
-            <a:prstDash val="sysDash"/>
-          </a:ln>
-        </p:spPr>
-        <p:style>
-          <a:lnRef idx="2">
-            <a:schemeClr val="accent1">
-              <a:shade val="50000"/>
-            </a:schemeClr>
-          </a:lnRef>
-          <a:fillRef idx="1">
-            <a:schemeClr val="accent1"/>
-          </a:fillRef>
-          <a:effectRef idx="0">
-            <a:schemeClr val="accent1"/>
-          </a:effectRef>
-          <a:fontRef idx="minor">
-            <a:schemeClr val="lt1"/>
-          </a:fontRef>
-        </p:style>
-        <p:txBody>
-          <a:bodyPr rtlCol="0" anchor="ctr"/>
-          <a:lstStyle/>
-          <a:p>
-            <a:pPr algn="ctr"/>
-            <a:endParaRPr lang="en-US"/>
-          </a:p>
-        </p:txBody>
-      </p:sp>
-      <p:sp>
-        <p:nvSpPr>
-          <p:cNvPr id="19" name="TextBox 18"/>
-          <p:cNvSpPr txBox="1"/>
-          <p:nvPr/>
-        </p:nvSpPr>
-        <p:spPr>
-          <a:xfrm>
-            <a:off x="2045873" y="2168828"/>
-            <a:ext cx="1700668" cy="338554"/>
-          </a:xfrm>
-          <a:prstGeom prst="rect">
-            <a:avLst/>
-          </a:prstGeom>
-          <a:noFill/>
-        </p:spPr>
-        <p:txBody>
-          <a:bodyPr wrap="square" rtlCol="0">
-            <a:spAutoFit/>
-          </a:bodyPr>
-          <a:lstStyle/>
-          <a:p>
-            <a:r>
-              <a:rPr lang="en-US" sz="1600" dirty="0" smtClean="0"/>
-              <a:t>Create request</a:t>
-            </a:r>
-            <a:endParaRPr lang="en-US" sz="1600" dirty="0"/>
-          </a:p>
-        </p:txBody>
-      </p:sp>
-      <p:sp>
-        <p:nvSpPr>
-          <p:cNvPr id="21" name="TextBox 20"/>
-          <p:cNvSpPr txBox="1"/>
-          <p:nvPr/>
-        </p:nvSpPr>
-        <p:spPr>
-          <a:xfrm>
-            <a:off x="2819834" y="4108678"/>
-            <a:ext cx="737702" cy="338554"/>
-          </a:xfrm>
-          <a:prstGeom prst="rect">
-            <a:avLst/>
-          </a:prstGeom>
-          <a:noFill/>
-        </p:spPr>
-        <p:txBody>
-          <a:bodyPr wrap="none" rtlCol="0">
-            <a:spAutoFit/>
-          </a:bodyPr>
-          <a:lstStyle/>
-          <a:p>
-            <a:r>
-              <a:rPr lang="en-US" sz="1600" dirty="0" smtClean="0"/>
-              <a:t>Check</a:t>
-            </a:r>
-            <a:endParaRPr lang="en-US" sz="1600" dirty="0"/>
-          </a:p>
-        </p:txBody>
-      </p:sp>
-      <p:sp>
-        <p:nvSpPr>
-          <p:cNvPr id="22" name="TextBox 21"/>
-          <p:cNvSpPr txBox="1"/>
-          <p:nvPr/>
-        </p:nvSpPr>
-        <p:spPr>
-          <a:xfrm>
-            <a:off x="2549857" y="4746806"/>
-            <a:ext cx="1267976" cy="338554"/>
-          </a:xfrm>
-          <a:prstGeom prst="rect">
-            <a:avLst/>
-          </a:prstGeom>
-          <a:noFill/>
-        </p:spPr>
-        <p:txBody>
-          <a:bodyPr wrap="none" rtlCol="0">
-            <a:spAutoFit/>
-          </a:bodyPr>
-          <a:lstStyle/>
-          <a:p>
-            <a:r>
-              <a:rPr lang="en-US" sz="1600" dirty="0" smtClean="0"/>
-              <a:t>Return data</a:t>
-            </a:r>
-            <a:endParaRPr lang="en-US" sz="1600" dirty="0"/>
-          </a:p>
-        </p:txBody>
-      </p:sp>
-      <p:pic>
-        <p:nvPicPr>
-          <p:cNvPr id="3" name="Picture 2"/>
-          <p:cNvPicPr>
-            <a:picLocks noChangeAspect="1"/>
-          </p:cNvPicPr>
-          <p:nvPr/>
-        </p:nvPicPr>
-        <p:blipFill>
-          <a:blip r:embed="rId6">
-            <a:extLst>
-              <a:ext uri="{28A0092B-C50C-407E-A947-70E740481C1C}">
-                <a14:useLocalDpi xmlns:a14="http://schemas.microsoft.com/office/drawing/2010/main" val="0"/>
-              </a:ext>
-            </a:extLst>
-          </a:blip>
-          <a:stretch>
-            <a:fillRect/>
-          </a:stretch>
-        </p:blipFill>
-        <p:spPr>
-          <a:xfrm>
-            <a:off x="6294681" y="4126623"/>
-            <a:ext cx="1240366" cy="1240366"/>
-          </a:xfrm>
-          <a:prstGeom prst="rect">
-            <a:avLst/>
-          </a:prstGeom>
-        </p:spPr>
-      </p:pic>
-      <p:sp>
-        <p:nvSpPr>
-          <p:cNvPr id="25" name="Right Arrow 24"/>
-          <p:cNvSpPr/>
-          <p:nvPr/>
-        </p:nvSpPr>
-        <p:spPr>
-          <a:xfrm>
-            <a:off x="4944534" y="4585939"/>
-            <a:ext cx="1232187" cy="321734"/>
-          </a:xfrm>
-          <a:prstGeom prst="rightArrow">
-            <a:avLst/>
-          </a:prstGeom>
-        </p:spPr>
-        <p:style>
-          <a:lnRef idx="2">
-            <a:schemeClr val="accent1">
-              <a:shade val="50000"/>
-            </a:schemeClr>
-          </a:lnRef>
-          <a:fillRef idx="1">
-            <a:schemeClr val="accent1"/>
-          </a:fillRef>
-          <a:effectRef idx="0">
-            <a:schemeClr val="accent1"/>
-          </a:effectRef>
-          <a:fontRef idx="minor">
-            <a:schemeClr val="lt1"/>
-          </a:fontRef>
-        </p:style>
-        <p:txBody>
-          <a:bodyPr rtlCol="0" anchor="ctr"/>
-          <a:lstStyle/>
-          <a:p>
-            <a:pPr algn="ctr"/>
-            <a:endParaRPr lang="en-US"/>
-          </a:p>
-        </p:txBody>
-      </p:sp>
-      <p:sp>
-        <p:nvSpPr>
-          <p:cNvPr id="6" name="TextBox 5"/>
-          <p:cNvSpPr txBox="1"/>
-          <p:nvPr/>
-        </p:nvSpPr>
-        <p:spPr>
-          <a:xfrm>
-            <a:off x="4932217" y="4353897"/>
-            <a:ext cx="1194558" cy="338554"/>
-          </a:xfrm>
-          <a:prstGeom prst="rect">
-            <a:avLst/>
-          </a:prstGeom>
-          <a:noFill/>
-        </p:spPr>
-        <p:txBody>
-          <a:bodyPr wrap="none" rtlCol="0">
-            <a:spAutoFit/>
-          </a:bodyPr>
-          <a:lstStyle/>
-          <a:p>
-            <a:r>
-              <a:rPr lang="en-US" sz="1600" dirty="0" smtClean="0"/>
-              <a:t>Send email</a:t>
-            </a:r>
-            <a:endParaRPr lang="en-US" sz="1600" dirty="0"/>
-          </a:p>
-        </p:txBody>
-      </p:sp>
-      <p:sp>
-        <p:nvSpPr>
-          <p:cNvPr id="7" name="TextBox 6"/>
-          <p:cNvSpPr txBox="1"/>
-          <p:nvPr/>
-        </p:nvSpPr>
-        <p:spPr>
-          <a:xfrm>
-            <a:off x="3817833" y="5654226"/>
-            <a:ext cx="912429" cy="369332"/>
-          </a:xfrm>
-          <a:prstGeom prst="rect">
-            <a:avLst/>
-          </a:prstGeom>
-          <a:noFill/>
-        </p:spPr>
-        <p:txBody>
-          <a:bodyPr wrap="none" rtlCol="0">
-            <a:spAutoFit/>
-          </a:bodyPr>
-          <a:lstStyle/>
-          <a:p>
-            <a:r>
-              <a:rPr lang="en-US" dirty="0" smtClean="0"/>
-              <a:t>System</a:t>
-            </a:r>
-            <a:endParaRPr lang="en-US" dirty="0"/>
-          </a:p>
-        </p:txBody>
-      </p:sp>
-      <p:sp>
-        <p:nvSpPr>
-          <p:cNvPr id="13" name="TextBox 12"/>
-          <p:cNvSpPr txBox="1"/>
-          <p:nvPr/>
-        </p:nvSpPr>
-        <p:spPr>
-          <a:xfrm>
-            <a:off x="1182632" y="5672031"/>
-            <a:ext cx="1130438" cy="369332"/>
-          </a:xfrm>
-          <a:prstGeom prst="rect">
-            <a:avLst/>
-          </a:prstGeom>
-          <a:noFill/>
-        </p:spPr>
-        <p:txBody>
-          <a:bodyPr wrap="none" rtlCol="0">
-            <a:spAutoFit/>
-          </a:bodyPr>
-          <a:lstStyle/>
-          <a:p>
-            <a:r>
-              <a:rPr lang="en-US" dirty="0" smtClean="0"/>
-              <a:t>Database</a:t>
-            </a:r>
-            <a:endParaRPr lang="en-US" dirty="0"/>
-          </a:p>
-        </p:txBody>
-      </p:sp>
-      <p:sp>
-        <p:nvSpPr>
-          <p:cNvPr id="26" name="TextBox 25"/>
-          <p:cNvSpPr txBox="1"/>
-          <p:nvPr/>
-        </p:nvSpPr>
-        <p:spPr>
-          <a:xfrm>
-            <a:off x="5973613" y="5672031"/>
-            <a:ext cx="1967398" cy="369332"/>
-          </a:xfrm>
-          <a:prstGeom prst="rect">
-            <a:avLst/>
-          </a:prstGeom>
-          <a:noFill/>
-        </p:spPr>
-        <p:txBody>
-          <a:bodyPr wrap="none" rtlCol="0">
-            <a:spAutoFit/>
-          </a:bodyPr>
-          <a:lstStyle/>
-          <a:p>
-            <a:r>
-              <a:rPr lang="en-US" dirty="0" smtClean="0"/>
-              <a:t>Customer’s email</a:t>
-            </a:r>
-            <a:endParaRPr lang="en-US" dirty="0"/>
-          </a:p>
-        </p:txBody>
-      </p:sp>
-      <p:pic>
-        <p:nvPicPr>
-          <p:cNvPr id="27" name="Picture 26"/>
-          <p:cNvPicPr>
-            <a:picLocks noChangeAspect="1"/>
-          </p:cNvPicPr>
-          <p:nvPr/>
-        </p:nvPicPr>
-        <p:blipFill>
-          <a:blip r:embed="rId7">
-            <a:extLst>
-              <a:ext uri="{28A0092B-C50C-407E-A947-70E740481C1C}">
-                <a14:useLocalDpi xmlns:a14="http://schemas.microsoft.com/office/drawing/2010/main" val="0"/>
-              </a:ext>
-            </a:extLst>
-          </a:blip>
-          <a:stretch>
-            <a:fillRect/>
-          </a:stretch>
-        </p:blipFill>
-        <p:spPr>
-          <a:xfrm flipH="1">
-            <a:off x="6207464" y="2205465"/>
-            <a:ext cx="1414799" cy="1040338"/>
-          </a:xfrm>
-          <a:prstGeom prst="rect">
-            <a:avLst/>
-          </a:prstGeom>
-        </p:spPr>
-      </p:pic>
-      <p:sp>
-        <p:nvSpPr>
-          <p:cNvPr id="29" name="Curved Down Arrow 28"/>
-          <p:cNvSpPr/>
-          <p:nvPr/>
-        </p:nvSpPr>
-        <p:spPr>
-          <a:xfrm>
-            <a:off x="1665616" y="1753037"/>
-            <a:ext cx="5035379" cy="481035"/>
-          </a:xfrm>
-          <a:prstGeom prst="curvedDownArrow">
-            <a:avLst/>
-          </a:prstGeom>
-        </p:spPr>
-        <p:style>
-          <a:lnRef idx="2">
-            <a:schemeClr val="accent1">
-              <a:shade val="50000"/>
-            </a:schemeClr>
-          </a:lnRef>
-          <a:fillRef idx="1">
-            <a:schemeClr val="accent1"/>
-          </a:fillRef>
-          <a:effectRef idx="0">
-            <a:schemeClr val="accent1"/>
-          </a:effectRef>
-          <a:fontRef idx="minor">
-            <a:schemeClr val="lt1"/>
-          </a:fontRef>
-        </p:style>
-        <p:txBody>
-          <a:bodyPr rtlCol="0" anchor="ctr"/>
-          <a:lstStyle/>
-          <a:p>
-            <a:pPr algn="ctr"/>
-            <a:endParaRPr lang="en-US">
-              <a:solidFill>
-                <a:schemeClr val="tx1"/>
-              </a:solidFill>
-            </a:endParaRPr>
-          </a:p>
-        </p:txBody>
-      </p:sp>
-      <p:sp>
-        <p:nvSpPr>
-          <p:cNvPr id="30" name="TextBox 29"/>
-          <p:cNvSpPr txBox="1"/>
-          <p:nvPr/>
-        </p:nvSpPr>
-        <p:spPr>
-          <a:xfrm>
-            <a:off x="4826574" y="1438995"/>
-            <a:ext cx="1495922" cy="338554"/>
-          </a:xfrm>
-          <a:prstGeom prst="rect">
-            <a:avLst/>
-          </a:prstGeom>
-          <a:noFill/>
-        </p:spPr>
-        <p:txBody>
-          <a:bodyPr wrap="none" rtlCol="0">
-            <a:spAutoFit/>
-          </a:bodyPr>
-          <a:lstStyle/>
-          <a:p>
-            <a:r>
-              <a:rPr lang="en-US" sz="1600" dirty="0" smtClean="0"/>
-              <a:t>Check request</a:t>
-            </a:r>
-            <a:endParaRPr lang="en-US" sz="1600" dirty="0"/>
-          </a:p>
-        </p:txBody>
-      </p:sp>
-      <p:sp>
-        <p:nvSpPr>
-          <p:cNvPr id="31" name="TextBox 30"/>
-          <p:cNvSpPr txBox="1"/>
-          <p:nvPr/>
-        </p:nvSpPr>
-        <p:spPr>
-          <a:xfrm>
-            <a:off x="1009637" y="3207703"/>
-            <a:ext cx="1165704" cy="369332"/>
-          </a:xfrm>
-          <a:prstGeom prst="rect">
-            <a:avLst/>
-          </a:prstGeom>
-          <a:noFill/>
-        </p:spPr>
-        <p:txBody>
-          <a:bodyPr wrap="none" rtlCol="0">
-            <a:spAutoFit/>
-          </a:bodyPr>
-          <a:lstStyle/>
-          <a:p>
-            <a:r>
-              <a:rPr lang="en-US" dirty="0" smtClean="0"/>
-              <a:t>Customer</a:t>
-            </a:r>
-            <a:endParaRPr lang="en-US" dirty="0"/>
-          </a:p>
-        </p:txBody>
-      </p:sp>
-      <p:sp>
-        <p:nvSpPr>
-          <p:cNvPr id="32" name="TextBox 31"/>
-          <p:cNvSpPr txBox="1"/>
-          <p:nvPr/>
-        </p:nvSpPr>
-        <p:spPr>
-          <a:xfrm>
-            <a:off x="3823735" y="3254108"/>
-            <a:ext cx="1002839" cy="369332"/>
-          </a:xfrm>
-          <a:prstGeom prst="rect">
-            <a:avLst/>
-          </a:prstGeom>
-          <a:noFill/>
-        </p:spPr>
-        <p:txBody>
-          <a:bodyPr wrap="none" rtlCol="0">
-            <a:spAutoFit/>
-          </a:bodyPr>
-          <a:lstStyle/>
-          <a:p>
-            <a:r>
-              <a:rPr lang="en-US" dirty="0" smtClean="0"/>
-              <a:t>Website</a:t>
-            </a:r>
-            <a:endParaRPr lang="en-US" dirty="0"/>
-          </a:p>
-        </p:txBody>
-      </p:sp>
-      <p:sp>
-        <p:nvSpPr>
-          <p:cNvPr id="33" name="TextBox 32"/>
-          <p:cNvSpPr txBox="1"/>
-          <p:nvPr/>
-        </p:nvSpPr>
-        <p:spPr>
-          <a:xfrm>
-            <a:off x="6226886" y="3262520"/>
-            <a:ext cx="1375954" cy="369332"/>
-          </a:xfrm>
-          <a:prstGeom prst="rect">
-            <a:avLst/>
-          </a:prstGeom>
-          <a:noFill/>
-        </p:spPr>
-        <p:txBody>
-          <a:bodyPr wrap="none" rtlCol="0">
-            <a:spAutoFit/>
-          </a:bodyPr>
-          <a:lstStyle/>
-          <a:p>
-            <a:r>
-              <a:rPr lang="en-US" dirty="0" smtClean="0"/>
-              <a:t>Result page</a:t>
-            </a:r>
-            <a:endParaRPr lang="en-US" dirty="0"/>
-          </a:p>
-        </p:txBody>
-      </p:sp>
     </p:spTree>
     <p:extLst>
       <p:ext uri="{BB962C8B-B14F-4D97-AF65-F5344CB8AC3E}">
-        <p14:creationId xmlns:p14="http://schemas.microsoft.com/office/powerpoint/2010/main" val="3255849807"/>
+        <p14:creationId xmlns:p14="http://schemas.microsoft.com/office/powerpoint/2010/main" val="2902157227"/>
       </p:ext>
     </p:extLst>
   </p:cSld>
@@ -10304,111 +11817,58 @@
           <a:lstStyle/>
           <a:p>
             <a:r>
+              <a:rPr lang="en-US" dirty="0"/>
+              <a:t>Future Development </a:t>
+            </a:r>
+            <a:br>
+              <a:rPr lang="en-US" dirty="0"/>
+            </a:br>
+            <a:endParaRPr lang="en-US" dirty="0"/>
+          </a:p>
+        </p:txBody>
+      </p:sp>
+      <p:sp>
+        <p:nvSpPr>
+          <p:cNvPr id="3" name="Content Placeholder 2"/>
+          <p:cNvSpPr>
+            <a:spLocks noGrp="1"/>
+          </p:cNvSpPr>
+          <p:nvPr>
+            <p:ph idx="1"/>
+          </p:nvPr>
+        </p:nvSpPr>
+        <p:spPr/>
+        <p:txBody>
+          <a:bodyPr/>
+          <a:lstStyle/>
+          <a:p>
+            <a:r>
               <a:rPr lang="en-US" dirty="0" smtClean="0"/>
-              <a:t>Pros and Cons</a:t>
-            </a:r>
-            <a:endParaRPr lang="en-US" dirty="0">
-              <a:solidFill>
-                <a:schemeClr val="accent2">
-                  <a:lumMod val="50000"/>
-                </a:schemeClr>
-              </a:solidFill>
-            </a:endParaRPr>
-          </a:p>
-        </p:txBody>
-      </p:sp>
-      <p:sp>
-        <p:nvSpPr>
-          <p:cNvPr id="3" name="Content Placeholder 2"/>
-          <p:cNvSpPr>
-            <a:spLocks noGrp="1"/>
-          </p:cNvSpPr>
-          <p:nvPr>
-            <p:ph idx="1"/>
-          </p:nvPr>
-        </p:nvSpPr>
-        <p:spPr/>
-        <p:txBody>
-          <a:bodyPr>
-            <a:normAutofit/>
-          </a:bodyPr>
-          <a:lstStyle/>
+              <a:t>Mobile application provide creating office for staff.</a:t>
+            </a:r>
+          </a:p>
           <a:p>
             <a:r>
               <a:rPr lang="en-US" dirty="0" smtClean="0"/>
-              <a:t>Pros:</a:t>
-            </a:r>
-          </a:p>
-          <a:p>
-            <a:pPr lvl="1" fontAlgn="base"/>
-            <a:r>
-              <a:rPr lang="vi-VN" dirty="0" smtClean="0"/>
-              <a:t>Providing </a:t>
-            </a:r>
-            <a:r>
-              <a:rPr lang="vi-VN" dirty="0"/>
-              <a:t>search engines criteria: price, location</a:t>
-            </a:r>
-            <a:r>
-              <a:rPr lang="en-US" dirty="0"/>
-              <a:t>, amenities</a:t>
-            </a:r>
-            <a:r>
-              <a:rPr lang="vi-VN" dirty="0"/>
-              <a:t>...</a:t>
-            </a:r>
-            <a:endParaRPr lang="en-US" dirty="0"/>
-          </a:p>
-          <a:p>
-            <a:pPr lvl="1" fontAlgn="base"/>
-            <a:r>
-              <a:rPr lang="vi-VN" dirty="0"/>
-              <a:t>Providing full information about the office. Support map for </a:t>
-            </a:r>
-            <a:r>
-              <a:rPr lang="vi-VN" dirty="0" smtClean="0"/>
-              <a:t>customers</a:t>
-            </a:r>
+              <a:t>Mobile application for customer.</a:t>
+            </a:r>
+          </a:p>
+          <a:p>
             <a:r>
               <a:rPr lang="en-US" dirty="0" smtClean="0"/>
-              <a:t>.</a:t>
-            </a:r>
-            <a:endParaRPr lang="en-US" dirty="0"/>
-          </a:p>
-          <a:p>
-            <a:pPr lvl="1" fontAlgn="base"/>
+              <a:t>New role for partner to create and manage their office.</a:t>
+            </a:r>
+          </a:p>
+          <a:p>
             <a:r>
               <a:rPr lang="en-US" dirty="0" smtClean="0"/>
-              <a:t>Making an appointment easily.</a:t>
-            </a:r>
-            <a:endParaRPr lang="en-US" dirty="0"/>
-          </a:p>
-          <a:p>
-            <a:pPr lvl="1" fontAlgn="base"/>
-            <a:r>
-              <a:rPr lang="en-US" dirty="0" smtClean="0"/>
-              <a:t>Tracking contract easily.</a:t>
-            </a:r>
-            <a:endParaRPr lang="en-US" dirty="0"/>
-          </a:p>
-          <a:p>
-            <a:pPr lvl="1" fontAlgn="base"/>
-            <a:r>
-              <a:rPr lang="en-US" dirty="0" smtClean="0"/>
-              <a:t>The customer’s requests are automatically suggest by system.</a:t>
-            </a:r>
-            <a:endParaRPr lang="en-US" dirty="0"/>
-          </a:p>
-          <a:p>
-            <a:pPr lvl="1" fontAlgn="base"/>
-            <a:r>
-              <a:rPr lang="en-US" dirty="0" smtClean="0"/>
-              <a:t>Helping staff easily to manage and update their jobs by mobile application.</a:t>
-            </a:r>
-            <a:endParaRPr lang="en-US" dirty="0"/>
-          </a:p>
-          <a:p>
-            <a:pPr lvl="1"/>
+              <a:t>Extend system for different locations.</a:t>
+            </a:r>
+          </a:p>
+          <a:p>
+            <a:endParaRPr lang="en-US" dirty="0" smtClean="0"/>
+          </a:p>
+          <a:p>
             <a:endParaRPr lang="en-US" dirty="0"/>
           </a:p>
         </p:txBody>
@@ -10463,7 +11923,7 @@
     </p:spTree>
     <p:extLst>
       <p:ext uri="{BB962C8B-B14F-4D97-AF65-F5344CB8AC3E}">
-        <p14:creationId xmlns:p14="http://schemas.microsoft.com/office/powerpoint/2010/main" val="3968185471"/>
+        <p14:creationId xmlns:p14="http://schemas.microsoft.com/office/powerpoint/2010/main" val="3986005588"/>
       </p:ext>
     </p:extLst>
   </p:cSld>
